--- a/Presentation/Adaption of XCS to Multi-Learner Predator.pptx
+++ b/Presentation/Adaption of XCS to Multi-Learner Predator.pptx
@@ -6,7 +6,7 @@
     <p:sldMasterId id="2147483828" r:id="rId2"/>
   </p:sldMasterIdLst>
   <p:notesMasterIdLst>
-    <p:notesMasterId r:id="rId53"/>
+    <p:notesMasterId r:id="rId47"/>
   </p:notesMasterIdLst>
   <p:sldIdLst>
     <p:sldId id="256" r:id="rId3"/>
@@ -28,37 +28,31 @@
     <p:sldId id="445" r:id="rId19"/>
     <p:sldId id="422" r:id="rId20"/>
     <p:sldId id="426" r:id="rId21"/>
-    <p:sldId id="427" r:id="rId22"/>
-    <p:sldId id="388" r:id="rId23"/>
-    <p:sldId id="354" r:id="rId24"/>
-    <p:sldId id="431" r:id="rId25"/>
-    <p:sldId id="433" r:id="rId26"/>
-    <p:sldId id="435" r:id="rId27"/>
-    <p:sldId id="393" r:id="rId28"/>
-    <p:sldId id="403" r:id="rId29"/>
-    <p:sldId id="402" r:id="rId30"/>
-    <p:sldId id="401" r:id="rId31"/>
-    <p:sldId id="400" r:id="rId32"/>
-    <p:sldId id="399" r:id="rId33"/>
-    <p:sldId id="398" r:id="rId34"/>
-    <p:sldId id="397" r:id="rId35"/>
-    <p:sldId id="396" r:id="rId36"/>
-    <p:sldId id="395" r:id="rId37"/>
-    <p:sldId id="394" r:id="rId38"/>
-    <p:sldId id="404" r:id="rId39"/>
-    <p:sldId id="446" r:id="rId40"/>
-    <p:sldId id="436" r:id="rId41"/>
-    <p:sldId id="437" r:id="rId42"/>
-    <p:sldId id="438" r:id="rId43"/>
-    <p:sldId id="273" r:id="rId44"/>
-    <p:sldId id="439" r:id="rId45"/>
-    <p:sldId id="447" r:id="rId46"/>
-    <p:sldId id="405" r:id="rId47"/>
-    <p:sldId id="406" r:id="rId48"/>
-    <p:sldId id="407" r:id="rId49"/>
-    <p:sldId id="334" r:id="rId50"/>
-    <p:sldId id="346" r:id="rId51"/>
-    <p:sldId id="335" r:id="rId52"/>
+    <p:sldId id="388" r:id="rId22"/>
+    <p:sldId id="431" r:id="rId23"/>
+    <p:sldId id="433" r:id="rId24"/>
+    <p:sldId id="435" r:id="rId25"/>
+    <p:sldId id="393" r:id="rId26"/>
+    <p:sldId id="403" r:id="rId27"/>
+    <p:sldId id="402" r:id="rId28"/>
+    <p:sldId id="401" r:id="rId29"/>
+    <p:sldId id="400" r:id="rId30"/>
+    <p:sldId id="399" r:id="rId31"/>
+    <p:sldId id="398" r:id="rId32"/>
+    <p:sldId id="397" r:id="rId33"/>
+    <p:sldId id="394" r:id="rId34"/>
+    <p:sldId id="404" r:id="rId35"/>
+    <p:sldId id="436" r:id="rId36"/>
+    <p:sldId id="437" r:id="rId37"/>
+    <p:sldId id="438" r:id="rId38"/>
+    <p:sldId id="273" r:id="rId39"/>
+    <p:sldId id="447" r:id="rId40"/>
+    <p:sldId id="405" r:id="rId41"/>
+    <p:sldId id="406" r:id="rId42"/>
+    <p:sldId id="407" r:id="rId43"/>
+    <p:sldId id="334" r:id="rId44"/>
+    <p:sldId id="346" r:id="rId45"/>
+    <p:sldId id="335" r:id="rId46"/>
   </p:sldIdLst>
   <p:sldSz cx="9144000" cy="6858000" type="screen4x3"/>
   <p:notesSz cx="6858000" cy="9144000"/>
@@ -160,6 +154,262 @@
 </p:presentation>
 </file>
 
+<file path=ppt/charts/chart1.xml><?xml version="1.0" encoding="utf-8"?>
+<c:chartSpace xmlns:c="http://schemas.openxmlformats.org/drawingml/2006/chart" xmlns:a="http://schemas.openxmlformats.org/drawingml/2006/main" xmlns:r="http://schemas.openxmlformats.org/officeDocument/2006/relationships">
+  <c:date1904 val="0"/>
+  <c:lang val="en-US"/>
+  <c:roundedCorners val="0"/>
+  <mc:AlternateContent xmlns:mc="http://schemas.openxmlformats.org/markup-compatibility/2006">
+    <mc:Choice xmlns:c14="http://schemas.microsoft.com/office/drawing/2007/8/2/chart" Requires="c14">
+      <c14:style val="102"/>
+    </mc:Choice>
+    <mc:Fallback>
+      <c:style val="2"/>
+    </mc:Fallback>
+  </mc:AlternateContent>
+  <c:chart>
+    <c:title>
+      <c:tx>
+        <c:rich>
+          <a:bodyPr/>
+          <a:lstStyle/>
+          <a:p>
+            <a:pPr>
+              <a:defRPr/>
+            </a:pPr>
+            <a:r>
+              <a:rPr lang="en-US"/>
+              <a:t>Variance in the </a:t>
+            </a:r>
+          </a:p>
+          <a:p>
+            <a:pPr>
+              <a:defRPr/>
+            </a:pPr>
+            <a:r>
+              <a:rPr lang="en-US"/>
+              <a:t>16x16 Predator/Prey</a:t>
+            </a:r>
+            <a:r>
+              <a:rPr lang="en-US" baseline="0"/>
+              <a:t> Scenario</a:t>
+            </a:r>
+            <a:endParaRPr lang="en-US"/>
+          </a:p>
+        </c:rich>
+      </c:tx>
+      <c:layout/>
+      <c:overlay val="0"/>
+    </c:title>
+    <c:autoTitleDeleted val="0"/>
+    <c:plotArea>
+      <c:layout/>
+      <c:lineChart>
+        <c:grouping val="standard"/>
+        <c:varyColors val="0"/>
+        <c:ser>
+          <c:idx val="1"/>
+          <c:order val="0"/>
+          <c:tx>
+            <c:strRef>
+              <c:f>[Book1]Sheet1!$B$1</c:f>
+              <c:strCache>
+                <c:ptCount val="1"/>
+                <c:pt idx="0">
+                  <c:v>Random Walk</c:v>
+                </c:pt>
+              </c:strCache>
+            </c:strRef>
+          </c:tx>
+          <c:marker>
+            <c:symbol val="none"/>
+          </c:marker>
+          <c:cat>
+            <c:numRef>
+              <c:f>[Book1]Sheet1!$A$2:$A$11</c:f>
+              <c:numCache>
+                <c:formatCode>General</c:formatCode>
+                <c:ptCount val="10"/>
+                <c:pt idx="0">
+                  <c:v>1</c:v>
+                </c:pt>
+                <c:pt idx="1">
+                  <c:v>2</c:v>
+                </c:pt>
+                <c:pt idx="2">
+                  <c:v>3</c:v>
+                </c:pt>
+                <c:pt idx="3">
+                  <c:v>4</c:v>
+                </c:pt>
+                <c:pt idx="4">
+                  <c:v>5</c:v>
+                </c:pt>
+                <c:pt idx="5">
+                  <c:v>6</c:v>
+                </c:pt>
+                <c:pt idx="6">
+                  <c:v>7</c:v>
+                </c:pt>
+                <c:pt idx="7">
+                  <c:v>8</c:v>
+                </c:pt>
+                <c:pt idx="8">
+                  <c:v>9</c:v>
+                </c:pt>
+                <c:pt idx="9">
+                  <c:v>10</c:v>
+                </c:pt>
+              </c:numCache>
+            </c:numRef>
+          </c:cat>
+          <c:val>
+            <c:numRef>
+              <c:f>[Book1]Sheet1!$B$2:$B$11</c:f>
+              <c:numCache>
+                <c:formatCode>General</c:formatCode>
+                <c:ptCount val="10"/>
+                <c:pt idx="0">
+                  <c:v>12.33184</c:v>
+                </c:pt>
+                <c:pt idx="1">
+                  <c:v>7.6058099999999902</c:v>
+                </c:pt>
+                <c:pt idx="2">
+                  <c:v>1.48905</c:v>
+                </c:pt>
+                <c:pt idx="3">
+                  <c:v>3.2652100000000002</c:v>
+                </c:pt>
+                <c:pt idx="4">
+                  <c:v>5.4654400000000001</c:v>
+                </c:pt>
+                <c:pt idx="5">
+                  <c:v>1.39381</c:v>
+                </c:pt>
+                <c:pt idx="6">
+                  <c:v>2.1497999999999999</c:v>
+                </c:pt>
+                <c:pt idx="7">
+                  <c:v>0.52516000000000196</c:v>
+                </c:pt>
+                <c:pt idx="8">
+                  <c:v>0.60068999999999995</c:v>
+                </c:pt>
+                <c:pt idx="9">
+                  <c:v>0.76409000000000105</c:v>
+                </c:pt>
+              </c:numCache>
+            </c:numRef>
+          </c:val>
+          <c:smooth val="0"/>
+        </c:ser>
+        <c:dLbls>
+          <c:showLegendKey val="0"/>
+          <c:showVal val="0"/>
+          <c:showCatName val="0"/>
+          <c:showSerName val="0"/>
+          <c:showPercent val="0"/>
+          <c:showBubbleSize val="0"/>
+        </c:dLbls>
+        <c:marker val="1"/>
+        <c:smooth val="0"/>
+        <c:axId val="55745152"/>
+        <c:axId val="55993472"/>
+      </c:lineChart>
+      <c:catAx>
+        <c:axId val="55745152"/>
+        <c:scaling>
+          <c:orientation val="minMax"/>
+        </c:scaling>
+        <c:delete val="0"/>
+        <c:axPos val="b"/>
+        <c:title>
+          <c:tx>
+            <c:rich>
+              <a:bodyPr/>
+              <a:lstStyle/>
+              <a:p>
+                <a:pPr>
+                  <a:defRPr/>
+                </a:pPr>
+                <a:r>
+                  <a:rPr lang="en-US" dirty="0"/>
+                  <a:t>Number of Experiments</a:t>
+                </a:r>
+              </a:p>
+            </c:rich>
+          </c:tx>
+          <c:layout/>
+          <c:overlay val="0"/>
+        </c:title>
+        <c:numFmt formatCode="General" sourceLinked="1"/>
+        <c:majorTickMark val="out"/>
+        <c:minorTickMark val="none"/>
+        <c:tickLblPos val="nextTo"/>
+        <c:crossAx val="55993472"/>
+        <c:crosses val="autoZero"/>
+        <c:auto val="1"/>
+        <c:lblAlgn val="ctr"/>
+        <c:lblOffset val="100"/>
+        <c:noMultiLvlLbl val="0"/>
+      </c:catAx>
+      <c:valAx>
+        <c:axId val="55993472"/>
+        <c:scaling>
+          <c:orientation val="minMax"/>
+        </c:scaling>
+        <c:delete val="0"/>
+        <c:axPos val="l"/>
+        <c:majorGridlines/>
+        <c:title>
+          <c:tx>
+            <c:rich>
+              <a:bodyPr rot="0" vert="horz"/>
+              <a:lstStyle/>
+              <a:p>
+                <a:pPr>
+                  <a:defRPr/>
+                </a:pPr>
+                <a:r>
+                  <a:rPr lang="en-US"/>
+                  <a:t>Variance (in</a:t>
+                </a:r>
+                <a:r>
+                  <a:rPr lang="en-US" baseline="0"/>
+                  <a:t> %)</a:t>
+                </a:r>
+                <a:endParaRPr lang="en-US"/>
+              </a:p>
+            </c:rich>
+          </c:tx>
+          <c:layout/>
+          <c:overlay val="0"/>
+        </c:title>
+        <c:numFmt formatCode="General" sourceLinked="1"/>
+        <c:majorTickMark val="out"/>
+        <c:minorTickMark val="none"/>
+        <c:tickLblPos val="nextTo"/>
+        <c:crossAx val="55745152"/>
+        <c:crosses val="autoZero"/>
+        <c:crossBetween val="between"/>
+      </c:valAx>
+    </c:plotArea>
+    <c:legend>
+      <c:legendPos val="r"/>
+      <c:layout/>
+      <c:overlay val="0"/>
+    </c:legend>
+    <c:plotVisOnly val="1"/>
+    <c:dispBlanksAs val="gap"/>
+    <c:showDLblsOverMax val="0"/>
+  </c:chart>
+  <c:externalData r:id="rId1">
+    <c:autoUpdate val="0"/>
+  </c:externalData>
+</c:chartSpace>
+</file>
+
 <file path=ppt/notesMasters/notesMaster1.xml><?xml version="1.0" encoding="utf-8"?>
 <p:notesMaster xmlns:a="http://schemas.openxmlformats.org/drawingml/2006/main" xmlns:r="http://schemas.openxmlformats.org/officeDocument/2006/relationships" xmlns:p="http://schemas.openxmlformats.org/presentationml/2006/main">
   <p:cSld>
@@ -242,7 +492,7 @@
           <a:p>
             <a:fld id="{34D932E7-6072-435A-9B6C-8927DA831560}" type="datetimeFigureOut">
               <a:rPr lang="en-US" smtClean="0"/>
-              <a:t>6/26/2010</a:t>
+              <a:t>7/1/2010</a:t>
             </a:fld>
             <a:endParaRPr lang="en-US"/>
           </a:p>
@@ -847,7 +1097,7 @@
           <a:p>
             <a:fld id="{752AE684-469E-4DEC-84CB-71BB448D5890}" type="datetime1">
               <a:rPr lang="en-US" smtClean="0"/>
-              <a:t>6/26/2010</a:t>
+              <a:t>7/1/2010</a:t>
             </a:fld>
             <a:endParaRPr lang="en-US"/>
           </a:p>
@@ -1070,7 +1320,7 @@
           <a:p>
             <a:fld id="{54EAF32B-300E-4D99-B7FB-354E74B0493F}" type="datetime1">
               <a:rPr lang="en-US" smtClean="0"/>
-              <a:t>6/26/2010</a:t>
+              <a:t>7/1/2010</a:t>
             </a:fld>
             <a:endParaRPr lang="en-US"/>
           </a:p>
@@ -1350,7 +1600,7 @@
           <a:p>
             <a:fld id="{DE6CBA39-BA7C-4383-B2F5-2EE7CC22E673}" type="datetime1">
               <a:rPr lang="en-US" smtClean="0"/>
-              <a:t>6/26/2010</a:t>
+              <a:t>7/1/2010</a:t>
             </a:fld>
             <a:endParaRPr lang="en-US"/>
           </a:p>
@@ -1599,7 +1849,7 @@
                 </a:solidFill>
               </a:rPr>
               <a:pPr/>
-              <a:t>26.06.2010</a:t>
+              <a:t>01.07.2010</a:t>
             </a:fld>
             <a:endParaRPr lang="de-DE">
               <a:solidFill>
@@ -1801,7 +2051,7 @@
                 </a:solidFill>
               </a:rPr>
               <a:pPr/>
-              <a:t>26.06.2010</a:t>
+              <a:t>01.07.2010</a:t>
             </a:fld>
             <a:endParaRPr lang="de-DE">
               <a:solidFill>
@@ -2079,7 +2329,7 @@
                 </a:solidFill>
               </a:rPr>
               <a:pPr/>
-              <a:t>26.06.2010</a:t>
+              <a:t>01.07.2010</a:t>
             </a:fld>
             <a:endParaRPr lang="de-DE">
               <a:solidFill>
@@ -2399,7 +2649,7 @@
                 </a:solidFill>
               </a:rPr>
               <a:pPr/>
-              <a:t>26.06.2010</a:t>
+              <a:t>01.07.2010</a:t>
             </a:fld>
             <a:endParaRPr lang="de-DE">
               <a:solidFill>
@@ -2858,7 +3108,7 @@
                 </a:solidFill>
               </a:rPr>
               <a:pPr/>
-              <a:t>26.06.2010</a:t>
+              <a:t>01.07.2010</a:t>
             </a:fld>
             <a:endParaRPr lang="de-DE">
               <a:solidFill>
@@ -3008,7 +3258,7 @@
                 </a:solidFill>
               </a:rPr>
               <a:pPr/>
-              <a:t>26.06.2010</a:t>
+              <a:t>01.07.2010</a:t>
             </a:fld>
             <a:endParaRPr lang="de-DE">
               <a:solidFill>
@@ -3135,7 +3385,7 @@
                 </a:solidFill>
               </a:rPr>
               <a:pPr/>
-              <a:t>26.06.2010</a:t>
+              <a:t>01.07.2010</a:t>
             </a:fld>
             <a:endParaRPr lang="de-DE">
               <a:solidFill>
@@ -3444,7 +3694,7 @@
                 </a:solidFill>
               </a:rPr>
               <a:pPr/>
-              <a:t>26.06.2010</a:t>
+              <a:t>01.07.2010</a:t>
             </a:fld>
             <a:endParaRPr lang="de-DE">
               <a:solidFill>
@@ -3648,7 +3898,7 @@
           <a:p>
             <a:fld id="{A0FD5380-CDA8-4036-BF51-6C0935365B73}" type="datetime1">
               <a:rPr lang="en-US" smtClean="0"/>
-              <a:t>6/26/2010</a:t>
+              <a:t>7/1/2010</a:t>
             </a:fld>
             <a:endParaRPr lang="en-US"/>
           </a:p>
@@ -3903,7 +4153,7 @@
                 </a:solidFill>
               </a:rPr>
               <a:pPr/>
-              <a:t>26.06.2010</a:t>
+              <a:t>01.07.2010</a:t>
             </a:fld>
             <a:endParaRPr lang="de-DE">
               <a:solidFill>
@@ -4105,7 +4355,7 @@
                 </a:solidFill>
               </a:rPr>
               <a:pPr/>
-              <a:t>26.06.2010</a:t>
+              <a:t>01.07.2010</a:t>
             </a:fld>
             <a:endParaRPr lang="de-DE">
               <a:solidFill>
@@ -4317,7 +4567,7 @@
                 </a:solidFill>
               </a:rPr>
               <a:pPr/>
-              <a:t>26.06.2010</a:t>
+              <a:t>01.07.2010</a:t>
             </a:fld>
             <a:endParaRPr lang="de-DE">
               <a:solidFill>
@@ -4705,7 +4955,7 @@
           <a:p>
             <a:fld id="{D9550ACC-C61B-4919-8EFB-721AFB4EFCBA}" type="datetime1">
               <a:rPr lang="en-US" smtClean="0"/>
-              <a:t>6/26/2010</a:t>
+              <a:t>7/1/2010</a:t>
             </a:fld>
             <a:endParaRPr lang="en-US"/>
           </a:p>
@@ -4992,7 +5242,7 @@
           <a:p>
             <a:fld id="{29172137-FD8B-404C-A4CE-4E8E1AE89E95}" type="datetime1">
               <a:rPr lang="en-US" smtClean="0"/>
-              <a:t>6/26/2010</a:t>
+              <a:t>7/1/2010</a:t>
             </a:fld>
             <a:endParaRPr lang="en-US"/>
           </a:p>
@@ -5414,7 +5664,7 @@
           <a:p>
             <a:fld id="{DB684664-CDBE-4407-90E7-EF9ADB2D3978}" type="datetime1">
               <a:rPr lang="en-US" smtClean="0"/>
-              <a:t>6/26/2010</a:t>
+              <a:t>7/1/2010</a:t>
             </a:fld>
             <a:endParaRPr lang="en-US"/>
           </a:p>
@@ -5529,7 +5779,7 @@
           <a:p>
             <a:fld id="{FF07E0FD-E672-461C-8272-A31C2B5A1214}" type="datetime1">
               <a:rPr lang="en-US" smtClean="0"/>
-              <a:t>6/26/2010</a:t>
+              <a:t>7/1/2010</a:t>
             </a:fld>
             <a:endParaRPr lang="en-US"/>
           </a:p>
@@ -5619,7 +5869,7 @@
           <a:p>
             <a:fld id="{5C2EC13C-F66E-4AAA-9B88-F58F454AC5D3}" type="datetime1">
               <a:rPr lang="en-US" smtClean="0"/>
-              <a:t>6/26/2010</a:t>
+              <a:t>7/1/2010</a:t>
             </a:fld>
             <a:endParaRPr lang="en-US"/>
           </a:p>
@@ -5897,7 +6147,7 @@
           <a:p>
             <a:fld id="{4D4F275E-0D43-4BBD-B733-88FC66DF4EA3}" type="datetime1">
               <a:rPr lang="en-US" smtClean="0"/>
-              <a:t>6/26/2010</a:t>
+              <a:t>7/1/2010</a:t>
             </a:fld>
             <a:endParaRPr lang="en-US"/>
           </a:p>
@@ -6263,7 +6513,7 @@
           <a:p>
             <a:fld id="{8FD6DA4A-488C-41D4-BC9D-9177A88AB2AF}" type="datetime1">
               <a:rPr lang="en-US" smtClean="0"/>
-              <a:t>6/26/2010</a:t>
+              <a:t>7/1/2010</a:t>
             </a:fld>
             <a:endParaRPr lang="en-US"/>
           </a:p>
@@ -6700,7 +6950,7 @@
           <a:p>
             <a:fld id="{49BDBD7A-2738-4D1C-AC05-36CCDA0DCE5D}" type="datetime1">
               <a:rPr lang="en-US" smtClean="0"/>
-              <a:t>6/26/2010</a:t>
+              <a:t>7/1/2010</a:t>
             </a:fld>
             <a:endParaRPr lang="en-US"/>
           </a:p>
@@ -7250,7 +7500,7 @@
                 </a:solidFill>
               </a:rPr>
               <a:pPr defTabSz="842113"/>
-              <a:t>26.06.2010</a:t>
+              <a:t>01.07.2010</a:t>
             </a:fld>
             <a:endParaRPr lang="de-DE">
               <a:solidFill>
@@ -7993,8 +8243,12 @@
               <a:buAutoNum type="arabicParenBoth"/>
             </a:pPr>
             <a:r>
+              <a:rPr lang="en-US" dirty="0" smtClean="0"/>
+              <a:t>Open </a:t>
+            </a:r>
+            <a:r>
               <a:rPr lang="en-US" dirty="0"/>
-              <a:t>open areas with </a:t>
+              <a:t>areas with </a:t>
             </a:r>
             <a:r>
               <a:rPr lang="en-US" dirty="0" smtClean="0"/>
@@ -8007,8 +8261,12 @@
               <a:buAutoNum type="arabicParenBoth"/>
             </a:pPr>
             <a:r>
+              <a:rPr lang="en-US" dirty="0" smtClean="0"/>
+              <a:t>Internal </a:t>
+            </a:r>
+            <a:r>
               <a:rPr lang="en-US" dirty="0"/>
-              <a:t>internal state unknown to others</a:t>
+              <a:t>state unknown to others</a:t>
             </a:r>
           </a:p>
           <a:p>
@@ -8016,12 +8274,8 @@
               <a:buAutoNum type="arabicParenBoth"/>
             </a:pPr>
             <a:r>
-              <a:rPr lang="en-US" dirty="0"/>
-              <a:t>dynamic </a:t>
-            </a:r>
-            <a:r>
               <a:rPr lang="en-US" dirty="0" smtClean="0"/>
-              <a:t>scenario</a:t>
+              <a:t>Dynamic scenario</a:t>
             </a:r>
             <a:endParaRPr lang="en-US" dirty="0">
               <a:solidFill>
@@ -8249,8 +8503,12 @@
               <a:buAutoNum type="arabicParenBoth"/>
             </a:pPr>
             <a:r>
+              <a:rPr lang="en-US" dirty="0" smtClean="0"/>
+              <a:t>Open </a:t>
+            </a:r>
+            <a:r>
               <a:rPr lang="en-US" dirty="0"/>
-              <a:t>open areas with </a:t>
+              <a:t>areas with </a:t>
             </a:r>
             <a:r>
               <a:rPr lang="en-US" dirty="0" smtClean="0"/>
@@ -8264,7 +8522,15 @@
             </a:pPr>
             <a:r>
               <a:rPr lang="en-US" dirty="0"/>
-              <a:t>internal state unknown to others</a:t>
+              <a:t>I</a:t>
+            </a:r>
+            <a:r>
+              <a:rPr lang="en-US" dirty="0" smtClean="0"/>
+              <a:t>nternal </a:t>
+            </a:r>
+            <a:r>
+              <a:rPr lang="en-US" dirty="0"/>
+              <a:t>state unknown to others</a:t>
             </a:r>
           </a:p>
           <a:p>
@@ -8272,8 +8538,12 @@
               <a:buAutoNum type="arabicParenBoth"/>
             </a:pPr>
             <a:r>
+              <a:rPr lang="en-US" dirty="0" smtClean="0"/>
+              <a:t>Dynamic </a:t>
+            </a:r>
+            <a:r>
               <a:rPr lang="en-US" dirty="0"/>
-              <a:t>dynamic scenario</a:t>
+              <a:t>scenario</a:t>
             </a:r>
           </a:p>
           <a:p>
@@ -8282,7 +8552,15 @@
             </a:pPr>
             <a:r>
               <a:rPr lang="en-US" dirty="0"/>
-              <a:t>predators share global observation task</a:t>
+              <a:t>P</a:t>
+            </a:r>
+            <a:r>
+              <a:rPr lang="en-US" dirty="0" smtClean="0"/>
+              <a:t>redators </a:t>
+            </a:r>
+            <a:r>
+              <a:rPr lang="en-US" dirty="0"/>
+              <a:t>share global observation task</a:t>
             </a:r>
           </a:p>
           <a:p>
@@ -8291,7 +8569,15 @@
             </a:pPr>
             <a:r>
               <a:rPr lang="en-US" dirty="0"/>
-              <a:t>runs continuously</a:t>
+              <a:t>R</a:t>
+            </a:r>
+            <a:r>
+              <a:rPr lang="en-US" dirty="0" smtClean="0"/>
+              <a:t>uns </a:t>
+            </a:r>
+            <a:r>
+              <a:rPr lang="en-US" dirty="0"/>
+              <a:t>continuously</a:t>
             </a:r>
           </a:p>
           <a:p>
@@ -10049,8 +10335,8 @@
         </p:nvSpPr>
         <p:spPr>
           <a:xfrm>
-            <a:off x="3124199" y="2133600"/>
-            <a:ext cx="2514600" cy="646331"/>
+            <a:off x="3130378" y="1905000"/>
+            <a:ext cx="2514600" cy="1200329"/>
           </a:xfrm>
           <a:prstGeom prst="rect">
             <a:avLst/>
@@ -10065,8 +10351,27 @@
           <a:p>
             <a:r>
               <a:rPr lang="en-US" dirty="0"/>
-              <a:t>Sensors can sense either far or near</a:t>
-            </a:r>
+              <a:t>Sensors can sense either far or near </a:t>
+            </a:r>
+            <a:r>
+              <a:rPr lang="en-US" dirty="0" smtClean="0"/>
+              <a:t>(</a:t>
+            </a:r>
+            <a:r>
+              <a:rPr lang="en-US" dirty="0"/>
+              <a:t>observation </a:t>
+            </a:r>
+            <a:r>
+              <a:rPr lang="en-US" dirty="0" smtClean="0"/>
+              <a:t>range / </a:t>
+            </a:r>
+            <a:r>
+              <a:rPr lang="en-US" dirty="0"/>
+              <a:t>sight range)</a:t>
+            </a:r>
+          </a:p>
+          <a:p>
+            <a:endParaRPr lang="en-US" dirty="0"/>
           </a:p>
         </p:txBody>
       </p:sp>
@@ -12069,7 +12374,27 @@
           <a:p>
             <a:r>
               <a:rPr lang="en-US" dirty="0"/>
-              <a:t>Sensors can distinguish between Predators, Prey and Obstacles</a:t>
+              <a:t>Sensors can distinguish between </a:t>
+            </a:r>
+            <a:r>
+              <a:rPr lang="en-US" dirty="0" smtClean="0"/>
+              <a:t>predators</a:t>
+            </a:r>
+            <a:r>
+              <a:rPr lang="en-US" dirty="0"/>
+              <a:t>, </a:t>
+            </a:r>
+            <a:r>
+              <a:rPr lang="en-US" dirty="0" smtClean="0"/>
+              <a:t>prey, </a:t>
+            </a:r>
+            <a:r>
+              <a:rPr lang="en-US" dirty="0"/>
+              <a:t>and </a:t>
+            </a:r>
+            <a:r>
+              <a:rPr lang="en-US" dirty="0" smtClean="0"/>
+              <a:t>obstacles</a:t>
             </a:r>
             <a:endParaRPr lang="en-US" dirty="0"/>
           </a:p>
@@ -12143,11 +12468,7 @@
           <a:p>
             <a:r>
               <a:rPr lang="en-US" dirty="0" smtClean="0"/>
-              <a:t>Adaption of the standard XCS Reward </a:t>
-            </a:r>
-            <a:r>
-              <a:rPr lang="en-US" dirty="0" smtClean="0"/>
-              <a:t>Function</a:t>
+              <a:t>Adaption of the Standard XCS Reward Function</a:t>
             </a:r>
             <a:endParaRPr lang="en-US" dirty="0"/>
           </a:p>
@@ -12276,9 +12597,16 @@
           <a:p>
             <a:r>
               <a:rPr lang="en-US" dirty="0"/>
-              <a:t>Adaption of the standard XCS Reward Function</a:t>
-            </a:r>
-            <a:endParaRPr lang="en-US" dirty="0"/>
+              <a:t>Adaption of the </a:t>
+            </a:r>
+            <a:r>
+              <a:rPr lang="en-US" dirty="0" smtClean="0"/>
+              <a:t>Standard </a:t>
+            </a:r>
+            <a:r>
+              <a:rPr lang="en-US" dirty="0"/>
+              <a:t>XCS Reward Function</a:t>
+            </a:r>
           </a:p>
         </p:txBody>
       </p:sp>
@@ -12313,7 +12641,7 @@
             <a:pPr lvl="2"/>
             <a:r>
               <a:rPr lang="en-US" dirty="0" smtClean="0"/>
-              <a:t>Food is in a neighboring cell</a:t>
+              <a:t>Prey is in a neighboring cell</a:t>
             </a:r>
           </a:p>
         </p:txBody>
@@ -12349,7 +12677,7 @@
             <a:pPr lvl="2"/>
             <a:r>
               <a:rPr lang="en-US" dirty="0" smtClean="0"/>
-              <a:t>Food is in observation range (“</a:t>
+              <a:t>Prey is in observation range (“</a:t>
             </a:r>
             <a:r>
               <a:rPr lang="en-US" u="sng" dirty="0" smtClean="0"/>
@@ -12368,7 +12696,7 @@
             <a:pPr lvl="2"/>
             <a:r>
               <a:rPr lang="en-US" dirty="0" smtClean="0"/>
-              <a:t>Food is in sight range (“</a:t>
+              <a:t>Prey is in sight range (“</a:t>
             </a:r>
             <a:r>
               <a:rPr lang="en-US" u="sng" dirty="0" smtClean="0"/>
@@ -12460,9 +12788,16 @@
           <a:p>
             <a:r>
               <a:rPr lang="en-US" dirty="0"/>
-              <a:t>Adaption of the standard XCS Reward Function</a:t>
-            </a:r>
-            <a:endParaRPr lang="en-US" dirty="0"/>
+              <a:t>Adaption of the </a:t>
+            </a:r>
+            <a:r>
+              <a:rPr lang="en-US" dirty="0" smtClean="0"/>
+              <a:t>Standard </a:t>
+            </a:r>
+            <a:r>
+              <a:rPr lang="en-US" dirty="0"/>
+              <a:t>XCS Reward Function</a:t>
+            </a:r>
           </a:p>
         </p:txBody>
       </p:sp>
@@ -12497,7 +12832,7 @@
             <a:pPr lvl="2"/>
             <a:r>
               <a:rPr lang="en-US" dirty="0" smtClean="0"/>
-              <a:t>Food is in a neighboring cell</a:t>
+              <a:t>Prey is in a neighboring cell</a:t>
             </a:r>
           </a:p>
           <a:p>
@@ -12565,7 +12900,7 @@
             <a:pPr lvl="2"/>
             <a:r>
               <a:rPr lang="en-US" dirty="0" smtClean="0"/>
-              <a:t>Food is in observation range (“</a:t>
+              <a:t>Prey is in observation range (“</a:t>
             </a:r>
             <a:r>
               <a:rPr lang="en-US" u="sng" dirty="0" smtClean="0"/>
@@ -13255,37 +13590,12 @@
       </p:grpSpPr>
       <p:sp>
         <p:nvSpPr>
-          <p:cNvPr id="2" name="Title 1"/>
+          <p:cNvPr id="4" name="Title 3"/>
           <p:cNvSpPr>
             <a:spLocks noGrp="1"/>
           </p:cNvSpPr>
           <p:nvPr>
             <p:ph type="title"/>
-          </p:nvPr>
-        </p:nvSpPr>
-        <p:spPr/>
-        <p:txBody>
-          <a:bodyPr>
-            <a:normAutofit fontScale="90000"/>
-          </a:bodyPr>
-          <a:lstStyle/>
-          <a:p>
-            <a:r>
-              <a:rPr lang="en-US" dirty="0"/>
-              <a:t>Classification of Predator/Prey Scenarios</a:t>
-            </a:r>
-            <a:endParaRPr lang="en-US" sz="2200" dirty="0"/>
-          </a:p>
-        </p:txBody>
-      </p:sp>
-      <p:sp>
-        <p:nvSpPr>
-          <p:cNvPr id="3" name="Content Placeholder 2"/>
-          <p:cNvSpPr>
-            <a:spLocks noGrp="1"/>
-          </p:cNvSpPr>
-          <p:nvPr>
-            <p:ph sz="half" idx="1"/>
           </p:nvPr>
         </p:nvSpPr>
         <p:spPr/>
@@ -13296,78 +13606,144 @@
           <a:lstStyle/>
           <a:p>
             <a:r>
+              <a:rPr lang="en-US" dirty="0" smtClean="0"/>
+              <a:t>Testing Methodology</a:t>
+            </a:r>
+            <a:endParaRPr lang="en-US" dirty="0"/>
+          </a:p>
+        </p:txBody>
+      </p:sp>
+      <p:sp>
+        <p:nvSpPr>
+          <p:cNvPr id="3" name="Content Placeholder 2"/>
+          <p:cNvSpPr>
+            <a:spLocks noGrp="1"/>
+          </p:cNvSpPr>
+          <p:nvPr>
+            <p:ph sz="half" idx="1"/>
+          </p:nvPr>
+        </p:nvSpPr>
+        <p:spPr/>
+        <p:txBody>
+          <a:bodyPr>
+            <a:normAutofit fontScale="92500" lnSpcReduction="10000"/>
+          </a:bodyPr>
+          <a:lstStyle/>
+          <a:p>
+            <a:endParaRPr lang="en-US"/>
+          </a:p>
+        </p:txBody>
+      </p:sp>
+      <p:sp>
+        <p:nvSpPr>
+          <p:cNvPr id="6" name="Content Placeholder 5"/>
+          <p:cNvSpPr>
+            <a:spLocks noGrp="1"/>
+          </p:cNvSpPr>
+          <p:nvPr>
+            <p:ph sz="half" idx="2"/>
+          </p:nvPr>
+        </p:nvSpPr>
+        <p:spPr/>
+        <p:txBody>
+          <a:bodyPr>
+            <a:normAutofit fontScale="92500" lnSpcReduction="10000"/>
+          </a:bodyPr>
+          <a:lstStyle/>
+          <a:p>
+            <a:r>
+              <a:rPr lang="en-US" dirty="0" smtClean="0"/>
+              <a:t>“XCS </a:t>
+            </a:r>
+            <a:r>
+              <a:rPr lang="en-US" dirty="0" err="1" smtClean="0"/>
+              <a:t>obs</a:t>
+            </a:r>
+            <a:r>
+              <a:rPr lang="en-US" dirty="0" smtClean="0"/>
+              <a:t>”, “XCS sight”</a:t>
+            </a:r>
+          </a:p>
+          <a:p>
+            <a:r>
+              <a:rPr lang="en-US" dirty="0" smtClean="0"/>
+              <a:t>“</a:t>
+            </a:r>
+            <a:r>
+              <a:rPr lang="en-US" dirty="0" smtClean="0"/>
+              <a:t>Obstacle-evading prey”</a:t>
+            </a:r>
+          </a:p>
+          <a:p>
+            <a:r>
+              <a:rPr lang="en-US" dirty="0" smtClean="0"/>
+              <a:t>“</a:t>
+            </a:r>
+            <a:r>
+              <a:rPr lang="en-US" dirty="0" smtClean="0"/>
+              <a:t>Predator-evading prey”</a:t>
+            </a:r>
+          </a:p>
+          <a:p>
+            <a:r>
+              <a:rPr lang="en-US" dirty="0" smtClean="0"/>
+              <a:t>“</a:t>
+            </a:r>
+            <a:r>
+              <a:rPr lang="en-US" dirty="0" smtClean="0"/>
+              <a:t>Blinded Prey”</a:t>
+            </a:r>
+          </a:p>
+          <a:p>
+            <a:r>
+              <a:rPr lang="en-US" dirty="0" smtClean="0"/>
+              <a:t>Standard </a:t>
+            </a:r>
+            <a:r>
+              <a:rPr lang="en-US" dirty="0" smtClean="0"/>
+              <a:t>XCS parameter </a:t>
+            </a:r>
+            <a:r>
+              <a:rPr lang="en-US" dirty="0" smtClean="0"/>
+              <a:t>settings</a:t>
+            </a:r>
+          </a:p>
+          <a:p>
+            <a:r>
               <a:rPr lang="en-US" dirty="0"/>
-              <a:t>Global knowledge cannot be reconstructed</a:t>
-            </a:r>
-          </a:p>
-          <a:p>
-            <a:pPr lvl="1"/>
+              <a:t>2,000,000 </a:t>
+            </a:r>
+            <a:r>
+              <a:rPr lang="en-US" dirty="0" smtClean="0"/>
+              <a:t>steps</a:t>
+            </a:r>
+            <a:endParaRPr lang="en-US" dirty="0"/>
+          </a:p>
+          <a:p>
             <a:r>
               <a:rPr lang="en-US" dirty="0"/>
-              <a:t>Memory becomes invalid after each step</a:t>
+              <a:t>Reset of XCS every 20,000 </a:t>
+            </a:r>
+            <a:r>
+              <a:rPr lang="en-US" dirty="0" smtClean="0"/>
+              <a:t>steps</a:t>
+            </a:r>
+            <a:endParaRPr lang="en-US" dirty="0"/>
+          </a:p>
+          <a:p>
+            <a:r>
+              <a:rPr lang="en-US" dirty="0"/>
+              <a:t>Reset of scenario (new random positions) every 2,000 steps</a:t>
             </a:r>
           </a:p>
           <a:p>
             <a:endParaRPr lang="en-US" dirty="0" smtClean="0"/>
           </a:p>
-          <a:p>
-            <a:r>
-              <a:rPr lang="en-US" dirty="0" smtClean="0"/>
-              <a:t>The predator/prey scenario is a Non-observable Markov Decision Processes</a:t>
-            </a:r>
-          </a:p>
-        </p:txBody>
-      </p:sp>
-      <p:sp>
-        <p:nvSpPr>
-          <p:cNvPr id="4" name="Content Placeholder 3"/>
-          <p:cNvSpPr>
-            <a:spLocks noGrp="1"/>
-          </p:cNvSpPr>
-          <p:nvPr>
-            <p:ph sz="half" idx="2"/>
-          </p:nvPr>
-        </p:nvSpPr>
-        <p:spPr/>
-        <p:txBody>
-          <a:bodyPr>
-            <a:normAutofit/>
-          </a:bodyPr>
-          <a:lstStyle/>
-          <a:p>
-            <a:r>
-              <a:rPr lang="en-US" dirty="0" smtClean="0"/>
-              <a:t>Despite being a NOMDP, can the XCS still learn?</a:t>
-            </a:r>
-          </a:p>
-          <a:p>
-            <a:pPr lvl="1"/>
-            <a:r>
-              <a:rPr lang="en-US" dirty="0" smtClean="0"/>
-              <a:t>Yes, the prey does move only a limited number of cells</a:t>
-            </a:r>
-          </a:p>
-          <a:p>
-            <a:pPr marL="768003" lvl="2" indent="0">
-              <a:buNone/>
-            </a:pPr>
-            <a:r>
-              <a:rPr lang="en-US" dirty="0" smtClean="0">
-                <a:latin typeface="Calibri"/>
-                <a:cs typeface="Calibri"/>
-              </a:rPr>
-              <a:t>→ </a:t>
-            </a:r>
-            <a:r>
-              <a:rPr lang="en-US" dirty="0" smtClean="0"/>
-              <a:t>The environment does not completely change each turn</a:t>
-            </a:r>
-          </a:p>
-        </p:txBody>
-      </p:sp>
-      <p:sp>
-        <p:nvSpPr>
-          <p:cNvPr id="5" name="Slide Number Placeholder 4"/>
+        </p:txBody>
+      </p:sp>
+      <p:sp>
+        <p:nvSpPr>
+          <p:cNvPr id="2" name="Slide Number Placeholder 1"/>
           <p:cNvSpPr>
             <a:spLocks noGrp="1"/>
           </p:cNvSpPr>
@@ -13383,192 +13759,6 @@
             <a:fld id="{910CD07C-8A7E-4C51-BD5E-C27BF0DA94AA}" type="slidenum">
               <a:rPr lang="en-US" smtClean="0"/>
               <a:t>20</a:t>
-            </a:fld>
-            <a:endParaRPr lang="en-US"/>
-          </a:p>
-        </p:txBody>
-      </p:sp>
-    </p:spTree>
-    <p:extLst>
-      <p:ext uri="{BB962C8B-B14F-4D97-AF65-F5344CB8AC3E}">
-        <p14:creationId xmlns:p14="http://schemas.microsoft.com/office/powerpoint/2010/main" val="1981629884"/>
-      </p:ext>
-    </p:extLst>
-  </p:cSld>
-  <p:clrMapOvr>
-    <a:masterClrMapping/>
-  </p:clrMapOvr>
-  <mc:AlternateContent xmlns:mc="http://schemas.openxmlformats.org/markup-compatibility/2006" xmlns:p14="http://schemas.microsoft.com/office/powerpoint/2010/main">
-    <mc:Choice Requires="p14">
-      <p:transition spd="med" p14:dur="699">
-        <p:fade/>
-      </p:transition>
-    </mc:Choice>
-    <mc:Fallback xmlns="">
-      <p:transition xmlns:p14="http://schemas.microsoft.com/office/powerpoint/2010/main" spd="med">
-        <p:fade/>
-      </p:transition>
-    </mc:Fallback>
-  </mc:AlternateContent>
-  <p:timing>
-    <p:tnLst>
-      <p:par>
-        <p:cTn xmlns:p14="http://schemas.microsoft.com/office/powerpoint/2010/main" id="1" dur="indefinite" restart="never" nodeType="tmRoot"/>
-      </p:par>
-    </p:tnLst>
-  </p:timing>
-</p:sld>
-</file>
-
-<file path=ppt/slides/slide21.xml><?xml version="1.0" encoding="utf-8"?>
-<p:sld xmlns:a="http://schemas.openxmlformats.org/drawingml/2006/main" xmlns:r="http://schemas.openxmlformats.org/officeDocument/2006/relationships" xmlns:p="http://schemas.openxmlformats.org/presentationml/2006/main">
-  <p:cSld>
-    <p:spTree>
-      <p:nvGrpSpPr>
-        <p:cNvPr id="1" name=""/>
-        <p:cNvGrpSpPr/>
-        <p:nvPr/>
-      </p:nvGrpSpPr>
-      <p:grpSpPr>
-        <a:xfrm>
-          <a:off x="0" y="0"/>
-          <a:ext cx="0" cy="0"/>
-          <a:chOff x="0" y="0"/>
-          <a:chExt cx="0" cy="0"/>
-        </a:xfrm>
-      </p:grpSpPr>
-      <p:sp>
-        <p:nvSpPr>
-          <p:cNvPr id="4" name="Title 3"/>
-          <p:cNvSpPr>
-            <a:spLocks noGrp="1"/>
-          </p:cNvSpPr>
-          <p:nvPr>
-            <p:ph type="title"/>
-          </p:nvPr>
-        </p:nvSpPr>
-        <p:spPr/>
-        <p:txBody>
-          <a:bodyPr>
-            <a:normAutofit/>
-          </a:bodyPr>
-          <a:lstStyle/>
-          <a:p>
-            <a:r>
-              <a:rPr lang="en-US" dirty="0" smtClean="0"/>
-              <a:t>Testing Methodology</a:t>
-            </a:r>
-            <a:endParaRPr lang="en-US" dirty="0"/>
-          </a:p>
-        </p:txBody>
-      </p:sp>
-      <p:sp>
-        <p:nvSpPr>
-          <p:cNvPr id="3" name="Content Placeholder 2"/>
-          <p:cNvSpPr>
-            <a:spLocks noGrp="1"/>
-          </p:cNvSpPr>
-          <p:nvPr>
-            <p:ph sz="half" idx="1"/>
-          </p:nvPr>
-        </p:nvSpPr>
-        <p:spPr/>
-        <p:txBody>
-          <a:bodyPr>
-            <a:normAutofit fontScale="92500"/>
-          </a:bodyPr>
-          <a:lstStyle/>
-          <a:p>
-            <a:endParaRPr lang="en-US"/>
-          </a:p>
-        </p:txBody>
-      </p:sp>
-      <p:sp>
-        <p:nvSpPr>
-          <p:cNvPr id="6" name="Content Placeholder 5"/>
-          <p:cNvSpPr>
-            <a:spLocks noGrp="1"/>
-          </p:cNvSpPr>
-          <p:nvPr>
-            <p:ph sz="half" idx="2"/>
-          </p:nvPr>
-        </p:nvSpPr>
-        <p:spPr/>
-        <p:txBody>
-          <a:bodyPr>
-            <a:normAutofit fontScale="92500"/>
-          </a:bodyPr>
-          <a:lstStyle/>
-          <a:p>
-            <a:r>
-              <a:rPr lang="en-US" dirty="0" smtClean="0"/>
-              <a:t>“XCS </a:t>
-            </a:r>
-            <a:r>
-              <a:rPr lang="en-US" dirty="0" err="1" smtClean="0"/>
-              <a:t>obs</a:t>
-            </a:r>
-            <a:r>
-              <a:rPr lang="en-US" dirty="0" smtClean="0"/>
-              <a:t>”, “XCS sight”</a:t>
-            </a:r>
-          </a:p>
-          <a:p>
-            <a:endParaRPr lang="en-US" dirty="0" smtClean="0"/>
-          </a:p>
-          <a:p>
-            <a:r>
-              <a:rPr lang="en-US" dirty="0" smtClean="0"/>
-              <a:t>“Obstacle-evading prey”</a:t>
-            </a:r>
-          </a:p>
-          <a:p>
-            <a:endParaRPr lang="en-US" dirty="0"/>
-          </a:p>
-          <a:p>
-            <a:r>
-              <a:rPr lang="en-US" dirty="0" smtClean="0"/>
-              <a:t>“Predator-evading prey”</a:t>
-            </a:r>
-          </a:p>
-          <a:p>
-            <a:endParaRPr lang="en-US" dirty="0" smtClean="0"/>
-          </a:p>
-          <a:p>
-            <a:r>
-              <a:rPr lang="en-US" dirty="0" smtClean="0"/>
-              <a:t>“Blinded Prey”</a:t>
-            </a:r>
-          </a:p>
-          <a:p>
-            <a:endParaRPr lang="en-US" dirty="0" smtClean="0"/>
-          </a:p>
-          <a:p>
-            <a:r>
-              <a:rPr lang="en-US" dirty="0" smtClean="0"/>
-              <a:t>Standard XCS parameter settings</a:t>
-            </a:r>
-          </a:p>
-        </p:txBody>
-      </p:sp>
-      <p:sp>
-        <p:nvSpPr>
-          <p:cNvPr id="2" name="Slide Number Placeholder 1"/>
-          <p:cNvSpPr>
-            <a:spLocks noGrp="1"/>
-          </p:cNvSpPr>
-          <p:nvPr>
-            <p:ph type="sldNum" sz="quarter" idx="12"/>
-          </p:nvPr>
-        </p:nvSpPr>
-        <p:spPr/>
-        <p:txBody>
-          <a:bodyPr/>
-          <a:lstStyle/>
-          <a:p>
-            <a:fld id="{910CD07C-8A7E-4C51-BD5E-C27BF0DA94AA}" type="slidenum">
-              <a:rPr lang="en-US" smtClean="0"/>
-              <a:t>21</a:t>
             </a:fld>
             <a:endParaRPr lang="en-US"/>
           </a:p>
@@ -13653,10 +13843,351 @@
           </a:p>
         </p:txBody>
       </p:sp>
+      <p:graphicFrame>
+        <p:nvGraphicFramePr>
+          <p:cNvPr id="9" name="Content Placeholder 5"/>
+          <p:cNvGraphicFramePr>
+            <a:graphicFrameLocks/>
+          </p:cNvGraphicFramePr>
+          <p:nvPr>
+            <p:extLst>
+              <p:ext uri="{D42A27DB-BD31-4B8C-83A1-F6EECF244321}">
+                <p14:modId xmlns:p14="http://schemas.microsoft.com/office/powerpoint/2010/main" val="1302247431"/>
+              </p:ext>
+            </p:extLst>
+          </p:nvPr>
+        </p:nvGraphicFramePr>
+        <p:xfrm>
+          <a:off x="6732373" y="4878860"/>
+          <a:ext cx="4038600" cy="2968625"/>
+        </p:xfrm>
+        <a:graphic>
+          <a:graphicData uri="http://schemas.openxmlformats.org/drawingml/2006/chart">
+            <c:chart xmlns:c="http://schemas.openxmlformats.org/drawingml/2006/chart" xmlns:r="http://schemas.openxmlformats.org/officeDocument/2006/relationships" r:id="rId4"/>
+          </a:graphicData>
+        </a:graphic>
+      </p:graphicFrame>
     </p:spTree>
     <p:extLst>
       <p:ext uri="{BB962C8B-B14F-4D97-AF65-F5344CB8AC3E}">
         <p14:creationId xmlns:p14="http://schemas.microsoft.com/office/powerpoint/2010/main" val="140608962"/>
+      </p:ext>
+    </p:extLst>
+  </p:cSld>
+  <p:clrMapOvr>
+    <a:masterClrMapping/>
+  </p:clrMapOvr>
+  <mc:AlternateContent xmlns:mc="http://schemas.openxmlformats.org/markup-compatibility/2006" xmlns:p14="http://schemas.microsoft.com/office/powerpoint/2010/main">
+    <mc:Choice Requires="p14">
+      <p:transition spd="slow" p14:dur="1600">
+        <p14:conveyor dir="l"/>
+      </p:transition>
+    </mc:Choice>
+    <mc:Fallback xmlns="">
+      <p:transition xmlns:p14="http://schemas.microsoft.com/office/powerpoint/2010/main" spd="slow">
+        <p:fade/>
+      </p:transition>
+    </mc:Fallback>
+  </mc:AlternateContent>
+  <p:timing>
+    <p:tnLst>
+      <p:par>
+        <p:cTn xmlns:p14="http://schemas.microsoft.com/office/powerpoint/2010/main" id="1" dur="indefinite" restart="never" nodeType="tmRoot"/>
+      </p:par>
+    </p:tnLst>
+  </p:timing>
+</p:sld>
+</file>
+
+<file path=ppt/slides/slide21.xml><?xml version="1.0" encoding="utf-8"?>
+<p:sld xmlns:a="http://schemas.openxmlformats.org/drawingml/2006/main" xmlns:r="http://schemas.openxmlformats.org/officeDocument/2006/relationships" xmlns:p="http://schemas.openxmlformats.org/presentationml/2006/main">
+  <p:cSld>
+    <p:spTree>
+      <p:nvGrpSpPr>
+        <p:cNvPr id="1" name=""/>
+        <p:cNvGrpSpPr/>
+        <p:nvPr/>
+      </p:nvGrpSpPr>
+      <p:grpSpPr>
+        <a:xfrm>
+          <a:off x="0" y="0"/>
+          <a:ext cx="0" cy="0"/>
+          <a:chOff x="0" y="0"/>
+          <a:chExt cx="0" cy="0"/>
+        </a:xfrm>
+      </p:grpSpPr>
+      <p:sp>
+        <p:nvSpPr>
+          <p:cNvPr id="2" name="Title 1"/>
+          <p:cNvSpPr>
+            <a:spLocks noGrp="1"/>
+          </p:cNvSpPr>
+          <p:nvPr>
+            <p:ph type="title"/>
+          </p:nvPr>
+        </p:nvSpPr>
+        <p:spPr/>
+        <p:txBody>
+          <a:bodyPr>
+            <a:normAutofit fontScale="90000"/>
+          </a:bodyPr>
+          <a:lstStyle/>
+          <a:p>
+            <a:r>
+              <a:rPr lang="en-US" dirty="0" smtClean="0"/>
+              <a:t>XCS Experimental Results</a:t>
+            </a:r>
+            <a:br>
+              <a:rPr lang="en-US" dirty="0" smtClean="0"/>
+            </a:br>
+            <a:r>
+              <a:rPr lang="en-US" dirty="0" smtClean="0"/>
+              <a:t>“Pillar Scenario”</a:t>
+            </a:r>
+            <a:endParaRPr lang="en-US" dirty="0"/>
+          </a:p>
+        </p:txBody>
+      </p:sp>
+      <p:sp>
+        <p:nvSpPr>
+          <p:cNvPr id="3" name="Content Placeholder 2"/>
+          <p:cNvSpPr>
+            <a:spLocks noGrp="1"/>
+          </p:cNvSpPr>
+          <p:nvPr>
+            <p:ph sz="half" idx="1"/>
+          </p:nvPr>
+        </p:nvSpPr>
+        <p:spPr/>
+        <p:txBody>
+          <a:bodyPr/>
+          <a:lstStyle/>
+          <a:p>
+            <a:r>
+              <a:rPr lang="en-US" dirty="0" smtClean="0"/>
+              <a:t>XCS (</a:t>
+            </a:r>
+            <a:r>
+              <a:rPr lang="en-US" dirty="0" err="1" smtClean="0"/>
+              <a:t>obs</a:t>
+            </a:r>
+            <a:r>
+              <a:rPr lang="en-US" dirty="0" smtClean="0"/>
+              <a:t>) shows some learning</a:t>
+            </a:r>
+            <a:endParaRPr lang="en-US" dirty="0" smtClean="0"/>
+          </a:p>
+        </p:txBody>
+      </p:sp>
+      <p:pic>
+        <p:nvPicPr>
+          <p:cNvPr id="9" name="Content Placeholder 6"/>
+          <p:cNvPicPr>
+            <a:picLocks noGrp="1" noChangeAspect="1"/>
+          </p:cNvPicPr>
+          <p:nvPr>
+            <p:ph sz="half" idx="2"/>
+          </p:nvPr>
+        </p:nvPicPr>
+        <p:blipFill>
+          <a:blip r:embed="rId2" cstate="print">
+            <a:extLst>
+              <a:ext uri="{28A0092B-C50C-407E-A947-70E740481C1C}">
+                <a14:useLocalDpi xmlns:a14="http://schemas.microsoft.com/office/drawing/2010/main"/>
+              </a:ext>
+            </a:extLst>
+          </a:blip>
+          <a:stretch>
+            <a:fillRect/>
+          </a:stretch>
+        </p:blipFill>
+        <p:spPr>
+          <a:xfrm>
+            <a:off x="6488084" y="0"/>
+            <a:ext cx="2655916" cy="2655916"/>
+          </a:xfrm>
+          <a:prstGeom prst="rect">
+            <a:avLst/>
+          </a:prstGeom>
+          <a:ln>
+            <a:noFill/>
+          </a:ln>
+          <a:effectLst>
+            <a:outerShdw blurRad="190500" algn="tl" rotWithShape="0">
+              <a:srgbClr xmlns:mc="http://schemas.openxmlformats.org/markup-compatibility/2006" xmlns:a14="http://schemas.microsoft.com/office/drawing/2010/main" val="000000" mc:Ignorable="">
+                <a:alpha val="70000"/>
+              </a:srgbClr>
+            </a:outerShdw>
+          </a:effectLst>
+        </p:spPr>
+      </p:pic>
+      <p:sp>
+        <p:nvSpPr>
+          <p:cNvPr id="5" name="Slide Number Placeholder 4"/>
+          <p:cNvSpPr>
+            <a:spLocks noGrp="1"/>
+          </p:cNvSpPr>
+          <p:nvPr>
+            <p:ph type="sldNum" sz="quarter" idx="12"/>
+          </p:nvPr>
+        </p:nvSpPr>
+        <p:spPr/>
+        <p:txBody>
+          <a:bodyPr/>
+          <a:lstStyle/>
+          <a:p>
+            <a:fld id="{910CD07C-8A7E-4C51-BD5E-C27BF0DA94AA}" type="slidenum">
+              <a:rPr lang="en-US" smtClean="0"/>
+              <a:t>21</a:t>
+            </a:fld>
+            <a:endParaRPr lang="en-US"/>
+          </a:p>
+        </p:txBody>
+      </p:sp>
+      <p:sp>
+        <p:nvSpPr>
+          <p:cNvPr id="4" name="TextBox 3"/>
+          <p:cNvSpPr txBox="1"/>
+          <p:nvPr/>
+        </p:nvSpPr>
+        <p:spPr>
+          <a:xfrm>
+            <a:off x="5867400" y="3124200"/>
+            <a:ext cx="2895600" cy="307777"/>
+          </a:xfrm>
+          <a:prstGeom prst="rect">
+            <a:avLst/>
+          </a:prstGeom>
+          <a:noFill/>
+        </p:spPr>
+        <p:txBody>
+          <a:bodyPr wrap="square" rtlCol="0">
+            <a:spAutoFit/>
+          </a:bodyPr>
+          <a:lstStyle/>
+          <a:p>
+            <a:r>
+              <a:rPr lang="en-US" sz="1400" dirty="0" smtClean="0"/>
+              <a:t>Predator-evading prey</a:t>
+            </a:r>
+            <a:endParaRPr lang="en-US" sz="1400" dirty="0"/>
+          </a:p>
+        </p:txBody>
+      </p:sp>
+      <p:sp>
+        <p:nvSpPr>
+          <p:cNvPr id="8" name="TextBox 7"/>
+          <p:cNvSpPr txBox="1"/>
+          <p:nvPr/>
+        </p:nvSpPr>
+        <p:spPr>
+          <a:xfrm>
+            <a:off x="914400" y="3124199"/>
+            <a:ext cx="2895600" cy="307777"/>
+          </a:xfrm>
+          <a:prstGeom prst="rect">
+            <a:avLst/>
+          </a:prstGeom>
+          <a:noFill/>
+        </p:spPr>
+        <p:txBody>
+          <a:bodyPr wrap="square" rtlCol="0">
+            <a:spAutoFit/>
+          </a:bodyPr>
+          <a:lstStyle/>
+          <a:p>
+            <a:r>
+              <a:rPr lang="en-US" sz="1400" dirty="0" smtClean="0"/>
+              <a:t>Obstacle-evading prey</a:t>
+            </a:r>
+            <a:endParaRPr lang="en-US" sz="1400" dirty="0"/>
+          </a:p>
+        </p:txBody>
+      </p:sp>
+      <p:pic>
+        <p:nvPicPr>
+          <p:cNvPr id="10" name="Content Placeholder 5"/>
+          <p:cNvPicPr>
+            <a:picLocks noChangeAspect="1"/>
+          </p:cNvPicPr>
+          <p:nvPr/>
+        </p:nvPicPr>
+        <p:blipFill>
+          <a:blip r:embed="rId3">
+            <a:extLst>
+              <a:ext uri="{28A0092B-C50C-407E-A947-70E740481C1C}">
+                <a14:useLocalDpi xmlns:a14="http://schemas.microsoft.com/office/drawing/2010/main" val="0"/>
+              </a:ext>
+            </a:extLst>
+          </a:blip>
+          <a:stretch>
+            <a:fillRect/>
+          </a:stretch>
+        </p:blipFill>
+        <p:spPr>
+          <a:xfrm>
+            <a:off x="304800" y="3497308"/>
+            <a:ext cx="4023360" cy="3017520"/>
+          </a:xfrm>
+          <a:prstGeom prst="rect">
+            <a:avLst/>
+          </a:prstGeom>
+          <a:ln>
+            <a:noFill/>
+          </a:ln>
+          <a:effectLst>
+            <a:outerShdw blurRad="190500" algn="tl" rotWithShape="0">
+              <a:srgbClr xmlns:mc="http://schemas.openxmlformats.org/markup-compatibility/2006" xmlns:a14="http://schemas.microsoft.com/office/drawing/2010/main" val="000000" mc:Ignorable="">
+                <a:alpha val="70000"/>
+              </a:srgbClr>
+            </a:outerShdw>
+          </a:effectLst>
+        </p:spPr>
+      </p:pic>
+      <p:pic>
+        <p:nvPicPr>
+          <p:cNvPr id="11" name="Picture 10"/>
+          <p:cNvPicPr>
+            <a:picLocks noChangeAspect="1"/>
+          </p:cNvPicPr>
+          <p:nvPr/>
+        </p:nvPicPr>
+        <p:blipFill>
+          <a:blip r:embed="rId4">
+            <a:extLst>
+              <a:ext uri="{28A0092B-C50C-407E-A947-70E740481C1C}">
+                <a14:useLocalDpi xmlns:a14="http://schemas.microsoft.com/office/drawing/2010/main" val="0"/>
+              </a:ext>
+            </a:extLst>
+          </a:blip>
+          <a:stretch>
+            <a:fillRect/>
+          </a:stretch>
+        </p:blipFill>
+        <p:spPr>
+          <a:xfrm>
+            <a:off x="4800600" y="3509665"/>
+            <a:ext cx="4023360" cy="3017520"/>
+          </a:xfrm>
+          <a:prstGeom prst="rect">
+            <a:avLst/>
+          </a:prstGeom>
+          <a:ln>
+            <a:noFill/>
+          </a:ln>
+          <a:effectLst>
+            <a:outerShdw blurRad="190500" algn="tl" rotWithShape="0">
+              <a:srgbClr xmlns:mc="http://schemas.openxmlformats.org/markup-compatibility/2006" xmlns:a14="http://schemas.microsoft.com/office/drawing/2010/main" val="000000" mc:Ignorable="">
+                <a:alpha val="70000"/>
+              </a:srgbClr>
+            </a:outerShdw>
+          </a:effectLst>
+        </p:spPr>
+      </p:pic>
+    </p:spTree>
+    <p:extLst>
+      <p:ext uri="{BB962C8B-B14F-4D97-AF65-F5344CB8AC3E}">
+        <p14:creationId xmlns:p14="http://schemas.microsoft.com/office/powerpoint/2010/main" val="3736020115"/>
       </p:ext>
     </p:extLst>
   </p:cSld>
@@ -13714,12 +14245,21 @@
         </p:nvSpPr>
         <p:spPr/>
         <p:txBody>
-          <a:bodyPr/>
+          <a:bodyPr>
+            <a:normAutofit fontScale="90000"/>
+          </a:bodyPr>
           <a:lstStyle/>
           <a:p>
             <a:r>
               <a:rPr lang="en-US" dirty="0" smtClean="0"/>
-              <a:t>Scenario Configurations</a:t>
+              <a:t>XCS Experimental Results</a:t>
+            </a:r>
+            <a:br>
+              <a:rPr lang="en-US" dirty="0" smtClean="0"/>
+            </a:br>
+            <a:r>
+              <a:rPr lang="en-US" dirty="0" smtClean="0"/>
+              <a:t>“Random Scenario”</a:t>
             </a:r>
             <a:endParaRPr lang="en-US" dirty="0"/>
           </a:p>
@@ -13738,7 +14278,7 @@
         <p:spPr>
           <a:xfrm>
             <a:off x="457200" y="1773936"/>
-            <a:ext cx="8534400" cy="4623816"/>
+            <a:ext cx="8229600" cy="4623816"/>
           </a:xfrm>
         </p:spPr>
         <p:txBody>
@@ -13747,7 +14287,90 @@
           <a:p>
             <a:r>
               <a:rPr lang="en-US" dirty="0" smtClean="0"/>
-              <a:t>Three different scenarios with observation and sight ranges</a:t>
+              <a:t>XCS shows very little learning</a:t>
+            </a:r>
+            <a:endParaRPr lang="en-US" dirty="0"/>
+          </a:p>
+        </p:txBody>
+      </p:sp>
+      <p:sp>
+        <p:nvSpPr>
+          <p:cNvPr id="5" name="Slide Number Placeholder 4"/>
+          <p:cNvSpPr>
+            <a:spLocks noGrp="1"/>
+          </p:cNvSpPr>
+          <p:nvPr>
+            <p:ph type="sldNum" sz="quarter" idx="12"/>
+          </p:nvPr>
+        </p:nvSpPr>
+        <p:spPr/>
+        <p:txBody>
+          <a:bodyPr/>
+          <a:lstStyle/>
+          <a:p>
+            <a:fld id="{910CD07C-8A7E-4C51-BD5E-C27BF0DA94AA}" type="slidenum">
+              <a:rPr lang="en-US" smtClean="0"/>
+              <a:t>22</a:t>
+            </a:fld>
+            <a:endParaRPr lang="en-US"/>
+          </a:p>
+        </p:txBody>
+      </p:sp>
+      <p:sp>
+        <p:nvSpPr>
+          <p:cNvPr id="8" name="TextBox 7"/>
+          <p:cNvSpPr txBox="1"/>
+          <p:nvPr/>
+        </p:nvSpPr>
+        <p:spPr>
+          <a:xfrm>
+            <a:off x="5280454" y="2895600"/>
+            <a:ext cx="2895600" cy="369332"/>
+          </a:xfrm>
+          <a:prstGeom prst="rect">
+            <a:avLst/>
+          </a:prstGeom>
+          <a:noFill/>
+        </p:spPr>
+        <p:txBody>
+          <a:bodyPr wrap="square" rtlCol="0">
+            <a:spAutoFit/>
+          </a:bodyPr>
+          <a:lstStyle/>
+          <a:p>
+            <a:r>
+              <a:rPr lang="en-US" dirty="0" smtClean="0"/>
+              <a:t>Predator-evading prey</a:t>
+            </a:r>
+            <a:endParaRPr lang="en-US" dirty="0"/>
+          </a:p>
+        </p:txBody>
+      </p:sp>
+      <p:sp>
+        <p:nvSpPr>
+          <p:cNvPr id="9" name="TextBox 8"/>
+          <p:cNvSpPr txBox="1"/>
+          <p:nvPr/>
+        </p:nvSpPr>
+        <p:spPr>
+          <a:xfrm>
+            <a:off x="990600" y="2886677"/>
+            <a:ext cx="2895600" cy="369332"/>
+          </a:xfrm>
+          <a:prstGeom prst="rect">
+            <a:avLst/>
+          </a:prstGeom>
+          <a:noFill/>
+        </p:spPr>
+        <p:txBody>
+          <a:bodyPr wrap="square" rtlCol="0">
+            <a:spAutoFit/>
+          </a:bodyPr>
+          <a:lstStyle/>
+          <a:p>
+            <a:r>
+              <a:rPr lang="en-US" dirty="0" smtClean="0"/>
+              <a:t>Obstacle-evading prey</a:t>
             </a:r>
             <a:endParaRPr lang="en-US" dirty="0"/>
           </a:p>
@@ -13755,7 +14378,7 @@
       </p:sp>
       <p:pic>
         <p:nvPicPr>
-          <p:cNvPr id="7" name="Content Placeholder 6"/>
+          <p:cNvPr id="10" name="Content Placeholder 9"/>
           <p:cNvPicPr>
             <a:picLocks noGrp="1" noChangeAspect="1"/>
           </p:cNvPicPr>
@@ -13764,10 +14387,10 @@
           </p:nvPr>
         </p:nvPicPr>
         <p:blipFill>
-          <a:blip r:embed="rId2" cstate="print">
+          <a:blip r:embed="rId2">
             <a:extLst>
               <a:ext uri="{28A0092B-C50C-407E-A947-70E740481C1C}">
-                <a14:useLocalDpi xmlns:a14="http://schemas.microsoft.com/office/drawing/2010/main"/>
+                <a14:useLocalDpi xmlns:a14="http://schemas.microsoft.com/office/drawing/2010/main" val="0"/>
               </a:ext>
             </a:extLst>
           </a:blip>
@@ -13777,8 +14400,8 @@
         </p:blipFill>
         <p:spPr>
           <a:xfrm>
-            <a:off x="228600" y="3733800"/>
-            <a:ext cx="2655916" cy="2655916"/>
+            <a:off x="228600" y="3264932"/>
+            <a:ext cx="4038600" cy="3028950"/>
           </a:xfrm>
           <a:prstGeom prst="rect">
             <a:avLst/>
@@ -13795,42 +14418,19 @@
           </a:effectLst>
         </p:spPr>
       </p:pic>
-      <p:sp>
-        <p:nvSpPr>
-          <p:cNvPr id="5" name="Slide Number Placeholder 4"/>
-          <p:cNvSpPr>
-            <a:spLocks noGrp="1"/>
-          </p:cNvSpPr>
-          <p:nvPr>
-            <p:ph type="sldNum" sz="quarter" idx="12"/>
-          </p:nvPr>
-        </p:nvSpPr>
-        <p:spPr/>
-        <p:txBody>
-          <a:bodyPr/>
-          <a:lstStyle/>
-          <a:p>
-            <a:fld id="{910CD07C-8A7E-4C51-BD5E-C27BF0DA94AA}" type="slidenum">
-              <a:rPr lang="en-US" smtClean="0"/>
-              <a:t>22</a:t>
-            </a:fld>
-            <a:endParaRPr lang="en-US"/>
-          </a:p>
-        </p:txBody>
-      </p:sp>
       <p:pic>
         <p:nvPicPr>
-          <p:cNvPr id="6" name="Content Placeholder 6"/>
+          <p:cNvPr id="11" name="Picture 10"/>
           <p:cNvPicPr>
             <a:picLocks noChangeAspect="1"/>
           </p:cNvPicPr>
           <p:nvPr/>
         </p:nvPicPr>
         <p:blipFill>
-          <a:blip r:embed="rId3" cstate="print">
+          <a:blip r:embed="rId3">
             <a:extLst>
               <a:ext uri="{28A0092B-C50C-407E-A947-70E740481C1C}">
-                <a14:useLocalDpi xmlns:a14="http://schemas.microsoft.com/office/drawing/2010/main"/>
+                <a14:useLocalDpi xmlns:a14="http://schemas.microsoft.com/office/drawing/2010/main" val="0"/>
               </a:ext>
             </a:extLst>
           </a:blip>
@@ -13840,8 +14440,8 @@
         </p:blipFill>
         <p:spPr>
           <a:xfrm>
-            <a:off x="3276600" y="3733800"/>
-            <a:ext cx="2655916" cy="2655916"/>
+            <a:off x="4572000" y="3269051"/>
+            <a:ext cx="4023360" cy="3017520"/>
           </a:xfrm>
           <a:prstGeom prst="rect">
             <a:avLst/>
@@ -13860,7 +14460,7 @@
       </p:pic>
       <p:pic>
         <p:nvPicPr>
-          <p:cNvPr id="8" name="Content Placeholder 6"/>
+          <p:cNvPr id="12" name="Content Placeholder 6"/>
           <p:cNvPicPr>
             <a:picLocks noChangeAspect="1"/>
           </p:cNvPicPr>
@@ -13880,7 +14480,7 @@
         </p:blipFill>
         <p:spPr>
           <a:xfrm>
-            <a:off x="6324600" y="3733800"/>
+            <a:off x="6488084" y="0"/>
             <a:ext cx="2655916" cy="2655916"/>
           </a:xfrm>
           <a:prstGeom prst="rect">
@@ -13898,100 +14498,10 @@
           </a:effectLst>
         </p:spPr>
       </p:pic>
-      <p:sp>
-        <p:nvSpPr>
-          <p:cNvPr id="4" name="TextBox 3"/>
-          <p:cNvSpPr txBox="1"/>
-          <p:nvPr/>
-        </p:nvSpPr>
-        <p:spPr>
-          <a:xfrm>
-            <a:off x="228600" y="3260124"/>
-            <a:ext cx="2590800" cy="369332"/>
-          </a:xfrm>
-          <a:prstGeom prst="rect">
-            <a:avLst/>
-          </a:prstGeom>
-          <a:noFill/>
-        </p:spPr>
-        <p:txBody>
-          <a:bodyPr wrap="square" rtlCol="0">
-            <a:spAutoFit/>
-          </a:bodyPr>
-          <a:lstStyle/>
-          <a:p>
-            <a:r>
-              <a:rPr lang="en-US" dirty="0" smtClean="0"/>
-              <a:t>“Pillar scenario”</a:t>
-            </a:r>
-            <a:endParaRPr lang="en-US" dirty="0"/>
-          </a:p>
-        </p:txBody>
-      </p:sp>
-      <p:sp>
-        <p:nvSpPr>
-          <p:cNvPr id="9" name="TextBox 8"/>
-          <p:cNvSpPr txBox="1"/>
-          <p:nvPr/>
-        </p:nvSpPr>
-        <p:spPr>
-          <a:xfrm>
-            <a:off x="3272481" y="3260124"/>
-            <a:ext cx="2590800" cy="369332"/>
-          </a:xfrm>
-          <a:prstGeom prst="rect">
-            <a:avLst/>
-          </a:prstGeom>
-          <a:noFill/>
-        </p:spPr>
-        <p:txBody>
-          <a:bodyPr wrap="square" rtlCol="0">
-            <a:spAutoFit/>
-          </a:bodyPr>
-          <a:lstStyle/>
-          <a:p>
-            <a:r>
-              <a:rPr lang="en-US" dirty="0" smtClean="0"/>
-              <a:t>“Random scenario”</a:t>
-            </a:r>
-            <a:endParaRPr lang="en-US" dirty="0"/>
-          </a:p>
-        </p:txBody>
-      </p:sp>
-      <p:sp>
-        <p:nvSpPr>
-          <p:cNvPr id="10" name="TextBox 9"/>
-          <p:cNvSpPr txBox="1"/>
-          <p:nvPr/>
-        </p:nvSpPr>
-        <p:spPr>
-          <a:xfrm>
-            <a:off x="6324600" y="3260124"/>
-            <a:ext cx="2590800" cy="369332"/>
-          </a:xfrm>
-          <a:prstGeom prst="rect">
-            <a:avLst/>
-          </a:prstGeom>
-          <a:noFill/>
-        </p:spPr>
-        <p:txBody>
-          <a:bodyPr wrap="square" rtlCol="0">
-            <a:spAutoFit/>
-          </a:bodyPr>
-          <a:lstStyle/>
-          <a:p>
-            <a:r>
-              <a:rPr lang="en-US" dirty="0" smtClean="0"/>
-              <a:t>“Difficult scenario”</a:t>
-            </a:r>
-            <a:endParaRPr lang="en-US" dirty="0"/>
-          </a:p>
-        </p:txBody>
-      </p:sp>
     </p:spTree>
     <p:extLst>
       <p:ext uri="{BB962C8B-B14F-4D97-AF65-F5344CB8AC3E}">
-        <p14:creationId xmlns:p14="http://schemas.microsoft.com/office/powerpoint/2010/main" val="972983997"/>
+        <p14:creationId xmlns:p14="http://schemas.microsoft.com/office/powerpoint/2010/main" val="2687700754"/>
       </p:ext>
     </p:extLst>
   </p:cSld>
@@ -14063,7 +14573,7 @@
             </a:br>
             <a:r>
               <a:rPr lang="en-US" dirty="0" smtClean="0"/>
-              <a:t>“Pillar Scenario”</a:t>
+              <a:t>“Difficult Scenario”</a:t>
             </a:r>
             <a:endParaRPr lang="en-US" dirty="0"/>
           </a:p>
@@ -14078,28 +14588,85 @@
           <p:nvPr>
             <p:ph sz="half" idx="1"/>
           </p:nvPr>
+        </p:nvSpPr>
+        <p:spPr/>
+        <p:txBody>
+          <a:bodyPr/>
+          <a:lstStyle/>
+          <a:p>
+            <a:r>
+              <a:rPr lang="en-US" dirty="0" smtClean="0"/>
+              <a:t>XCS shows significant learning</a:t>
+            </a:r>
+          </a:p>
+          <a:p>
+            <a:pPr lvl="1"/>
+            <a:r>
+              <a:rPr lang="en-US" dirty="0" smtClean="0"/>
+              <a:t>But also unlearning after 8,000 steps</a:t>
+            </a:r>
+          </a:p>
+          <a:p>
+            <a:pPr lvl="1"/>
+            <a:endParaRPr lang="en-US" dirty="0" smtClean="0"/>
+          </a:p>
+          <a:p>
+            <a:r>
+              <a:rPr lang="en-US" dirty="0" smtClean="0"/>
+              <a:t>“Difficult Scenario” is a maze-like scenario, this result was expected</a:t>
+            </a:r>
+            <a:endParaRPr lang="en-US" dirty="0"/>
+          </a:p>
+        </p:txBody>
+      </p:sp>
+      <p:sp>
+        <p:nvSpPr>
+          <p:cNvPr id="5" name="Slide Number Placeholder 4"/>
+          <p:cNvSpPr>
+            <a:spLocks noGrp="1"/>
+          </p:cNvSpPr>
+          <p:nvPr>
+            <p:ph type="sldNum" sz="quarter" idx="12"/>
+          </p:nvPr>
+        </p:nvSpPr>
+        <p:spPr/>
+        <p:txBody>
+          <a:bodyPr/>
+          <a:lstStyle/>
+          <a:p>
+            <a:fld id="{910CD07C-8A7E-4C51-BD5E-C27BF0DA94AA}" type="slidenum">
+              <a:rPr lang="en-US" smtClean="0"/>
+              <a:t>23</a:t>
+            </a:fld>
+            <a:endParaRPr lang="en-US"/>
+          </a:p>
+        </p:txBody>
+      </p:sp>
+      <p:sp>
+        <p:nvSpPr>
+          <p:cNvPr id="7" name="TextBox 6"/>
+          <p:cNvSpPr txBox="1"/>
+          <p:nvPr/>
         </p:nvSpPr>
         <p:spPr>
           <a:xfrm>
-            <a:off x="457200" y="1773936"/>
-            <a:ext cx="8305800" cy="4623816"/>
-          </a:xfrm>
-        </p:spPr>
-        <p:txBody>
-          <a:bodyPr/>
+            <a:off x="5412259" y="2895600"/>
+            <a:ext cx="2895600" cy="369332"/>
+          </a:xfrm>
+          <a:prstGeom prst="rect">
+            <a:avLst/>
+          </a:prstGeom>
+          <a:noFill/>
+        </p:spPr>
+        <p:txBody>
+          <a:bodyPr wrap="square" rtlCol="0">
+            <a:spAutoFit/>
+          </a:bodyPr>
           <a:lstStyle/>
           <a:p>
             <a:r>
               <a:rPr lang="en-US" dirty="0" smtClean="0"/>
-              <a:t>XCS (</a:t>
-            </a:r>
-            <a:r>
-              <a:rPr lang="en-US" dirty="0" err="1" smtClean="0"/>
-              <a:t>obs</a:t>
-            </a:r>
-            <a:r>
-              <a:rPr lang="en-US" dirty="0" smtClean="0"/>
-              <a:t>) shows some learning</a:t>
+              <a:t>Blinded prey</a:t>
             </a:r>
             <a:endParaRPr lang="en-US" dirty="0"/>
           </a:p>
@@ -14107,7 +14674,7 @@
       </p:sp>
       <p:pic>
         <p:nvPicPr>
-          <p:cNvPr id="6" name="Content Placeholder 5"/>
+          <p:cNvPr id="8" name="Content Placeholder 7"/>
           <p:cNvPicPr>
             <a:picLocks noGrp="1" noChangeAspect="1"/>
           </p:cNvPicPr>
@@ -14116,10 +14683,10 @@
           </p:nvPr>
         </p:nvPicPr>
         <p:blipFill>
-          <a:blip r:embed="rId2" cstate="print">
+          <a:blip r:embed="rId2">
             <a:extLst>
               <a:ext uri="{28A0092B-C50C-407E-A947-70E740481C1C}">
-                <a14:useLocalDpi xmlns:a14="http://schemas.microsoft.com/office/drawing/2010/main"/>
+                <a14:useLocalDpi xmlns:a14="http://schemas.microsoft.com/office/drawing/2010/main" val="0"/>
               </a:ext>
             </a:extLst>
           </a:blip>
@@ -14129,8 +14696,8 @@
         </p:blipFill>
         <p:spPr>
           <a:xfrm>
-            <a:off x="228600" y="3276600"/>
-            <a:ext cx="4038600" cy="3290403"/>
+            <a:off x="4648200" y="3352800"/>
+            <a:ext cx="4038600" cy="3028950"/>
           </a:xfrm>
           <a:prstGeom prst="rect">
             <a:avLst/>
@@ -14147,32 +14714,9 @@
           </a:effectLst>
         </p:spPr>
       </p:pic>
-      <p:sp>
-        <p:nvSpPr>
-          <p:cNvPr id="5" name="Slide Number Placeholder 4"/>
-          <p:cNvSpPr>
-            <a:spLocks noGrp="1"/>
-          </p:cNvSpPr>
-          <p:nvPr>
-            <p:ph type="sldNum" sz="quarter" idx="12"/>
-          </p:nvPr>
-        </p:nvSpPr>
-        <p:spPr/>
-        <p:txBody>
-          <a:bodyPr/>
-          <a:lstStyle/>
-          <a:p>
-            <a:fld id="{910CD07C-8A7E-4C51-BD5E-C27BF0DA94AA}" type="slidenum">
-              <a:rPr lang="en-US" smtClean="0"/>
-              <a:t>23</a:t>
-            </a:fld>
-            <a:endParaRPr lang="en-US"/>
-          </a:p>
-        </p:txBody>
-      </p:sp>
       <p:pic>
         <p:nvPicPr>
-          <p:cNvPr id="7" name="Content Placeholder 5"/>
+          <p:cNvPr id="9" name="Content Placeholder 6"/>
           <p:cNvPicPr>
             <a:picLocks noChangeAspect="1"/>
           </p:cNvPicPr>
@@ -14192,8 +14736,8 @@
         </p:blipFill>
         <p:spPr>
           <a:xfrm>
-            <a:off x="4648200" y="3276600"/>
-            <a:ext cx="4038600" cy="3290403"/>
+            <a:off x="6488084" y="0"/>
+            <a:ext cx="2655916" cy="2655916"/>
           </a:xfrm>
           <a:prstGeom prst="rect">
             <a:avLst/>
@@ -14210,556 +14754,6 @@
           </a:effectLst>
         </p:spPr>
       </p:pic>
-      <p:sp>
-        <p:nvSpPr>
-          <p:cNvPr id="4" name="TextBox 3"/>
-          <p:cNvSpPr txBox="1"/>
-          <p:nvPr/>
-        </p:nvSpPr>
-        <p:spPr>
-          <a:xfrm>
-            <a:off x="5292811" y="2895600"/>
-            <a:ext cx="2895600" cy="369332"/>
-          </a:xfrm>
-          <a:prstGeom prst="rect">
-            <a:avLst/>
-          </a:prstGeom>
-          <a:noFill/>
-        </p:spPr>
-        <p:txBody>
-          <a:bodyPr wrap="square" rtlCol="0">
-            <a:spAutoFit/>
-          </a:bodyPr>
-          <a:lstStyle/>
-          <a:p>
-            <a:r>
-              <a:rPr lang="en-US" dirty="0" smtClean="0"/>
-              <a:t>Predator-evading prey</a:t>
-            </a:r>
-            <a:endParaRPr lang="en-US" dirty="0"/>
-          </a:p>
-        </p:txBody>
-      </p:sp>
-      <p:sp>
-        <p:nvSpPr>
-          <p:cNvPr id="8" name="TextBox 7"/>
-          <p:cNvSpPr txBox="1"/>
-          <p:nvPr/>
-        </p:nvSpPr>
-        <p:spPr>
-          <a:xfrm>
-            <a:off x="990600" y="2895600"/>
-            <a:ext cx="2895600" cy="369332"/>
-          </a:xfrm>
-          <a:prstGeom prst="rect">
-            <a:avLst/>
-          </a:prstGeom>
-          <a:noFill/>
-        </p:spPr>
-        <p:txBody>
-          <a:bodyPr wrap="square" rtlCol="0">
-            <a:spAutoFit/>
-          </a:bodyPr>
-          <a:lstStyle/>
-          <a:p>
-            <a:r>
-              <a:rPr lang="en-US" dirty="0" smtClean="0"/>
-              <a:t>Obstacle-evading prey</a:t>
-            </a:r>
-            <a:endParaRPr lang="en-US" dirty="0"/>
-          </a:p>
-        </p:txBody>
-      </p:sp>
-    </p:spTree>
-    <p:extLst>
-      <p:ext uri="{BB962C8B-B14F-4D97-AF65-F5344CB8AC3E}">
-        <p14:creationId xmlns:p14="http://schemas.microsoft.com/office/powerpoint/2010/main" val="3736020115"/>
-      </p:ext>
-    </p:extLst>
-  </p:cSld>
-  <p:clrMapOvr>
-    <a:masterClrMapping/>
-  </p:clrMapOvr>
-  <mc:AlternateContent xmlns:mc="http://schemas.openxmlformats.org/markup-compatibility/2006" xmlns:p14="http://schemas.microsoft.com/office/powerpoint/2010/main">
-    <mc:Choice Requires="p14">
-      <p:transition spd="slow" p14:dur="1600">
-        <p14:conveyor dir="l"/>
-      </p:transition>
-    </mc:Choice>
-    <mc:Fallback xmlns="">
-      <p:transition xmlns:p14="http://schemas.microsoft.com/office/powerpoint/2010/main" spd="slow">
-        <p:fade/>
-      </p:transition>
-    </mc:Fallback>
-  </mc:AlternateContent>
-  <p:timing>
-    <p:tnLst>
-      <p:par>
-        <p:cTn xmlns:p14="http://schemas.microsoft.com/office/powerpoint/2010/main" id="1" dur="indefinite" restart="never" nodeType="tmRoot"/>
-      </p:par>
-    </p:tnLst>
-  </p:timing>
-</p:sld>
-</file>
-
-<file path=ppt/slides/slide24.xml><?xml version="1.0" encoding="utf-8"?>
-<p:sld xmlns:a="http://schemas.openxmlformats.org/drawingml/2006/main" xmlns:r="http://schemas.openxmlformats.org/officeDocument/2006/relationships" xmlns:p="http://schemas.openxmlformats.org/presentationml/2006/main">
-  <p:cSld>
-    <p:spTree>
-      <p:nvGrpSpPr>
-        <p:cNvPr id="1" name=""/>
-        <p:cNvGrpSpPr/>
-        <p:nvPr/>
-      </p:nvGrpSpPr>
-      <p:grpSpPr>
-        <a:xfrm>
-          <a:off x="0" y="0"/>
-          <a:ext cx="0" cy="0"/>
-          <a:chOff x="0" y="0"/>
-          <a:chExt cx="0" cy="0"/>
-        </a:xfrm>
-      </p:grpSpPr>
-      <p:sp>
-        <p:nvSpPr>
-          <p:cNvPr id="2" name="Title 1"/>
-          <p:cNvSpPr>
-            <a:spLocks noGrp="1"/>
-          </p:cNvSpPr>
-          <p:nvPr>
-            <p:ph type="title"/>
-          </p:nvPr>
-        </p:nvSpPr>
-        <p:spPr/>
-        <p:txBody>
-          <a:bodyPr>
-            <a:normAutofit fontScale="90000"/>
-          </a:bodyPr>
-          <a:lstStyle/>
-          <a:p>
-            <a:r>
-              <a:rPr lang="en-US" dirty="0" smtClean="0"/>
-              <a:t>XCS Experimental Results</a:t>
-            </a:r>
-            <a:br>
-              <a:rPr lang="en-US" dirty="0" smtClean="0"/>
-            </a:br>
-            <a:r>
-              <a:rPr lang="en-US" dirty="0" smtClean="0"/>
-              <a:t>“Random Scenario”</a:t>
-            </a:r>
-            <a:endParaRPr lang="en-US" dirty="0"/>
-          </a:p>
-        </p:txBody>
-      </p:sp>
-      <p:sp>
-        <p:nvSpPr>
-          <p:cNvPr id="3" name="Content Placeholder 2"/>
-          <p:cNvSpPr>
-            <a:spLocks noGrp="1"/>
-          </p:cNvSpPr>
-          <p:nvPr>
-            <p:ph sz="half" idx="1"/>
-          </p:nvPr>
-        </p:nvSpPr>
-        <p:spPr>
-          <a:xfrm>
-            <a:off x="457200" y="1773936"/>
-            <a:ext cx="8229600" cy="4623816"/>
-          </a:xfrm>
-        </p:spPr>
-        <p:txBody>
-          <a:bodyPr/>
-          <a:lstStyle/>
-          <a:p>
-            <a:r>
-              <a:rPr lang="en-US" dirty="0" smtClean="0"/>
-              <a:t>XCS shows very little learning</a:t>
-            </a:r>
-            <a:endParaRPr lang="en-US" dirty="0"/>
-          </a:p>
-        </p:txBody>
-      </p:sp>
-      <p:pic>
-        <p:nvPicPr>
-          <p:cNvPr id="6" name="Content Placeholder 5"/>
-          <p:cNvPicPr>
-            <a:picLocks noGrp="1" noChangeAspect="1"/>
-          </p:cNvPicPr>
-          <p:nvPr>
-            <p:ph sz="half" idx="2"/>
-          </p:nvPr>
-        </p:nvPicPr>
-        <p:blipFill>
-          <a:blip r:embed="rId2" cstate="print">
-            <a:extLst>
-              <a:ext uri="{28A0092B-C50C-407E-A947-70E740481C1C}">
-                <a14:useLocalDpi xmlns:a14="http://schemas.microsoft.com/office/drawing/2010/main"/>
-              </a:ext>
-            </a:extLst>
-          </a:blip>
-          <a:stretch>
-            <a:fillRect/>
-          </a:stretch>
-        </p:blipFill>
-        <p:spPr>
-          <a:xfrm>
-            <a:off x="228600" y="3276600"/>
-            <a:ext cx="4038600" cy="3290403"/>
-          </a:xfrm>
-          <a:prstGeom prst="rect">
-            <a:avLst/>
-          </a:prstGeom>
-          <a:ln>
-            <a:noFill/>
-          </a:ln>
-          <a:effectLst>
-            <a:outerShdw blurRad="190500" algn="tl" rotWithShape="0">
-              <a:srgbClr xmlns:mc="http://schemas.openxmlformats.org/markup-compatibility/2006" xmlns:a14="http://schemas.microsoft.com/office/drawing/2010/main" val="000000" mc:Ignorable="">
-                <a:alpha val="70000"/>
-              </a:srgbClr>
-            </a:outerShdw>
-          </a:effectLst>
-        </p:spPr>
-      </p:pic>
-      <p:sp>
-        <p:nvSpPr>
-          <p:cNvPr id="5" name="Slide Number Placeholder 4"/>
-          <p:cNvSpPr>
-            <a:spLocks noGrp="1"/>
-          </p:cNvSpPr>
-          <p:nvPr>
-            <p:ph type="sldNum" sz="quarter" idx="12"/>
-          </p:nvPr>
-        </p:nvSpPr>
-        <p:spPr/>
-        <p:txBody>
-          <a:bodyPr/>
-          <a:lstStyle/>
-          <a:p>
-            <a:fld id="{910CD07C-8A7E-4C51-BD5E-C27BF0DA94AA}" type="slidenum">
-              <a:rPr lang="en-US" smtClean="0"/>
-              <a:t>24</a:t>
-            </a:fld>
-            <a:endParaRPr lang="en-US"/>
-          </a:p>
-        </p:txBody>
-      </p:sp>
-      <p:pic>
-        <p:nvPicPr>
-          <p:cNvPr id="7" name="Content Placeholder 5"/>
-          <p:cNvPicPr>
-            <a:picLocks noChangeAspect="1"/>
-          </p:cNvPicPr>
-          <p:nvPr/>
-        </p:nvPicPr>
-        <p:blipFill>
-          <a:blip r:embed="rId3" cstate="print">
-            <a:extLst>
-              <a:ext uri="{28A0092B-C50C-407E-A947-70E740481C1C}">
-                <a14:useLocalDpi xmlns:a14="http://schemas.microsoft.com/office/drawing/2010/main"/>
-              </a:ext>
-            </a:extLst>
-          </a:blip>
-          <a:stretch>
-            <a:fillRect/>
-          </a:stretch>
-        </p:blipFill>
-        <p:spPr>
-          <a:xfrm>
-            <a:off x="4648200" y="3276600"/>
-            <a:ext cx="4038600" cy="3290403"/>
-          </a:xfrm>
-          <a:prstGeom prst="rect">
-            <a:avLst/>
-          </a:prstGeom>
-          <a:ln>
-            <a:noFill/>
-          </a:ln>
-          <a:effectLst>
-            <a:outerShdw blurRad="190500" algn="tl" rotWithShape="0">
-              <a:srgbClr xmlns:mc="http://schemas.openxmlformats.org/markup-compatibility/2006" xmlns:a14="http://schemas.microsoft.com/office/drawing/2010/main" val="000000" mc:Ignorable="">
-                <a:alpha val="70000"/>
-              </a:srgbClr>
-            </a:outerShdw>
-          </a:effectLst>
-        </p:spPr>
-      </p:pic>
-      <p:sp>
-        <p:nvSpPr>
-          <p:cNvPr id="8" name="TextBox 7"/>
-          <p:cNvSpPr txBox="1"/>
-          <p:nvPr/>
-        </p:nvSpPr>
-        <p:spPr>
-          <a:xfrm>
-            <a:off x="5280454" y="2895600"/>
-            <a:ext cx="2895600" cy="369332"/>
-          </a:xfrm>
-          <a:prstGeom prst="rect">
-            <a:avLst/>
-          </a:prstGeom>
-          <a:noFill/>
-        </p:spPr>
-        <p:txBody>
-          <a:bodyPr wrap="square" rtlCol="0">
-            <a:spAutoFit/>
-          </a:bodyPr>
-          <a:lstStyle/>
-          <a:p>
-            <a:r>
-              <a:rPr lang="en-US" dirty="0" smtClean="0"/>
-              <a:t>Predator-evading prey</a:t>
-            </a:r>
-            <a:endParaRPr lang="en-US" dirty="0"/>
-          </a:p>
-        </p:txBody>
-      </p:sp>
-      <p:sp>
-        <p:nvSpPr>
-          <p:cNvPr id="9" name="TextBox 8"/>
-          <p:cNvSpPr txBox="1"/>
-          <p:nvPr/>
-        </p:nvSpPr>
-        <p:spPr>
-          <a:xfrm>
-            <a:off x="990600" y="2886677"/>
-            <a:ext cx="2895600" cy="369332"/>
-          </a:xfrm>
-          <a:prstGeom prst="rect">
-            <a:avLst/>
-          </a:prstGeom>
-          <a:noFill/>
-        </p:spPr>
-        <p:txBody>
-          <a:bodyPr wrap="square" rtlCol="0">
-            <a:spAutoFit/>
-          </a:bodyPr>
-          <a:lstStyle/>
-          <a:p>
-            <a:r>
-              <a:rPr lang="en-US" dirty="0" smtClean="0"/>
-              <a:t>Obstacle-evading prey</a:t>
-            </a:r>
-            <a:endParaRPr lang="en-US" dirty="0"/>
-          </a:p>
-        </p:txBody>
-      </p:sp>
-    </p:spTree>
-    <p:extLst>
-      <p:ext uri="{BB962C8B-B14F-4D97-AF65-F5344CB8AC3E}">
-        <p14:creationId xmlns:p14="http://schemas.microsoft.com/office/powerpoint/2010/main" val="2687700754"/>
-      </p:ext>
-    </p:extLst>
-  </p:cSld>
-  <p:clrMapOvr>
-    <a:masterClrMapping/>
-  </p:clrMapOvr>
-  <mc:AlternateContent xmlns:mc="http://schemas.openxmlformats.org/markup-compatibility/2006" xmlns:p14="http://schemas.microsoft.com/office/powerpoint/2010/main">
-    <mc:Choice Requires="p14">
-      <p:transition spd="med" p14:dur="699">
-        <p:fade/>
-      </p:transition>
-    </mc:Choice>
-    <mc:Fallback xmlns="">
-      <p:transition xmlns:p14="http://schemas.microsoft.com/office/powerpoint/2010/main" spd="med">
-        <p:fade/>
-      </p:transition>
-    </mc:Fallback>
-  </mc:AlternateContent>
-  <p:timing>
-    <p:tnLst>
-      <p:par>
-        <p:cTn xmlns:p14="http://schemas.microsoft.com/office/powerpoint/2010/main" id="1" dur="indefinite" restart="never" nodeType="tmRoot"/>
-      </p:par>
-    </p:tnLst>
-  </p:timing>
-</p:sld>
-</file>
-
-<file path=ppt/slides/slide25.xml><?xml version="1.0" encoding="utf-8"?>
-<p:sld xmlns:a="http://schemas.openxmlformats.org/drawingml/2006/main" xmlns:r="http://schemas.openxmlformats.org/officeDocument/2006/relationships" xmlns:p="http://schemas.openxmlformats.org/presentationml/2006/main">
-  <p:cSld>
-    <p:spTree>
-      <p:nvGrpSpPr>
-        <p:cNvPr id="1" name=""/>
-        <p:cNvGrpSpPr/>
-        <p:nvPr/>
-      </p:nvGrpSpPr>
-      <p:grpSpPr>
-        <a:xfrm>
-          <a:off x="0" y="0"/>
-          <a:ext cx="0" cy="0"/>
-          <a:chOff x="0" y="0"/>
-          <a:chExt cx="0" cy="0"/>
-        </a:xfrm>
-      </p:grpSpPr>
-      <p:sp>
-        <p:nvSpPr>
-          <p:cNvPr id="2" name="Title 1"/>
-          <p:cNvSpPr>
-            <a:spLocks noGrp="1"/>
-          </p:cNvSpPr>
-          <p:nvPr>
-            <p:ph type="title"/>
-          </p:nvPr>
-        </p:nvSpPr>
-        <p:spPr/>
-        <p:txBody>
-          <a:bodyPr>
-            <a:normAutofit fontScale="90000"/>
-          </a:bodyPr>
-          <a:lstStyle/>
-          <a:p>
-            <a:r>
-              <a:rPr lang="en-US" dirty="0" smtClean="0"/>
-              <a:t>XCS Experimental Results</a:t>
-            </a:r>
-            <a:br>
-              <a:rPr lang="en-US" dirty="0" smtClean="0"/>
-            </a:br>
-            <a:r>
-              <a:rPr lang="en-US" dirty="0" smtClean="0"/>
-              <a:t>“Difficult Scenario”</a:t>
-            </a:r>
-            <a:endParaRPr lang="en-US" dirty="0"/>
-          </a:p>
-        </p:txBody>
-      </p:sp>
-      <p:sp>
-        <p:nvSpPr>
-          <p:cNvPr id="3" name="Content Placeholder 2"/>
-          <p:cNvSpPr>
-            <a:spLocks noGrp="1"/>
-          </p:cNvSpPr>
-          <p:nvPr>
-            <p:ph sz="half" idx="1"/>
-          </p:nvPr>
-        </p:nvSpPr>
-        <p:spPr/>
-        <p:txBody>
-          <a:bodyPr/>
-          <a:lstStyle/>
-          <a:p>
-            <a:r>
-              <a:rPr lang="en-US" dirty="0" smtClean="0"/>
-              <a:t>XCS shows significant learning</a:t>
-            </a:r>
-          </a:p>
-          <a:p>
-            <a:pPr lvl="1"/>
-            <a:r>
-              <a:rPr lang="en-US" dirty="0" smtClean="0"/>
-              <a:t>But also unlearning after 8,000 steps</a:t>
-            </a:r>
-          </a:p>
-          <a:p>
-            <a:pPr lvl="1"/>
-            <a:endParaRPr lang="en-US" dirty="0" smtClean="0"/>
-          </a:p>
-          <a:p>
-            <a:r>
-              <a:rPr lang="en-US" dirty="0" smtClean="0"/>
-              <a:t>“Difficult Scenario” is a maze-like scenario, this result was expected</a:t>
-            </a:r>
-            <a:endParaRPr lang="en-US" dirty="0"/>
-          </a:p>
-        </p:txBody>
-      </p:sp>
-      <p:pic>
-        <p:nvPicPr>
-          <p:cNvPr id="6" name="Content Placeholder 5"/>
-          <p:cNvPicPr>
-            <a:picLocks noGrp="1" noChangeAspect="1"/>
-          </p:cNvPicPr>
-          <p:nvPr>
-            <p:ph sz="half" idx="2"/>
-          </p:nvPr>
-        </p:nvPicPr>
-        <p:blipFill>
-          <a:blip r:embed="rId2" cstate="print">
-            <a:extLst>
-              <a:ext uri="{28A0092B-C50C-407E-A947-70E740481C1C}">
-                <a14:useLocalDpi xmlns:a14="http://schemas.microsoft.com/office/drawing/2010/main"/>
-              </a:ext>
-            </a:extLst>
-          </a:blip>
-          <a:stretch>
-            <a:fillRect/>
-          </a:stretch>
-        </p:blipFill>
-        <p:spPr>
-          <a:xfrm>
-            <a:off x="4648200" y="3276600"/>
-            <a:ext cx="4038600" cy="3290403"/>
-          </a:xfrm>
-          <a:prstGeom prst="rect">
-            <a:avLst/>
-          </a:prstGeom>
-          <a:ln>
-            <a:noFill/>
-          </a:ln>
-          <a:effectLst>
-            <a:outerShdw blurRad="190500" algn="tl" rotWithShape="0">
-              <a:srgbClr xmlns:mc="http://schemas.openxmlformats.org/markup-compatibility/2006" xmlns:a14="http://schemas.microsoft.com/office/drawing/2010/main" val="000000" mc:Ignorable="">
-                <a:alpha val="70000"/>
-              </a:srgbClr>
-            </a:outerShdw>
-          </a:effectLst>
-        </p:spPr>
-      </p:pic>
-      <p:sp>
-        <p:nvSpPr>
-          <p:cNvPr id="5" name="Slide Number Placeholder 4"/>
-          <p:cNvSpPr>
-            <a:spLocks noGrp="1"/>
-          </p:cNvSpPr>
-          <p:nvPr>
-            <p:ph type="sldNum" sz="quarter" idx="12"/>
-          </p:nvPr>
-        </p:nvSpPr>
-        <p:spPr/>
-        <p:txBody>
-          <a:bodyPr/>
-          <a:lstStyle/>
-          <a:p>
-            <a:fld id="{910CD07C-8A7E-4C51-BD5E-C27BF0DA94AA}" type="slidenum">
-              <a:rPr lang="en-US" smtClean="0"/>
-              <a:t>25</a:t>
-            </a:fld>
-            <a:endParaRPr lang="en-US"/>
-          </a:p>
-        </p:txBody>
-      </p:sp>
-      <p:sp>
-        <p:nvSpPr>
-          <p:cNvPr id="7" name="TextBox 6"/>
-          <p:cNvSpPr txBox="1"/>
-          <p:nvPr/>
-        </p:nvSpPr>
-        <p:spPr>
-          <a:xfrm>
-            <a:off x="5412259" y="2895600"/>
-            <a:ext cx="2895600" cy="369332"/>
-          </a:xfrm>
-          <a:prstGeom prst="rect">
-            <a:avLst/>
-          </a:prstGeom>
-          <a:noFill/>
-        </p:spPr>
-        <p:txBody>
-          <a:bodyPr wrap="square" rtlCol="0">
-            <a:spAutoFit/>
-          </a:bodyPr>
-          <a:lstStyle/>
-          <a:p>
-            <a:r>
-              <a:rPr lang="en-US" dirty="0" smtClean="0"/>
-              <a:t>Blinded prey</a:t>
-            </a:r>
-            <a:endParaRPr lang="en-US" dirty="0"/>
-          </a:p>
-        </p:txBody>
-      </p:sp>
     </p:spTree>
     <p:extLst>
       <p:ext uri="{BB962C8B-B14F-4D97-AF65-F5344CB8AC3E}">
@@ -14792,7 +14786,7 @@
 </p:sld>
 </file>
 
-<file path=ppt/slides/slide26.xml><?xml version="1.0" encoding="utf-8"?>
+<file path=ppt/slides/slide24.xml><?xml version="1.0" encoding="utf-8"?>
 <p:sld xmlns:a="http://schemas.openxmlformats.org/drawingml/2006/main" xmlns:r="http://schemas.openxmlformats.org/officeDocument/2006/relationships" xmlns:p="http://schemas.openxmlformats.org/presentationml/2006/main">
   <p:cSld>
     <p:spTree>
@@ -14825,10 +14819,17 @@
           <a:lstStyle/>
           <a:p>
             <a:r>
-              <a:rPr lang="en-US" dirty="0" smtClean="0"/>
-              <a:t>Base Reward and Reward Events</a:t>
-            </a:r>
-            <a:endParaRPr lang="en-US" dirty="0"/>
+              <a:rPr lang="en-US" dirty="0"/>
+              <a:t>Reward Events “</a:t>
+            </a:r>
+            <a:r>
+              <a:rPr lang="en-US" dirty="0" err="1"/>
+              <a:t>eventXCS</a:t>
+            </a:r>
+            <a:r>
+              <a:rPr lang="en-US" dirty="0"/>
+              <a:t>”</a:t>
+            </a:r>
           </a:p>
         </p:txBody>
       </p:sp>
@@ -14887,7 +14888,7 @@
           <a:p>
             <a:fld id="{910CD07C-8A7E-4C51-BD5E-C27BF0DA94AA}" type="slidenum">
               <a:rPr lang="en-US" smtClean="0"/>
-              <a:t>26</a:t>
+              <a:t>24</a:t>
             </a:fld>
             <a:endParaRPr lang="en-US"/>
           </a:p>
@@ -14895,7 +14896,7 @@
       </p:sp>
       <p:pic>
         <p:nvPicPr>
-          <p:cNvPr id="1028" name="Picture 4"/>
+          <p:cNvPr id="3074" name="Picture 2"/>
           <p:cNvPicPr>
             <a:picLocks noChangeAspect="1" noChangeArrowheads="1"/>
           </p:cNvPicPr>
@@ -14916,17 +14917,22 @@
         </p:blipFill>
         <p:spPr bwMode="auto">
           <a:xfrm>
-            <a:off x="381000" y="1828800"/>
+            <a:off x="457200" y="2743200"/>
             <a:ext cx="8560106" cy="2516486"/>
           </a:xfrm>
           <a:prstGeom prst="rect">
             <a:avLst/>
           </a:prstGeom>
-          <a:noFill/>
           <a:ln>
             <a:noFill/>
           </a:ln>
-          <a:effectLst/>
+          <a:effectLst>
+            <a:outerShdw blurRad="190500" algn="tl" rotWithShape="0">
+              <a:srgbClr xmlns:mc="http://schemas.openxmlformats.org/markup-compatibility/2006" xmlns:a14="http://schemas.microsoft.com/office/drawing/2010/main" val="000000" mc:Ignorable="">
+                <a:alpha val="70000"/>
+              </a:srgbClr>
+            </a:outerShdw>
+          </a:effectLst>
           <a:extLst>
             <a:ext uri="{909E8E84-426E-40DD-AFC4-6F175D3DCCD1}">
               <a14:hiddenFill xmlns:a14="http://schemas.microsoft.com/office/drawing/2010/main">
@@ -14945,15 +14951,6 @@
                 <a:tailEnd/>
               </a14:hiddenLine>
             </a:ext>
-            <a:ext uri="{AF507438-7753-43E0-B8FC-AC1667EBCBE1}">
-              <a14:hiddenEffects xmlns:a14="http://schemas.microsoft.com/office/drawing/2010/main">
-                <a:effectLst>
-                  <a:outerShdw dist="35921" dir="2700000" algn="ctr" rotWithShape="0">
-                    <a:schemeClr val="bg2"/>
-                  </a:outerShdw>
-                </a:effectLst>
-              </a14:hiddenEffects>
-            </a:ext>
           </a:extLst>
         </p:spPr>
       </p:pic>
@@ -14961,6 +14958,388 @@
     <p:extLst>
       <p:ext uri="{BB962C8B-B14F-4D97-AF65-F5344CB8AC3E}">
         <p14:creationId xmlns:p14="http://schemas.microsoft.com/office/powerpoint/2010/main" val="4284672078"/>
+      </p:ext>
+    </p:extLst>
+  </p:cSld>
+  <p:clrMapOvr>
+    <a:masterClrMapping/>
+  </p:clrMapOvr>
+  <p:transition xmlns:p14="http://schemas.microsoft.com/office/powerpoint/2010/main" spd="slow">
+    <p:wipe/>
+  </p:transition>
+  <p:timing>
+    <p:tnLst>
+      <p:par>
+        <p:cTn xmlns:p14="http://schemas.microsoft.com/office/powerpoint/2010/main" id="1" dur="indefinite" restart="never" nodeType="tmRoot"/>
+      </p:par>
+    </p:tnLst>
+  </p:timing>
+</p:sld>
+</file>
+
+<file path=ppt/slides/slide25.xml><?xml version="1.0" encoding="utf-8"?>
+<p:sld xmlns:a="http://schemas.openxmlformats.org/drawingml/2006/main" xmlns:r="http://schemas.openxmlformats.org/officeDocument/2006/relationships" xmlns:p="http://schemas.openxmlformats.org/presentationml/2006/main">
+  <p:cSld>
+    <p:spTree>
+      <p:nvGrpSpPr>
+        <p:cNvPr id="1" name=""/>
+        <p:cNvGrpSpPr/>
+        <p:nvPr/>
+      </p:nvGrpSpPr>
+      <p:grpSpPr>
+        <a:xfrm>
+          <a:off x="0" y="0"/>
+          <a:ext cx="0" cy="0"/>
+          <a:chOff x="0" y="0"/>
+          <a:chExt cx="0" cy="0"/>
+        </a:xfrm>
+      </p:grpSpPr>
+      <p:sp>
+        <p:nvSpPr>
+          <p:cNvPr id="2" name="Title 1"/>
+          <p:cNvSpPr>
+            <a:spLocks noGrp="1"/>
+          </p:cNvSpPr>
+          <p:nvPr>
+            <p:ph type="title"/>
+          </p:nvPr>
+        </p:nvSpPr>
+        <p:spPr/>
+        <p:txBody>
+          <a:bodyPr/>
+          <a:lstStyle/>
+          <a:p>
+            <a:r>
+              <a:rPr lang="en-US" dirty="0"/>
+              <a:t>Reward Events “</a:t>
+            </a:r>
+            <a:r>
+              <a:rPr lang="en-US" dirty="0" err="1"/>
+              <a:t>eventXCS</a:t>
+            </a:r>
+            <a:r>
+              <a:rPr lang="en-US" dirty="0"/>
+              <a:t>”</a:t>
+            </a:r>
+          </a:p>
+        </p:txBody>
+      </p:sp>
+      <p:sp>
+        <p:nvSpPr>
+          <p:cNvPr id="3" name="Content Placeholder 2"/>
+          <p:cNvSpPr>
+            <a:spLocks noGrp="1"/>
+          </p:cNvSpPr>
+          <p:nvPr>
+            <p:ph sz="half" idx="1"/>
+          </p:nvPr>
+        </p:nvSpPr>
+        <p:spPr/>
+        <p:txBody>
+          <a:bodyPr/>
+          <a:lstStyle/>
+          <a:p>
+            <a:endParaRPr lang="en-US"/>
+          </a:p>
+        </p:txBody>
+      </p:sp>
+      <p:sp>
+        <p:nvSpPr>
+          <p:cNvPr id="4" name="Content Placeholder 3"/>
+          <p:cNvSpPr>
+            <a:spLocks noGrp="1"/>
+          </p:cNvSpPr>
+          <p:nvPr>
+            <p:ph sz="half" idx="2"/>
+          </p:nvPr>
+        </p:nvSpPr>
+        <p:spPr/>
+        <p:txBody>
+          <a:bodyPr/>
+          <a:lstStyle/>
+          <a:p>
+            <a:endParaRPr lang="en-US"/>
+          </a:p>
+        </p:txBody>
+      </p:sp>
+      <p:sp>
+        <p:nvSpPr>
+          <p:cNvPr id="5" name="Slide Number Placeholder 4"/>
+          <p:cNvSpPr>
+            <a:spLocks noGrp="1"/>
+          </p:cNvSpPr>
+          <p:nvPr>
+            <p:ph type="sldNum" sz="quarter" idx="12"/>
+          </p:nvPr>
+        </p:nvSpPr>
+        <p:spPr/>
+        <p:txBody>
+          <a:bodyPr/>
+          <a:lstStyle/>
+          <a:p>
+            <a:fld id="{910CD07C-8A7E-4C51-BD5E-C27BF0DA94AA}" type="slidenum">
+              <a:rPr lang="en-US" smtClean="0"/>
+              <a:t>25</a:t>
+            </a:fld>
+            <a:endParaRPr lang="en-US"/>
+          </a:p>
+        </p:txBody>
+      </p:sp>
+      <p:pic>
+        <p:nvPicPr>
+          <p:cNvPr id="2051" name="Picture 3"/>
+          <p:cNvPicPr>
+            <a:picLocks noChangeAspect="1" noChangeArrowheads="1"/>
+          </p:cNvPicPr>
+          <p:nvPr/>
+        </p:nvPicPr>
+        <p:blipFill>
+          <a:blip r:embed="rId2">
+            <a:extLst>
+              <a:ext uri="{28A0092B-C50C-407E-A947-70E740481C1C}">
+                <a14:useLocalDpi xmlns:a14="http://schemas.microsoft.com/office/drawing/2010/main" val="0"/>
+              </a:ext>
+            </a:extLst>
+          </a:blip>
+          <a:srcRect/>
+          <a:stretch>
+            <a:fillRect/>
+          </a:stretch>
+        </p:blipFill>
+        <p:spPr bwMode="auto">
+          <a:xfrm>
+            <a:off x="457200" y="2743200"/>
+            <a:ext cx="8560106" cy="2516486"/>
+          </a:xfrm>
+          <a:prstGeom prst="rect">
+            <a:avLst/>
+          </a:prstGeom>
+          <a:ln>
+            <a:noFill/>
+          </a:ln>
+          <a:effectLst>
+            <a:outerShdw blurRad="190500" algn="tl" rotWithShape="0">
+              <a:srgbClr xmlns:mc="http://schemas.openxmlformats.org/markup-compatibility/2006" xmlns:a14="http://schemas.microsoft.com/office/drawing/2010/main" val="000000" mc:Ignorable="">
+                <a:alpha val="70000"/>
+              </a:srgbClr>
+            </a:outerShdw>
+          </a:effectLst>
+          <a:extLst>
+            <a:ext uri="{909E8E84-426E-40DD-AFC4-6F175D3DCCD1}">
+              <a14:hiddenFill xmlns:a14="http://schemas.microsoft.com/office/drawing/2010/main">
+                <a:solidFill>
+                  <a:schemeClr val="accent1"/>
+                </a:solidFill>
+              </a14:hiddenFill>
+            </a:ext>
+            <a:ext uri="{91240B29-F687-4F45-9708-019B960494DF}">
+              <a14:hiddenLine xmlns:a14="http://schemas.microsoft.com/office/drawing/2010/main" w="9525">
+                <a:solidFill>
+                  <a:schemeClr val="tx1"/>
+                </a:solidFill>
+                <a:miter lim="800000"/>
+                <a:headEnd/>
+                <a:tailEnd/>
+              </a14:hiddenLine>
+            </a:ext>
+          </a:extLst>
+        </p:spPr>
+      </p:pic>
+    </p:spTree>
+    <p:extLst>
+      <p:ext uri="{BB962C8B-B14F-4D97-AF65-F5344CB8AC3E}">
+        <p14:creationId xmlns:p14="http://schemas.microsoft.com/office/powerpoint/2010/main" val="755596305"/>
+      </p:ext>
+    </p:extLst>
+  </p:cSld>
+  <p:clrMapOvr>
+    <a:masterClrMapping/>
+  </p:clrMapOvr>
+  <p:transition xmlns:p14="http://schemas.microsoft.com/office/powerpoint/2010/main" spd="slow">
+    <p:wipe/>
+  </p:transition>
+  <p:timing>
+    <p:tnLst>
+      <p:par>
+        <p:cTn xmlns:p14="http://schemas.microsoft.com/office/powerpoint/2010/main" id="1" dur="indefinite" restart="never" nodeType="tmRoot"/>
+      </p:par>
+    </p:tnLst>
+  </p:timing>
+</p:sld>
+</file>
+
+<file path=ppt/slides/slide26.xml><?xml version="1.0" encoding="utf-8"?>
+<p:sld xmlns:a="http://schemas.openxmlformats.org/drawingml/2006/main" xmlns:r="http://schemas.openxmlformats.org/officeDocument/2006/relationships" xmlns:p="http://schemas.openxmlformats.org/presentationml/2006/main">
+  <p:cSld>
+    <p:spTree>
+      <p:nvGrpSpPr>
+        <p:cNvPr id="1" name=""/>
+        <p:cNvGrpSpPr/>
+        <p:nvPr/>
+      </p:nvGrpSpPr>
+      <p:grpSpPr>
+        <a:xfrm>
+          <a:off x="0" y="0"/>
+          <a:ext cx="0" cy="0"/>
+          <a:chOff x="0" y="0"/>
+          <a:chExt cx="0" cy="0"/>
+        </a:xfrm>
+      </p:grpSpPr>
+      <p:sp>
+        <p:nvSpPr>
+          <p:cNvPr id="2" name="Title 1"/>
+          <p:cNvSpPr>
+            <a:spLocks noGrp="1"/>
+          </p:cNvSpPr>
+          <p:nvPr>
+            <p:ph type="title"/>
+          </p:nvPr>
+        </p:nvSpPr>
+        <p:spPr/>
+        <p:txBody>
+          <a:bodyPr/>
+          <a:lstStyle/>
+          <a:p>
+            <a:r>
+              <a:rPr lang="en-US" dirty="0"/>
+              <a:t>Reward Events “</a:t>
+            </a:r>
+            <a:r>
+              <a:rPr lang="en-US" dirty="0" err="1"/>
+              <a:t>eventXCS</a:t>
+            </a:r>
+            <a:r>
+              <a:rPr lang="en-US" dirty="0"/>
+              <a:t>”</a:t>
+            </a:r>
+          </a:p>
+        </p:txBody>
+      </p:sp>
+      <p:sp>
+        <p:nvSpPr>
+          <p:cNvPr id="3" name="Content Placeholder 2"/>
+          <p:cNvSpPr>
+            <a:spLocks noGrp="1"/>
+          </p:cNvSpPr>
+          <p:nvPr>
+            <p:ph sz="half" idx="1"/>
+          </p:nvPr>
+        </p:nvSpPr>
+        <p:spPr/>
+        <p:txBody>
+          <a:bodyPr/>
+          <a:lstStyle/>
+          <a:p>
+            <a:endParaRPr lang="en-US"/>
+          </a:p>
+        </p:txBody>
+      </p:sp>
+      <p:sp>
+        <p:nvSpPr>
+          <p:cNvPr id="4" name="Content Placeholder 3"/>
+          <p:cNvSpPr>
+            <a:spLocks noGrp="1"/>
+          </p:cNvSpPr>
+          <p:nvPr>
+            <p:ph sz="half" idx="2"/>
+          </p:nvPr>
+        </p:nvSpPr>
+        <p:spPr/>
+        <p:txBody>
+          <a:bodyPr/>
+          <a:lstStyle/>
+          <a:p>
+            <a:endParaRPr lang="en-US"/>
+          </a:p>
+        </p:txBody>
+      </p:sp>
+      <p:sp>
+        <p:nvSpPr>
+          <p:cNvPr id="5" name="Slide Number Placeholder 4"/>
+          <p:cNvSpPr>
+            <a:spLocks noGrp="1"/>
+          </p:cNvSpPr>
+          <p:nvPr>
+            <p:ph type="sldNum" sz="quarter" idx="12"/>
+          </p:nvPr>
+        </p:nvSpPr>
+        <p:spPr/>
+        <p:txBody>
+          <a:bodyPr/>
+          <a:lstStyle/>
+          <a:p>
+            <a:fld id="{910CD07C-8A7E-4C51-BD5E-C27BF0DA94AA}" type="slidenum">
+              <a:rPr lang="en-US" smtClean="0"/>
+              <a:t>26</a:t>
+            </a:fld>
+            <a:endParaRPr lang="en-US"/>
+          </a:p>
+        </p:txBody>
+      </p:sp>
+      <p:pic>
+        <p:nvPicPr>
+          <p:cNvPr id="1027" name="Picture 3"/>
+          <p:cNvPicPr>
+            <a:picLocks noChangeAspect="1" noChangeArrowheads="1"/>
+          </p:cNvPicPr>
+          <p:nvPr/>
+        </p:nvPicPr>
+        <p:blipFill>
+          <a:blip r:embed="rId2">
+            <a:extLst>
+              <a:ext uri="{28A0092B-C50C-407E-A947-70E740481C1C}">
+                <a14:useLocalDpi xmlns:a14="http://schemas.microsoft.com/office/drawing/2010/main" val="0"/>
+              </a:ext>
+            </a:extLst>
+          </a:blip>
+          <a:srcRect/>
+          <a:stretch>
+            <a:fillRect/>
+          </a:stretch>
+        </p:blipFill>
+        <p:spPr bwMode="auto">
+          <a:xfrm>
+            <a:off x="457200" y="2743200"/>
+            <a:ext cx="8560106" cy="2516486"/>
+          </a:xfrm>
+          <a:prstGeom prst="rect">
+            <a:avLst/>
+          </a:prstGeom>
+          <a:ln>
+            <a:noFill/>
+          </a:ln>
+          <a:effectLst>
+            <a:outerShdw blurRad="190500" algn="tl" rotWithShape="0">
+              <a:srgbClr xmlns:mc="http://schemas.openxmlformats.org/markup-compatibility/2006" xmlns:a14="http://schemas.microsoft.com/office/drawing/2010/main" val="000000" mc:Ignorable="">
+                <a:alpha val="70000"/>
+              </a:srgbClr>
+            </a:outerShdw>
+          </a:effectLst>
+          <a:extLst>
+            <a:ext uri="{909E8E84-426E-40DD-AFC4-6F175D3DCCD1}">
+              <a14:hiddenFill xmlns:a14="http://schemas.microsoft.com/office/drawing/2010/main">
+                <a:solidFill>
+                  <a:schemeClr val="accent1"/>
+                </a:solidFill>
+              </a14:hiddenFill>
+            </a:ext>
+            <a:ext uri="{91240B29-F687-4F45-9708-019B960494DF}">
+              <a14:hiddenLine xmlns:a14="http://schemas.microsoft.com/office/drawing/2010/main" w="9525">
+                <a:solidFill>
+                  <a:schemeClr val="tx1"/>
+                </a:solidFill>
+                <a:miter lim="800000"/>
+                <a:headEnd/>
+                <a:tailEnd/>
+              </a14:hiddenLine>
+            </a:ext>
+          </a:extLst>
+        </p:spPr>
+      </p:pic>
+    </p:spTree>
+    <p:extLst>
+      <p:ext uri="{BB962C8B-B14F-4D97-AF65-F5344CB8AC3E}">
+        <p14:creationId xmlns:p14="http://schemas.microsoft.com/office/powerpoint/2010/main" val="4092896797"/>
       </p:ext>
     </p:extLst>
   </p:cSld>
@@ -15014,7 +15393,15 @@
           <a:p>
             <a:r>
               <a:rPr lang="en-US" dirty="0"/>
-              <a:t>Base Reward and Reward Events</a:t>
+              <a:t>Reward Events “</a:t>
+            </a:r>
+            <a:r>
+              <a:rPr lang="en-US" dirty="0" err="1"/>
+              <a:t>eventXCS</a:t>
+            </a:r>
+            <a:r>
+              <a:rPr lang="en-US" dirty="0"/>
+              <a:t>”</a:t>
             </a:r>
           </a:p>
         </p:txBody>
@@ -15082,7 +15469,7 @@
       </p:sp>
       <p:pic>
         <p:nvPicPr>
-          <p:cNvPr id="12290" name="Picture 2"/>
+          <p:cNvPr id="4098" name="Picture 2"/>
           <p:cNvPicPr>
             <a:picLocks noChangeAspect="1" noChangeArrowheads="1"/>
           </p:cNvPicPr>
@@ -15103,17 +15490,22 @@
         </p:blipFill>
         <p:spPr bwMode="auto">
           <a:xfrm>
-            <a:off x="381000" y="1828800"/>
+            <a:off x="457200" y="2743200"/>
             <a:ext cx="8560106" cy="2516486"/>
           </a:xfrm>
           <a:prstGeom prst="rect">
             <a:avLst/>
           </a:prstGeom>
-          <a:noFill/>
           <a:ln>
             <a:noFill/>
           </a:ln>
-          <a:effectLst/>
+          <a:effectLst>
+            <a:outerShdw blurRad="190500" algn="tl" rotWithShape="0">
+              <a:srgbClr xmlns:mc="http://schemas.openxmlformats.org/markup-compatibility/2006" xmlns:a14="http://schemas.microsoft.com/office/drawing/2010/main" val="000000" mc:Ignorable="">
+                <a:alpha val="70000"/>
+              </a:srgbClr>
+            </a:outerShdw>
+          </a:effectLst>
           <a:extLst>
             <a:ext uri="{909E8E84-426E-40DD-AFC4-6F175D3DCCD1}">
               <a14:hiddenFill xmlns:a14="http://schemas.microsoft.com/office/drawing/2010/main">
@@ -15132,22 +15524,13 @@
                 <a:tailEnd/>
               </a14:hiddenLine>
             </a:ext>
-            <a:ext uri="{AF507438-7753-43E0-B8FC-AC1667EBCBE1}">
-              <a14:hiddenEffects xmlns:a14="http://schemas.microsoft.com/office/drawing/2010/main">
-                <a:effectLst>
-                  <a:outerShdw dist="35921" dir="2700000" algn="ctr" rotWithShape="0">
-                    <a:schemeClr val="bg2"/>
-                  </a:outerShdw>
-                </a:effectLst>
-              </a14:hiddenEffects>
-            </a:ext>
           </a:extLst>
         </p:spPr>
       </p:pic>
     </p:spTree>
     <p:extLst>
       <p:ext uri="{BB962C8B-B14F-4D97-AF65-F5344CB8AC3E}">
-        <p14:creationId xmlns:p14="http://schemas.microsoft.com/office/powerpoint/2010/main" val="755596305"/>
+        <p14:creationId xmlns:p14="http://schemas.microsoft.com/office/powerpoint/2010/main" val="1963203303"/>
       </p:ext>
     </p:extLst>
   </p:cSld>
@@ -15201,7 +15584,15 @@
           <a:p>
             <a:r>
               <a:rPr lang="en-US" dirty="0"/>
-              <a:t>Base Reward and Reward Events</a:t>
+              <a:t>Reward Events “</a:t>
+            </a:r>
+            <a:r>
+              <a:rPr lang="en-US" dirty="0" err="1"/>
+              <a:t>eventXCS</a:t>
+            </a:r>
+            <a:r>
+              <a:rPr lang="en-US" dirty="0"/>
+              <a:t>”</a:t>
             </a:r>
           </a:p>
         </p:txBody>
@@ -15269,7 +15660,7 @@
       </p:sp>
       <p:pic>
         <p:nvPicPr>
-          <p:cNvPr id="2050" name="Picture 2"/>
+          <p:cNvPr id="5122" name="Picture 2"/>
           <p:cNvPicPr>
             <a:picLocks noChangeAspect="1" noChangeArrowheads="1"/>
           </p:cNvPicPr>
@@ -15290,17 +15681,22 @@
         </p:blipFill>
         <p:spPr bwMode="auto">
           <a:xfrm>
-            <a:off x="381000" y="1828800"/>
+            <a:off x="457200" y="2743200"/>
             <a:ext cx="8560106" cy="2516486"/>
           </a:xfrm>
           <a:prstGeom prst="rect">
             <a:avLst/>
           </a:prstGeom>
-          <a:noFill/>
           <a:ln>
             <a:noFill/>
           </a:ln>
-          <a:effectLst/>
+          <a:effectLst>
+            <a:outerShdw blurRad="190500" algn="tl" rotWithShape="0">
+              <a:srgbClr xmlns:mc="http://schemas.openxmlformats.org/markup-compatibility/2006" xmlns:a14="http://schemas.microsoft.com/office/drawing/2010/main" val="000000" mc:Ignorable="">
+                <a:alpha val="70000"/>
+              </a:srgbClr>
+            </a:outerShdw>
+          </a:effectLst>
           <a:extLst>
             <a:ext uri="{909E8E84-426E-40DD-AFC4-6F175D3DCCD1}">
               <a14:hiddenFill xmlns:a14="http://schemas.microsoft.com/office/drawing/2010/main">
@@ -15319,22 +15715,13 @@
                 <a:tailEnd/>
               </a14:hiddenLine>
             </a:ext>
-            <a:ext uri="{AF507438-7753-43E0-B8FC-AC1667EBCBE1}">
-              <a14:hiddenEffects xmlns:a14="http://schemas.microsoft.com/office/drawing/2010/main">
-                <a:effectLst>
-                  <a:outerShdw dist="35921" dir="2700000" algn="ctr" rotWithShape="0">
-                    <a:schemeClr val="bg2"/>
-                  </a:outerShdw>
-                </a:effectLst>
-              </a14:hiddenEffects>
-            </a:ext>
           </a:extLst>
         </p:spPr>
       </p:pic>
     </p:spTree>
     <p:extLst>
       <p:ext uri="{BB962C8B-B14F-4D97-AF65-F5344CB8AC3E}">
-        <p14:creationId xmlns:p14="http://schemas.microsoft.com/office/powerpoint/2010/main" val="4092896797"/>
+        <p14:creationId xmlns:p14="http://schemas.microsoft.com/office/powerpoint/2010/main" val="58353943"/>
       </p:ext>
     </p:extLst>
   </p:cSld>
@@ -15388,7 +15775,15 @@
           <a:p>
             <a:r>
               <a:rPr lang="en-US" dirty="0"/>
-              <a:t>Base Reward and Reward Events</a:t>
+              <a:t>Reward Events “</a:t>
+            </a:r>
+            <a:r>
+              <a:rPr lang="en-US" dirty="0" err="1"/>
+              <a:t>eventXCS</a:t>
+            </a:r>
+            <a:r>
+              <a:rPr lang="en-US" dirty="0"/>
+              <a:t>”</a:t>
             </a:r>
           </a:p>
         </p:txBody>
@@ -15456,7 +15851,7 @@
       </p:sp>
       <p:pic>
         <p:nvPicPr>
-          <p:cNvPr id="3074" name="Picture 2"/>
+          <p:cNvPr id="6146" name="Picture 2"/>
           <p:cNvPicPr>
             <a:picLocks noChangeAspect="1" noChangeArrowheads="1"/>
           </p:cNvPicPr>
@@ -15477,17 +15872,22 @@
         </p:blipFill>
         <p:spPr bwMode="auto">
           <a:xfrm>
-            <a:off x="381000" y="1828800"/>
+            <a:off x="457200" y="2743200"/>
             <a:ext cx="8560106" cy="2516486"/>
           </a:xfrm>
           <a:prstGeom prst="rect">
             <a:avLst/>
           </a:prstGeom>
-          <a:noFill/>
           <a:ln>
             <a:noFill/>
           </a:ln>
-          <a:effectLst/>
+          <a:effectLst>
+            <a:outerShdw blurRad="190500" algn="tl" rotWithShape="0">
+              <a:srgbClr xmlns:mc="http://schemas.openxmlformats.org/markup-compatibility/2006" xmlns:a14="http://schemas.microsoft.com/office/drawing/2010/main" val="000000" mc:Ignorable="">
+                <a:alpha val="70000"/>
+              </a:srgbClr>
+            </a:outerShdw>
+          </a:effectLst>
           <a:extLst>
             <a:ext uri="{909E8E84-426E-40DD-AFC4-6F175D3DCCD1}">
               <a14:hiddenFill xmlns:a14="http://schemas.microsoft.com/office/drawing/2010/main">
@@ -15506,22 +15906,13 @@
                 <a:tailEnd/>
               </a14:hiddenLine>
             </a:ext>
-            <a:ext uri="{AF507438-7753-43E0-B8FC-AC1667EBCBE1}">
-              <a14:hiddenEffects xmlns:a14="http://schemas.microsoft.com/office/drawing/2010/main">
-                <a:effectLst>
-                  <a:outerShdw dist="35921" dir="2700000" algn="ctr" rotWithShape="0">
-                    <a:schemeClr val="bg2"/>
-                  </a:outerShdw>
-                </a:effectLst>
-              </a14:hiddenEffects>
-            </a:ext>
           </a:extLst>
         </p:spPr>
       </p:pic>
     </p:spTree>
     <p:extLst>
       <p:ext uri="{BB962C8B-B14F-4D97-AF65-F5344CB8AC3E}">
-        <p14:creationId xmlns:p14="http://schemas.microsoft.com/office/powerpoint/2010/main" val="1963203303"/>
+        <p14:creationId xmlns:p14="http://schemas.microsoft.com/office/powerpoint/2010/main" val="4174920667"/>
       </p:ext>
     </p:extLst>
   </p:cSld>
@@ -18523,7 +18914,15 @@
           <a:p>
             <a:r>
               <a:rPr lang="en-US" dirty="0"/>
-              <a:t>Base Reward and Reward Events</a:t>
+              <a:t>Reward Events “</a:t>
+            </a:r>
+            <a:r>
+              <a:rPr lang="en-US" dirty="0" err="1"/>
+              <a:t>eventXCS</a:t>
+            </a:r>
+            <a:r>
+              <a:rPr lang="en-US" dirty="0"/>
+              <a:t>”</a:t>
             </a:r>
           </a:p>
         </p:txBody>
@@ -18591,7 +18990,7 @@
       </p:sp>
       <p:pic>
         <p:nvPicPr>
-          <p:cNvPr id="4098" name="Picture 2"/>
+          <p:cNvPr id="7170" name="Picture 2"/>
           <p:cNvPicPr>
             <a:picLocks noChangeAspect="1" noChangeArrowheads="1"/>
           </p:cNvPicPr>
@@ -18612,17 +19011,22 @@
         </p:blipFill>
         <p:spPr bwMode="auto">
           <a:xfrm>
-            <a:off x="381000" y="1828800"/>
+            <a:off x="457200" y="2743200"/>
             <a:ext cx="8560106" cy="2516486"/>
           </a:xfrm>
           <a:prstGeom prst="rect">
             <a:avLst/>
           </a:prstGeom>
-          <a:noFill/>
           <a:ln>
             <a:noFill/>
           </a:ln>
-          <a:effectLst/>
+          <a:effectLst>
+            <a:outerShdw blurRad="190500" algn="tl" rotWithShape="0">
+              <a:srgbClr xmlns:mc="http://schemas.openxmlformats.org/markup-compatibility/2006" xmlns:a14="http://schemas.microsoft.com/office/drawing/2010/main" val="000000" mc:Ignorable="">
+                <a:alpha val="70000"/>
+              </a:srgbClr>
+            </a:outerShdw>
+          </a:effectLst>
           <a:extLst>
             <a:ext uri="{909E8E84-426E-40DD-AFC4-6F175D3DCCD1}">
               <a14:hiddenFill xmlns:a14="http://schemas.microsoft.com/office/drawing/2010/main">
@@ -18641,22 +19045,13 @@
                 <a:tailEnd/>
               </a14:hiddenLine>
             </a:ext>
-            <a:ext uri="{AF507438-7753-43E0-B8FC-AC1667EBCBE1}">
-              <a14:hiddenEffects xmlns:a14="http://schemas.microsoft.com/office/drawing/2010/main">
-                <a:effectLst>
-                  <a:outerShdw dist="35921" dir="2700000" algn="ctr" rotWithShape="0">
-                    <a:schemeClr val="bg2"/>
-                  </a:outerShdw>
-                </a:effectLst>
-              </a14:hiddenEffects>
-            </a:ext>
           </a:extLst>
         </p:spPr>
       </p:pic>
     </p:spTree>
     <p:extLst>
       <p:ext uri="{BB962C8B-B14F-4D97-AF65-F5344CB8AC3E}">
-        <p14:creationId xmlns:p14="http://schemas.microsoft.com/office/powerpoint/2010/main" val="58353943"/>
+        <p14:creationId xmlns:p14="http://schemas.microsoft.com/office/powerpoint/2010/main" val="458607935"/>
       </p:ext>
     </p:extLst>
   </p:cSld>
@@ -18710,7 +19105,15 @@
           <a:p>
             <a:r>
               <a:rPr lang="en-US" dirty="0"/>
-              <a:t>Base Reward and Reward Events</a:t>
+              <a:t>Reward Events “</a:t>
+            </a:r>
+            <a:r>
+              <a:rPr lang="en-US" dirty="0" err="1"/>
+              <a:t>eventXCS</a:t>
+            </a:r>
+            <a:r>
+              <a:rPr lang="en-US" dirty="0"/>
+              <a:t>”</a:t>
             </a:r>
           </a:p>
         </p:txBody>
@@ -18778,7 +19181,7 @@
       </p:sp>
       <p:pic>
         <p:nvPicPr>
-          <p:cNvPr id="5122" name="Picture 2"/>
+          <p:cNvPr id="8194" name="Picture 2"/>
           <p:cNvPicPr>
             <a:picLocks noChangeAspect="1" noChangeArrowheads="1"/>
           </p:cNvPicPr>
@@ -18799,17 +19202,22 @@
         </p:blipFill>
         <p:spPr bwMode="auto">
           <a:xfrm>
-            <a:off x="381000" y="1828800"/>
+            <a:off x="457200" y="2743200"/>
             <a:ext cx="8560106" cy="2516486"/>
           </a:xfrm>
           <a:prstGeom prst="rect">
             <a:avLst/>
           </a:prstGeom>
-          <a:noFill/>
           <a:ln>
             <a:noFill/>
           </a:ln>
-          <a:effectLst/>
+          <a:effectLst>
+            <a:outerShdw blurRad="190500" algn="tl" rotWithShape="0">
+              <a:srgbClr xmlns:mc="http://schemas.openxmlformats.org/markup-compatibility/2006" xmlns:a14="http://schemas.microsoft.com/office/drawing/2010/main" val="000000" mc:Ignorable="">
+                <a:alpha val="70000"/>
+              </a:srgbClr>
+            </a:outerShdw>
+          </a:effectLst>
           <a:extLst>
             <a:ext uri="{909E8E84-426E-40DD-AFC4-6F175D3DCCD1}">
               <a14:hiddenFill xmlns:a14="http://schemas.microsoft.com/office/drawing/2010/main">
@@ -18828,22 +19236,13 @@
                 <a:tailEnd/>
               </a14:hiddenLine>
             </a:ext>
-            <a:ext uri="{AF507438-7753-43E0-B8FC-AC1667EBCBE1}">
-              <a14:hiddenEffects xmlns:a14="http://schemas.microsoft.com/office/drawing/2010/main">
-                <a:effectLst>
-                  <a:outerShdw dist="35921" dir="2700000" algn="ctr" rotWithShape="0">
-                    <a:schemeClr val="bg2"/>
-                  </a:outerShdw>
-                </a:effectLst>
-              </a14:hiddenEffects>
-            </a:ext>
           </a:extLst>
         </p:spPr>
       </p:pic>
     </p:spTree>
     <p:extLst>
       <p:ext uri="{BB962C8B-B14F-4D97-AF65-F5344CB8AC3E}">
-        <p14:creationId xmlns:p14="http://schemas.microsoft.com/office/powerpoint/2010/main" val="4174920667"/>
+        <p14:creationId xmlns:p14="http://schemas.microsoft.com/office/powerpoint/2010/main" val="324448367"/>
       </p:ext>
     </p:extLst>
   </p:cSld>
@@ -18892,51 +19291,49 @@
         </p:nvSpPr>
         <p:spPr/>
         <p:txBody>
+          <a:bodyPr>
+            <a:normAutofit/>
+          </a:bodyPr>
+          <a:lstStyle/>
+          <a:p>
+            <a:r>
+              <a:rPr lang="en-US" dirty="0" smtClean="0"/>
+              <a:t>Reward Distribution “</a:t>
+            </a:r>
+            <a:r>
+              <a:rPr lang="en-US" dirty="0" err="1" smtClean="0"/>
+              <a:t>eventXCS</a:t>
+            </a:r>
+            <a:r>
+              <a:rPr lang="en-US" dirty="0" smtClean="0"/>
+              <a:t>”</a:t>
+            </a:r>
+            <a:endParaRPr lang="en-US" dirty="0"/>
+          </a:p>
+        </p:txBody>
+      </p:sp>
+      <p:sp>
+        <p:nvSpPr>
+          <p:cNvPr id="3" name="Content Placeholder 2"/>
+          <p:cNvSpPr>
+            <a:spLocks noGrp="1"/>
+          </p:cNvSpPr>
+          <p:nvPr>
+            <p:ph sz="half" idx="1"/>
+          </p:nvPr>
+        </p:nvSpPr>
+        <p:spPr/>
+        <p:txBody>
           <a:bodyPr/>
           <a:lstStyle/>
           <a:p>
             <a:r>
               <a:rPr lang="en-US" dirty="0"/>
-              <a:t>Base Reward and Reward Events</a:t>
-            </a:r>
-          </a:p>
-        </p:txBody>
-      </p:sp>
-      <p:sp>
-        <p:nvSpPr>
-          <p:cNvPr id="3" name="Content Placeholder 2"/>
-          <p:cNvSpPr>
-            <a:spLocks noGrp="1"/>
-          </p:cNvSpPr>
-          <p:nvPr>
-            <p:ph sz="half" idx="1"/>
-          </p:nvPr>
-        </p:nvSpPr>
-        <p:spPr/>
-        <p:txBody>
-          <a:bodyPr/>
-          <a:lstStyle/>
-          <a:p>
-            <a:endParaRPr lang="en-US"/>
-          </a:p>
-        </p:txBody>
-      </p:sp>
-      <p:sp>
-        <p:nvSpPr>
-          <p:cNvPr id="4" name="Content Placeholder 3"/>
-          <p:cNvSpPr>
-            <a:spLocks noGrp="1"/>
-          </p:cNvSpPr>
-          <p:nvPr>
-            <p:ph sz="half" idx="2"/>
-          </p:nvPr>
-        </p:nvSpPr>
-        <p:spPr/>
-        <p:txBody>
-          <a:bodyPr/>
-          <a:lstStyle/>
-          <a:p>
-            <a:endParaRPr lang="en-US"/>
+              <a:t>Analyze succession of positive and negative events</a:t>
+            </a:r>
+          </a:p>
+          <a:p>
+            <a:endParaRPr lang="en-US" dirty="0"/>
           </a:p>
         </p:txBody>
       </p:sp>
@@ -18958,761 +19355,6 @@
             <a:fld id="{910CD07C-8A7E-4C51-BD5E-C27BF0DA94AA}" type="slidenum">
               <a:rPr lang="en-US" smtClean="0"/>
               <a:t>32</a:t>
-            </a:fld>
-            <a:endParaRPr lang="en-US"/>
-          </a:p>
-        </p:txBody>
-      </p:sp>
-      <p:pic>
-        <p:nvPicPr>
-          <p:cNvPr id="6146" name="Picture 2"/>
-          <p:cNvPicPr>
-            <a:picLocks noChangeAspect="1" noChangeArrowheads="1"/>
-          </p:cNvPicPr>
-          <p:nvPr/>
-        </p:nvPicPr>
-        <p:blipFill>
-          <a:blip r:embed="rId2">
-            <a:extLst>
-              <a:ext uri="{28A0092B-C50C-407E-A947-70E740481C1C}">
-                <a14:useLocalDpi xmlns:a14="http://schemas.microsoft.com/office/drawing/2010/main" val="0"/>
-              </a:ext>
-            </a:extLst>
-          </a:blip>
-          <a:srcRect/>
-          <a:stretch>
-            <a:fillRect/>
-          </a:stretch>
-        </p:blipFill>
-        <p:spPr bwMode="auto">
-          <a:xfrm>
-            <a:off x="381000" y="1828800"/>
-            <a:ext cx="8560106" cy="2516486"/>
-          </a:xfrm>
-          <a:prstGeom prst="rect">
-            <a:avLst/>
-          </a:prstGeom>
-          <a:noFill/>
-          <a:ln>
-            <a:noFill/>
-          </a:ln>
-          <a:effectLst/>
-          <a:extLst>
-            <a:ext uri="{909E8E84-426E-40DD-AFC4-6F175D3DCCD1}">
-              <a14:hiddenFill xmlns:a14="http://schemas.microsoft.com/office/drawing/2010/main">
-                <a:solidFill>
-                  <a:schemeClr val="accent1"/>
-                </a:solidFill>
-              </a14:hiddenFill>
-            </a:ext>
-            <a:ext uri="{91240B29-F687-4F45-9708-019B960494DF}">
-              <a14:hiddenLine xmlns:a14="http://schemas.microsoft.com/office/drawing/2010/main" w="9525">
-                <a:solidFill>
-                  <a:schemeClr val="tx1"/>
-                </a:solidFill>
-                <a:miter lim="800000"/>
-                <a:headEnd/>
-                <a:tailEnd/>
-              </a14:hiddenLine>
-            </a:ext>
-            <a:ext uri="{AF507438-7753-43E0-B8FC-AC1667EBCBE1}">
-              <a14:hiddenEffects xmlns:a14="http://schemas.microsoft.com/office/drawing/2010/main">
-                <a:effectLst>
-                  <a:outerShdw dist="35921" dir="2700000" algn="ctr" rotWithShape="0">
-                    <a:schemeClr val="bg2"/>
-                  </a:outerShdw>
-                </a:effectLst>
-              </a14:hiddenEffects>
-            </a:ext>
-          </a:extLst>
-        </p:spPr>
-      </p:pic>
-    </p:spTree>
-    <p:extLst>
-      <p:ext uri="{BB962C8B-B14F-4D97-AF65-F5344CB8AC3E}">
-        <p14:creationId xmlns:p14="http://schemas.microsoft.com/office/powerpoint/2010/main" val="458607935"/>
-      </p:ext>
-    </p:extLst>
-  </p:cSld>
-  <p:clrMapOvr>
-    <a:masterClrMapping/>
-  </p:clrMapOvr>
-  <p:transition xmlns:p14="http://schemas.microsoft.com/office/powerpoint/2010/main" spd="slow">
-    <p:wipe/>
-  </p:transition>
-  <p:timing>
-    <p:tnLst>
-      <p:par>
-        <p:cTn xmlns:p14="http://schemas.microsoft.com/office/powerpoint/2010/main" id="1" dur="indefinite" restart="never" nodeType="tmRoot"/>
-      </p:par>
-    </p:tnLst>
-  </p:timing>
-</p:sld>
-</file>
-
-<file path=ppt/slides/slide33.xml><?xml version="1.0" encoding="utf-8"?>
-<p:sld xmlns:a="http://schemas.openxmlformats.org/drawingml/2006/main" xmlns:r="http://schemas.openxmlformats.org/officeDocument/2006/relationships" xmlns:p="http://schemas.openxmlformats.org/presentationml/2006/main">
-  <p:cSld>
-    <p:spTree>
-      <p:nvGrpSpPr>
-        <p:cNvPr id="1" name=""/>
-        <p:cNvGrpSpPr/>
-        <p:nvPr/>
-      </p:nvGrpSpPr>
-      <p:grpSpPr>
-        <a:xfrm>
-          <a:off x="0" y="0"/>
-          <a:ext cx="0" cy="0"/>
-          <a:chOff x="0" y="0"/>
-          <a:chExt cx="0" cy="0"/>
-        </a:xfrm>
-      </p:grpSpPr>
-      <p:sp>
-        <p:nvSpPr>
-          <p:cNvPr id="2" name="Title 1"/>
-          <p:cNvSpPr>
-            <a:spLocks noGrp="1"/>
-          </p:cNvSpPr>
-          <p:nvPr>
-            <p:ph type="title"/>
-          </p:nvPr>
-        </p:nvSpPr>
-        <p:spPr/>
-        <p:txBody>
-          <a:bodyPr/>
-          <a:lstStyle/>
-          <a:p>
-            <a:r>
-              <a:rPr lang="en-US" dirty="0"/>
-              <a:t>Base Reward and Reward Events</a:t>
-            </a:r>
-          </a:p>
-        </p:txBody>
-      </p:sp>
-      <p:sp>
-        <p:nvSpPr>
-          <p:cNvPr id="3" name="Content Placeholder 2"/>
-          <p:cNvSpPr>
-            <a:spLocks noGrp="1"/>
-          </p:cNvSpPr>
-          <p:nvPr>
-            <p:ph sz="half" idx="1"/>
-          </p:nvPr>
-        </p:nvSpPr>
-        <p:spPr/>
-        <p:txBody>
-          <a:bodyPr/>
-          <a:lstStyle/>
-          <a:p>
-            <a:endParaRPr lang="en-US"/>
-          </a:p>
-        </p:txBody>
-      </p:sp>
-      <p:sp>
-        <p:nvSpPr>
-          <p:cNvPr id="4" name="Content Placeholder 3"/>
-          <p:cNvSpPr>
-            <a:spLocks noGrp="1"/>
-          </p:cNvSpPr>
-          <p:nvPr>
-            <p:ph sz="half" idx="2"/>
-          </p:nvPr>
-        </p:nvSpPr>
-        <p:spPr/>
-        <p:txBody>
-          <a:bodyPr/>
-          <a:lstStyle/>
-          <a:p>
-            <a:endParaRPr lang="en-US"/>
-          </a:p>
-        </p:txBody>
-      </p:sp>
-      <p:sp>
-        <p:nvSpPr>
-          <p:cNvPr id="5" name="Slide Number Placeholder 4"/>
-          <p:cNvSpPr>
-            <a:spLocks noGrp="1"/>
-          </p:cNvSpPr>
-          <p:nvPr>
-            <p:ph type="sldNum" sz="quarter" idx="12"/>
-          </p:nvPr>
-        </p:nvSpPr>
-        <p:spPr/>
-        <p:txBody>
-          <a:bodyPr/>
-          <a:lstStyle/>
-          <a:p>
-            <a:fld id="{910CD07C-8A7E-4C51-BD5E-C27BF0DA94AA}" type="slidenum">
-              <a:rPr lang="en-US" smtClean="0"/>
-              <a:t>33</a:t>
-            </a:fld>
-            <a:endParaRPr lang="en-US"/>
-          </a:p>
-        </p:txBody>
-      </p:sp>
-      <p:pic>
-        <p:nvPicPr>
-          <p:cNvPr id="7170" name="Picture 2"/>
-          <p:cNvPicPr>
-            <a:picLocks noChangeAspect="1" noChangeArrowheads="1"/>
-          </p:cNvPicPr>
-          <p:nvPr/>
-        </p:nvPicPr>
-        <p:blipFill>
-          <a:blip r:embed="rId2">
-            <a:extLst>
-              <a:ext uri="{28A0092B-C50C-407E-A947-70E740481C1C}">
-                <a14:useLocalDpi xmlns:a14="http://schemas.microsoft.com/office/drawing/2010/main" val="0"/>
-              </a:ext>
-            </a:extLst>
-          </a:blip>
-          <a:srcRect/>
-          <a:stretch>
-            <a:fillRect/>
-          </a:stretch>
-        </p:blipFill>
-        <p:spPr bwMode="auto">
-          <a:xfrm>
-            <a:off x="381000" y="1828800"/>
-            <a:ext cx="8560106" cy="2516486"/>
-          </a:xfrm>
-          <a:prstGeom prst="rect">
-            <a:avLst/>
-          </a:prstGeom>
-          <a:noFill/>
-          <a:ln>
-            <a:noFill/>
-          </a:ln>
-          <a:effectLst/>
-          <a:extLst>
-            <a:ext uri="{909E8E84-426E-40DD-AFC4-6F175D3DCCD1}">
-              <a14:hiddenFill xmlns:a14="http://schemas.microsoft.com/office/drawing/2010/main">
-                <a:solidFill>
-                  <a:schemeClr val="accent1"/>
-                </a:solidFill>
-              </a14:hiddenFill>
-            </a:ext>
-            <a:ext uri="{91240B29-F687-4F45-9708-019B960494DF}">
-              <a14:hiddenLine xmlns:a14="http://schemas.microsoft.com/office/drawing/2010/main" w="9525">
-                <a:solidFill>
-                  <a:schemeClr val="tx1"/>
-                </a:solidFill>
-                <a:miter lim="800000"/>
-                <a:headEnd/>
-                <a:tailEnd/>
-              </a14:hiddenLine>
-            </a:ext>
-            <a:ext uri="{AF507438-7753-43E0-B8FC-AC1667EBCBE1}">
-              <a14:hiddenEffects xmlns:a14="http://schemas.microsoft.com/office/drawing/2010/main">
-                <a:effectLst>
-                  <a:outerShdw dist="35921" dir="2700000" algn="ctr" rotWithShape="0">
-                    <a:schemeClr val="bg2"/>
-                  </a:outerShdw>
-                </a:effectLst>
-              </a14:hiddenEffects>
-            </a:ext>
-          </a:extLst>
-        </p:spPr>
-      </p:pic>
-    </p:spTree>
-    <p:extLst>
-      <p:ext uri="{BB962C8B-B14F-4D97-AF65-F5344CB8AC3E}">
-        <p14:creationId xmlns:p14="http://schemas.microsoft.com/office/powerpoint/2010/main" val="324448367"/>
-      </p:ext>
-    </p:extLst>
-  </p:cSld>
-  <p:clrMapOvr>
-    <a:masterClrMapping/>
-  </p:clrMapOvr>
-  <p:transition xmlns:p14="http://schemas.microsoft.com/office/powerpoint/2010/main" spd="slow">
-    <p:wipe/>
-  </p:transition>
-  <p:timing>
-    <p:tnLst>
-      <p:par>
-        <p:cTn xmlns:p14="http://schemas.microsoft.com/office/powerpoint/2010/main" id="1" dur="indefinite" restart="never" nodeType="tmRoot"/>
-      </p:par>
-    </p:tnLst>
-  </p:timing>
-</p:sld>
-</file>
-
-<file path=ppt/slides/slide34.xml><?xml version="1.0" encoding="utf-8"?>
-<p:sld xmlns:a="http://schemas.openxmlformats.org/drawingml/2006/main" xmlns:r="http://schemas.openxmlformats.org/officeDocument/2006/relationships" xmlns:p="http://schemas.openxmlformats.org/presentationml/2006/main">
-  <p:cSld>
-    <p:spTree>
-      <p:nvGrpSpPr>
-        <p:cNvPr id="1" name=""/>
-        <p:cNvGrpSpPr/>
-        <p:nvPr/>
-      </p:nvGrpSpPr>
-      <p:grpSpPr>
-        <a:xfrm>
-          <a:off x="0" y="0"/>
-          <a:ext cx="0" cy="0"/>
-          <a:chOff x="0" y="0"/>
-          <a:chExt cx="0" cy="0"/>
-        </a:xfrm>
-      </p:grpSpPr>
-      <p:sp>
-        <p:nvSpPr>
-          <p:cNvPr id="2" name="Title 1"/>
-          <p:cNvSpPr>
-            <a:spLocks noGrp="1"/>
-          </p:cNvSpPr>
-          <p:nvPr>
-            <p:ph type="title"/>
-          </p:nvPr>
-        </p:nvSpPr>
-        <p:spPr/>
-        <p:txBody>
-          <a:bodyPr/>
-          <a:lstStyle/>
-          <a:p>
-            <a:r>
-              <a:rPr lang="en-US" dirty="0"/>
-              <a:t>Base Reward and Reward Events</a:t>
-            </a:r>
-          </a:p>
-        </p:txBody>
-      </p:sp>
-      <p:sp>
-        <p:nvSpPr>
-          <p:cNvPr id="3" name="Content Placeholder 2"/>
-          <p:cNvSpPr>
-            <a:spLocks noGrp="1"/>
-          </p:cNvSpPr>
-          <p:nvPr>
-            <p:ph sz="half" idx="1"/>
-          </p:nvPr>
-        </p:nvSpPr>
-        <p:spPr/>
-        <p:txBody>
-          <a:bodyPr/>
-          <a:lstStyle/>
-          <a:p>
-            <a:endParaRPr lang="en-US"/>
-          </a:p>
-        </p:txBody>
-      </p:sp>
-      <p:sp>
-        <p:nvSpPr>
-          <p:cNvPr id="4" name="Content Placeholder 3"/>
-          <p:cNvSpPr>
-            <a:spLocks noGrp="1"/>
-          </p:cNvSpPr>
-          <p:nvPr>
-            <p:ph sz="half" idx="2"/>
-          </p:nvPr>
-        </p:nvSpPr>
-        <p:spPr/>
-        <p:txBody>
-          <a:bodyPr/>
-          <a:lstStyle/>
-          <a:p>
-            <a:endParaRPr lang="en-US"/>
-          </a:p>
-        </p:txBody>
-      </p:sp>
-      <p:sp>
-        <p:nvSpPr>
-          <p:cNvPr id="5" name="Slide Number Placeholder 4"/>
-          <p:cNvSpPr>
-            <a:spLocks noGrp="1"/>
-          </p:cNvSpPr>
-          <p:nvPr>
-            <p:ph type="sldNum" sz="quarter" idx="12"/>
-          </p:nvPr>
-        </p:nvSpPr>
-        <p:spPr/>
-        <p:txBody>
-          <a:bodyPr/>
-          <a:lstStyle/>
-          <a:p>
-            <a:fld id="{910CD07C-8A7E-4C51-BD5E-C27BF0DA94AA}" type="slidenum">
-              <a:rPr lang="en-US" smtClean="0"/>
-              <a:t>34</a:t>
-            </a:fld>
-            <a:endParaRPr lang="en-US"/>
-          </a:p>
-        </p:txBody>
-      </p:sp>
-      <p:pic>
-        <p:nvPicPr>
-          <p:cNvPr id="8194" name="Picture 2"/>
-          <p:cNvPicPr>
-            <a:picLocks noChangeAspect="1" noChangeArrowheads="1"/>
-          </p:cNvPicPr>
-          <p:nvPr/>
-        </p:nvPicPr>
-        <p:blipFill>
-          <a:blip r:embed="rId2">
-            <a:extLst>
-              <a:ext uri="{28A0092B-C50C-407E-A947-70E740481C1C}">
-                <a14:useLocalDpi xmlns:a14="http://schemas.microsoft.com/office/drawing/2010/main" val="0"/>
-              </a:ext>
-            </a:extLst>
-          </a:blip>
-          <a:srcRect/>
-          <a:stretch>
-            <a:fillRect/>
-          </a:stretch>
-        </p:blipFill>
-        <p:spPr bwMode="auto">
-          <a:xfrm>
-            <a:off x="381000" y="1828800"/>
-            <a:ext cx="8560106" cy="2516486"/>
-          </a:xfrm>
-          <a:prstGeom prst="rect">
-            <a:avLst/>
-          </a:prstGeom>
-          <a:noFill/>
-          <a:ln>
-            <a:noFill/>
-          </a:ln>
-          <a:effectLst/>
-          <a:extLst>
-            <a:ext uri="{909E8E84-426E-40DD-AFC4-6F175D3DCCD1}">
-              <a14:hiddenFill xmlns:a14="http://schemas.microsoft.com/office/drawing/2010/main">
-                <a:solidFill>
-                  <a:schemeClr val="accent1"/>
-                </a:solidFill>
-              </a14:hiddenFill>
-            </a:ext>
-            <a:ext uri="{91240B29-F687-4F45-9708-019B960494DF}">
-              <a14:hiddenLine xmlns:a14="http://schemas.microsoft.com/office/drawing/2010/main" w="9525">
-                <a:solidFill>
-                  <a:schemeClr val="tx1"/>
-                </a:solidFill>
-                <a:miter lim="800000"/>
-                <a:headEnd/>
-                <a:tailEnd/>
-              </a14:hiddenLine>
-            </a:ext>
-            <a:ext uri="{AF507438-7753-43E0-B8FC-AC1667EBCBE1}">
-              <a14:hiddenEffects xmlns:a14="http://schemas.microsoft.com/office/drawing/2010/main">
-                <a:effectLst>
-                  <a:outerShdw dist="35921" dir="2700000" algn="ctr" rotWithShape="0">
-                    <a:schemeClr val="bg2"/>
-                  </a:outerShdw>
-                </a:effectLst>
-              </a14:hiddenEffects>
-            </a:ext>
-          </a:extLst>
-        </p:spPr>
-      </p:pic>
-    </p:spTree>
-    <p:extLst>
-      <p:ext uri="{BB962C8B-B14F-4D97-AF65-F5344CB8AC3E}">
-        <p14:creationId xmlns:p14="http://schemas.microsoft.com/office/powerpoint/2010/main" val="3285284082"/>
-      </p:ext>
-    </p:extLst>
-  </p:cSld>
-  <p:clrMapOvr>
-    <a:masterClrMapping/>
-  </p:clrMapOvr>
-  <p:transition xmlns:p14="http://schemas.microsoft.com/office/powerpoint/2010/main" spd="slow">
-    <p:wipe/>
-  </p:transition>
-  <p:timing>
-    <p:tnLst>
-      <p:par>
-        <p:cTn xmlns:p14="http://schemas.microsoft.com/office/powerpoint/2010/main" id="1" dur="indefinite" restart="never" nodeType="tmRoot"/>
-      </p:par>
-    </p:tnLst>
-  </p:timing>
-</p:sld>
-</file>
-
-<file path=ppt/slides/slide35.xml><?xml version="1.0" encoding="utf-8"?>
-<p:sld xmlns:a="http://schemas.openxmlformats.org/drawingml/2006/main" xmlns:r="http://schemas.openxmlformats.org/officeDocument/2006/relationships" xmlns:p="http://schemas.openxmlformats.org/presentationml/2006/main">
-  <p:cSld>
-    <p:spTree>
-      <p:nvGrpSpPr>
-        <p:cNvPr id="1" name=""/>
-        <p:cNvGrpSpPr/>
-        <p:nvPr/>
-      </p:nvGrpSpPr>
-      <p:grpSpPr>
-        <a:xfrm>
-          <a:off x="0" y="0"/>
-          <a:ext cx="0" cy="0"/>
-          <a:chOff x="0" y="0"/>
-          <a:chExt cx="0" cy="0"/>
-        </a:xfrm>
-      </p:grpSpPr>
-      <p:sp>
-        <p:nvSpPr>
-          <p:cNvPr id="2" name="Title 1"/>
-          <p:cNvSpPr>
-            <a:spLocks noGrp="1"/>
-          </p:cNvSpPr>
-          <p:nvPr>
-            <p:ph type="title"/>
-          </p:nvPr>
-        </p:nvSpPr>
-        <p:spPr/>
-        <p:txBody>
-          <a:bodyPr/>
-          <a:lstStyle/>
-          <a:p>
-            <a:r>
-              <a:rPr lang="en-US" dirty="0"/>
-              <a:t>Base Reward and Reward Events</a:t>
-            </a:r>
-          </a:p>
-        </p:txBody>
-      </p:sp>
-      <p:sp>
-        <p:nvSpPr>
-          <p:cNvPr id="3" name="Content Placeholder 2"/>
-          <p:cNvSpPr>
-            <a:spLocks noGrp="1"/>
-          </p:cNvSpPr>
-          <p:nvPr>
-            <p:ph sz="half" idx="1"/>
-          </p:nvPr>
-        </p:nvSpPr>
-        <p:spPr/>
-        <p:txBody>
-          <a:bodyPr/>
-          <a:lstStyle/>
-          <a:p>
-            <a:endParaRPr lang="en-US" dirty="0"/>
-          </a:p>
-        </p:txBody>
-      </p:sp>
-      <p:sp>
-        <p:nvSpPr>
-          <p:cNvPr id="4" name="Content Placeholder 3"/>
-          <p:cNvSpPr>
-            <a:spLocks noGrp="1"/>
-          </p:cNvSpPr>
-          <p:nvPr>
-            <p:ph sz="half" idx="2"/>
-          </p:nvPr>
-        </p:nvSpPr>
-        <p:spPr/>
-        <p:txBody>
-          <a:bodyPr/>
-          <a:lstStyle/>
-          <a:p>
-            <a:endParaRPr lang="en-US"/>
-          </a:p>
-        </p:txBody>
-      </p:sp>
-      <p:sp>
-        <p:nvSpPr>
-          <p:cNvPr id="5" name="Slide Number Placeholder 4"/>
-          <p:cNvSpPr>
-            <a:spLocks noGrp="1"/>
-          </p:cNvSpPr>
-          <p:nvPr>
-            <p:ph type="sldNum" sz="quarter" idx="12"/>
-          </p:nvPr>
-        </p:nvSpPr>
-        <p:spPr/>
-        <p:txBody>
-          <a:bodyPr/>
-          <a:lstStyle/>
-          <a:p>
-            <a:fld id="{910CD07C-8A7E-4C51-BD5E-C27BF0DA94AA}" type="slidenum">
-              <a:rPr lang="en-US" smtClean="0"/>
-              <a:t>35</a:t>
-            </a:fld>
-            <a:endParaRPr lang="en-US"/>
-          </a:p>
-        </p:txBody>
-      </p:sp>
-      <p:pic>
-        <p:nvPicPr>
-          <p:cNvPr id="9218" name="Picture 2"/>
-          <p:cNvPicPr>
-            <a:picLocks noChangeAspect="1" noChangeArrowheads="1"/>
-          </p:cNvPicPr>
-          <p:nvPr/>
-        </p:nvPicPr>
-        <p:blipFill>
-          <a:blip r:embed="rId2">
-            <a:extLst>
-              <a:ext uri="{28A0092B-C50C-407E-A947-70E740481C1C}">
-                <a14:useLocalDpi xmlns:a14="http://schemas.microsoft.com/office/drawing/2010/main" val="0"/>
-              </a:ext>
-            </a:extLst>
-          </a:blip>
-          <a:srcRect/>
-          <a:stretch>
-            <a:fillRect/>
-          </a:stretch>
-        </p:blipFill>
-        <p:spPr bwMode="auto">
-          <a:xfrm>
-            <a:off x="381000" y="1828800"/>
-            <a:ext cx="8560106" cy="2516486"/>
-          </a:xfrm>
-          <a:prstGeom prst="rect">
-            <a:avLst/>
-          </a:prstGeom>
-          <a:noFill/>
-          <a:ln>
-            <a:noFill/>
-          </a:ln>
-          <a:effectLst/>
-          <a:extLst>
-            <a:ext uri="{909E8E84-426E-40DD-AFC4-6F175D3DCCD1}">
-              <a14:hiddenFill xmlns:a14="http://schemas.microsoft.com/office/drawing/2010/main">
-                <a:solidFill>
-                  <a:schemeClr val="accent1"/>
-                </a:solidFill>
-              </a14:hiddenFill>
-            </a:ext>
-            <a:ext uri="{91240B29-F687-4F45-9708-019B960494DF}">
-              <a14:hiddenLine xmlns:a14="http://schemas.microsoft.com/office/drawing/2010/main" w="9525">
-                <a:solidFill>
-                  <a:schemeClr val="tx1"/>
-                </a:solidFill>
-                <a:miter lim="800000"/>
-                <a:headEnd/>
-                <a:tailEnd/>
-              </a14:hiddenLine>
-            </a:ext>
-            <a:ext uri="{AF507438-7753-43E0-B8FC-AC1667EBCBE1}">
-              <a14:hiddenEffects xmlns:a14="http://schemas.microsoft.com/office/drawing/2010/main">
-                <a:effectLst>
-                  <a:outerShdw dist="35921" dir="2700000" algn="ctr" rotWithShape="0">
-                    <a:schemeClr val="bg2"/>
-                  </a:outerShdw>
-                </a:effectLst>
-              </a14:hiddenEffects>
-            </a:ext>
-          </a:extLst>
-        </p:spPr>
-      </p:pic>
-    </p:spTree>
-    <p:extLst>
-      <p:ext uri="{BB962C8B-B14F-4D97-AF65-F5344CB8AC3E}">
-        <p14:creationId xmlns:p14="http://schemas.microsoft.com/office/powerpoint/2010/main" val="3432857211"/>
-      </p:ext>
-    </p:extLst>
-  </p:cSld>
-  <p:clrMapOvr>
-    <a:masterClrMapping/>
-  </p:clrMapOvr>
-  <p:transition xmlns:p14="http://schemas.microsoft.com/office/powerpoint/2010/main" spd="slow">
-    <p:wipe/>
-  </p:transition>
-  <p:timing>
-    <p:tnLst>
-      <p:par>
-        <p:cTn xmlns:p14="http://schemas.microsoft.com/office/powerpoint/2010/main" id="1" dur="indefinite" restart="never" nodeType="tmRoot"/>
-      </p:par>
-    </p:tnLst>
-  </p:timing>
-</p:sld>
-</file>
-
-<file path=ppt/slides/slide36.xml><?xml version="1.0" encoding="utf-8"?>
-<p:sld xmlns:a="http://schemas.openxmlformats.org/drawingml/2006/main" xmlns:r="http://schemas.openxmlformats.org/officeDocument/2006/relationships" xmlns:p="http://schemas.openxmlformats.org/presentationml/2006/main">
-  <p:cSld>
-    <p:spTree>
-      <p:nvGrpSpPr>
-        <p:cNvPr id="1" name=""/>
-        <p:cNvGrpSpPr/>
-        <p:nvPr/>
-      </p:nvGrpSpPr>
-      <p:grpSpPr>
-        <a:xfrm>
-          <a:off x="0" y="0"/>
-          <a:ext cx="0" cy="0"/>
-          <a:chOff x="0" y="0"/>
-          <a:chExt cx="0" cy="0"/>
-        </a:xfrm>
-      </p:grpSpPr>
-      <p:sp>
-        <p:nvSpPr>
-          <p:cNvPr id="2" name="Title 1"/>
-          <p:cNvSpPr>
-            <a:spLocks noGrp="1"/>
-          </p:cNvSpPr>
-          <p:nvPr>
-            <p:ph type="title"/>
-          </p:nvPr>
-        </p:nvSpPr>
-        <p:spPr/>
-        <p:txBody>
-          <a:bodyPr/>
-          <a:lstStyle/>
-          <a:p>
-            <a:r>
-              <a:rPr lang="en-US" dirty="0" smtClean="0"/>
-              <a:t>Reward Distribution</a:t>
-            </a:r>
-            <a:endParaRPr lang="en-US" dirty="0"/>
-          </a:p>
-        </p:txBody>
-      </p:sp>
-      <p:sp>
-        <p:nvSpPr>
-          <p:cNvPr id="3" name="Content Placeholder 2"/>
-          <p:cNvSpPr>
-            <a:spLocks noGrp="1"/>
-          </p:cNvSpPr>
-          <p:nvPr>
-            <p:ph sz="half" idx="1"/>
-          </p:nvPr>
-        </p:nvSpPr>
-        <p:spPr/>
-        <p:txBody>
-          <a:bodyPr/>
-          <a:lstStyle/>
-          <a:p>
-            <a:r>
-              <a:rPr lang="en-US" dirty="0"/>
-              <a:t>Analyze succession of positive and negative events</a:t>
-            </a:r>
-          </a:p>
-          <a:p>
-            <a:endParaRPr lang="en-US" dirty="0"/>
-          </a:p>
-        </p:txBody>
-      </p:sp>
-      <p:sp>
-        <p:nvSpPr>
-          <p:cNvPr id="4" name="Content Placeholder 3"/>
-          <p:cNvSpPr>
-            <a:spLocks noGrp="1"/>
-          </p:cNvSpPr>
-          <p:nvPr>
-            <p:ph sz="half" idx="2"/>
-          </p:nvPr>
-        </p:nvSpPr>
-        <p:spPr/>
-        <p:txBody>
-          <a:bodyPr/>
-          <a:lstStyle/>
-          <a:p>
-            <a:endParaRPr lang="en-US"/>
-          </a:p>
-        </p:txBody>
-      </p:sp>
-      <p:sp>
-        <p:nvSpPr>
-          <p:cNvPr id="5" name="Slide Number Placeholder 4"/>
-          <p:cNvSpPr>
-            <a:spLocks noGrp="1"/>
-          </p:cNvSpPr>
-          <p:nvPr>
-            <p:ph type="sldNum" sz="quarter" idx="12"/>
-          </p:nvPr>
-        </p:nvSpPr>
-        <p:spPr/>
-        <p:txBody>
-          <a:bodyPr/>
-          <a:lstStyle/>
-          <a:p>
-            <a:fld id="{910CD07C-8A7E-4C51-BD5E-C27BF0DA94AA}" type="slidenum">
-              <a:rPr lang="en-US" smtClean="0"/>
-              <a:t>36</a:t>
             </a:fld>
             <a:endParaRPr lang="en-US"/>
           </a:p>
@@ -19787,7 +19429,7 @@
 </p:sld>
 </file>
 
-<file path=ppt/slides/slide37.xml><?xml version="1.0" encoding="utf-8"?>
+<file path=ppt/slides/slide33.xml><?xml version="1.0" encoding="utf-8"?>
 <p:sld xmlns:a="http://schemas.openxmlformats.org/drawingml/2006/main" xmlns:r="http://schemas.openxmlformats.org/officeDocument/2006/relationships" xmlns:p="http://schemas.openxmlformats.org/presentationml/2006/main">
   <p:cSld>
     <p:spTree>
@@ -19821,7 +19463,15 @@
           <a:p>
             <a:r>
               <a:rPr lang="en-US" dirty="0" smtClean="0"/>
-              <a:t>Reward Distribution</a:t>
+              <a:t>Reward Distribution “</a:t>
+            </a:r>
+            <a:r>
+              <a:rPr lang="en-US" dirty="0" err="1" smtClean="0"/>
+              <a:t>eventXCS</a:t>
+            </a:r>
+            <a:r>
+              <a:rPr lang="en-US" dirty="0" smtClean="0"/>
+              <a:t>”</a:t>
             </a:r>
             <a:endParaRPr lang="en-US" dirty="0"/>
           </a:p>
@@ -19865,29 +19515,8 @@
             <a:pPr lvl="1"/>
             <a:r>
               <a:rPr lang="en-US" dirty="0" smtClean="0"/>
-              <a:t>Action sets closer to an event probably contributed more</a:t>
-            </a:r>
-          </a:p>
-        </p:txBody>
-      </p:sp>
-      <p:sp>
-        <p:nvSpPr>
-          <p:cNvPr id="4" name="Content Placeholder 3"/>
-          <p:cNvSpPr>
-            <a:spLocks noGrp="1"/>
-          </p:cNvSpPr>
-          <p:nvPr>
-            <p:ph sz="half" idx="2"/>
-          </p:nvPr>
-        </p:nvSpPr>
-        <p:spPr/>
-        <p:txBody>
-          <a:bodyPr>
-            <a:normAutofit/>
-          </a:bodyPr>
-          <a:lstStyle/>
-          <a:p>
-            <a:endParaRPr lang="en-US"/>
+              <a:t>Action sets close to an event probably contributed TODO</a:t>
+            </a:r>
           </a:p>
         </p:txBody>
       </p:sp>
@@ -19908,7 +19537,7 @@
           <a:p>
             <a:fld id="{910CD07C-8A7E-4C51-BD5E-C27BF0DA94AA}" type="slidenum">
               <a:rPr lang="en-US" smtClean="0"/>
-              <a:t>37</a:t>
+              <a:t>33</a:t>
             </a:fld>
             <a:endParaRPr lang="en-US"/>
           </a:p>
@@ -20172,6 +19801,1176 @@
 </p:sld>
 </file>
 
+<file path=ppt/slides/slide34.xml><?xml version="1.0" encoding="utf-8"?>
+<p:sld xmlns:a="http://schemas.openxmlformats.org/drawingml/2006/main" xmlns:r="http://schemas.openxmlformats.org/officeDocument/2006/relationships" xmlns:p="http://schemas.openxmlformats.org/presentationml/2006/main">
+  <p:cSld>
+    <p:spTree>
+      <p:nvGrpSpPr>
+        <p:cNvPr id="1" name=""/>
+        <p:cNvGrpSpPr/>
+        <p:nvPr/>
+      </p:nvGrpSpPr>
+      <p:grpSpPr>
+        <a:xfrm>
+          <a:off x="0" y="0"/>
+          <a:ext cx="0" cy="0"/>
+          <a:chOff x="0" y="0"/>
+          <a:chExt cx="0" cy="0"/>
+        </a:xfrm>
+      </p:grpSpPr>
+      <p:sp>
+        <p:nvSpPr>
+          <p:cNvPr id="2" name="Title 1"/>
+          <p:cNvSpPr>
+            <a:spLocks noGrp="1"/>
+          </p:cNvSpPr>
+          <p:nvPr>
+            <p:ph type="title"/>
+          </p:nvPr>
+        </p:nvSpPr>
+        <p:spPr/>
+        <p:txBody>
+          <a:bodyPr>
+            <a:normAutofit fontScale="90000"/>
+          </a:bodyPr>
+          <a:lstStyle/>
+          <a:p>
+            <a:r>
+              <a:rPr lang="en-US" dirty="0" smtClean="0"/>
+              <a:t>Experimental </a:t>
+            </a:r>
+            <a:r>
+              <a:rPr lang="en-US" dirty="0" smtClean="0"/>
+              <a:t>Results</a:t>
+            </a:r>
+            <a:br>
+              <a:rPr lang="en-US" dirty="0" smtClean="0"/>
+            </a:br>
+            <a:r>
+              <a:rPr lang="en-US" dirty="0" smtClean="0"/>
+              <a:t>“Pillar Scenario”</a:t>
+            </a:r>
+            <a:endParaRPr lang="en-US" dirty="0"/>
+          </a:p>
+        </p:txBody>
+      </p:sp>
+      <p:sp>
+        <p:nvSpPr>
+          <p:cNvPr id="3" name="Content Placeholder 2"/>
+          <p:cNvSpPr>
+            <a:spLocks noGrp="1"/>
+          </p:cNvSpPr>
+          <p:nvPr>
+            <p:ph sz="half" idx="1"/>
+          </p:nvPr>
+        </p:nvSpPr>
+        <p:spPr>
+          <a:xfrm>
+            <a:off x="457200" y="1773936"/>
+            <a:ext cx="8153400" cy="4623816"/>
+          </a:xfrm>
+        </p:spPr>
+        <p:txBody>
+          <a:bodyPr/>
+          <a:lstStyle/>
+          <a:p>
+            <a:r>
+              <a:rPr lang="en-US" dirty="0" err="1" smtClean="0"/>
+              <a:t>eventXCS</a:t>
+            </a:r>
+            <a:r>
+              <a:rPr lang="en-US" dirty="0" smtClean="0"/>
+              <a:t> clearly outperforms XCS</a:t>
+            </a:r>
+            <a:endParaRPr lang="en-US" dirty="0"/>
+          </a:p>
+        </p:txBody>
+      </p:sp>
+      <p:sp>
+        <p:nvSpPr>
+          <p:cNvPr id="5" name="Slide Number Placeholder 4"/>
+          <p:cNvSpPr>
+            <a:spLocks noGrp="1"/>
+          </p:cNvSpPr>
+          <p:nvPr>
+            <p:ph type="sldNum" sz="quarter" idx="12"/>
+          </p:nvPr>
+        </p:nvSpPr>
+        <p:spPr/>
+        <p:txBody>
+          <a:bodyPr/>
+          <a:lstStyle/>
+          <a:p>
+            <a:fld id="{910CD07C-8A7E-4C51-BD5E-C27BF0DA94AA}" type="slidenum">
+              <a:rPr lang="en-US" smtClean="0"/>
+              <a:t>34</a:t>
+            </a:fld>
+            <a:endParaRPr lang="en-US"/>
+          </a:p>
+        </p:txBody>
+      </p:sp>
+      <p:sp>
+        <p:nvSpPr>
+          <p:cNvPr id="4" name="TextBox 3"/>
+          <p:cNvSpPr txBox="1"/>
+          <p:nvPr/>
+        </p:nvSpPr>
+        <p:spPr>
+          <a:xfrm>
+            <a:off x="5342238" y="2845488"/>
+            <a:ext cx="2895600" cy="369332"/>
+          </a:xfrm>
+          <a:prstGeom prst="rect">
+            <a:avLst/>
+          </a:prstGeom>
+          <a:noFill/>
+        </p:spPr>
+        <p:txBody>
+          <a:bodyPr wrap="square" rtlCol="0">
+            <a:spAutoFit/>
+          </a:bodyPr>
+          <a:lstStyle/>
+          <a:p>
+            <a:r>
+              <a:rPr lang="en-US" dirty="0" smtClean="0"/>
+              <a:t>Predator-evading prey</a:t>
+            </a:r>
+            <a:endParaRPr lang="en-US" dirty="0"/>
+          </a:p>
+        </p:txBody>
+      </p:sp>
+      <p:sp>
+        <p:nvSpPr>
+          <p:cNvPr id="8" name="TextBox 7"/>
+          <p:cNvSpPr txBox="1"/>
+          <p:nvPr/>
+        </p:nvSpPr>
+        <p:spPr>
+          <a:xfrm>
+            <a:off x="1140941" y="2795376"/>
+            <a:ext cx="2895600" cy="369332"/>
+          </a:xfrm>
+          <a:prstGeom prst="rect">
+            <a:avLst/>
+          </a:prstGeom>
+          <a:noFill/>
+        </p:spPr>
+        <p:txBody>
+          <a:bodyPr wrap="square" rtlCol="0">
+            <a:spAutoFit/>
+          </a:bodyPr>
+          <a:lstStyle/>
+          <a:p>
+            <a:r>
+              <a:rPr lang="en-US" dirty="0" smtClean="0"/>
+              <a:t>Obstacle-evading prey</a:t>
+            </a:r>
+            <a:endParaRPr lang="en-US" dirty="0"/>
+          </a:p>
+        </p:txBody>
+      </p:sp>
+      <p:pic>
+        <p:nvPicPr>
+          <p:cNvPr id="9" name="Picture 8"/>
+          <p:cNvPicPr>
+            <a:picLocks noChangeAspect="1"/>
+          </p:cNvPicPr>
+          <p:nvPr/>
+        </p:nvPicPr>
+        <p:blipFill>
+          <a:blip r:embed="rId2">
+            <a:extLst>
+              <a:ext uri="{28A0092B-C50C-407E-A947-70E740481C1C}">
+                <a14:useLocalDpi xmlns:a14="http://schemas.microsoft.com/office/drawing/2010/main" val="0"/>
+              </a:ext>
+            </a:extLst>
+          </a:blip>
+          <a:stretch>
+            <a:fillRect/>
+          </a:stretch>
+        </p:blipFill>
+        <p:spPr>
+          <a:xfrm>
+            <a:off x="381000" y="3239534"/>
+            <a:ext cx="4023360" cy="3017520"/>
+          </a:xfrm>
+          <a:prstGeom prst="rect">
+            <a:avLst/>
+          </a:prstGeom>
+          <a:ln>
+            <a:noFill/>
+          </a:ln>
+          <a:effectLst>
+            <a:outerShdw blurRad="190500" algn="tl" rotWithShape="0">
+              <a:srgbClr xmlns:mc="http://schemas.openxmlformats.org/markup-compatibility/2006" xmlns:a14="http://schemas.microsoft.com/office/drawing/2010/main" val="000000" mc:Ignorable="">
+                <a:alpha val="70000"/>
+              </a:srgbClr>
+            </a:outerShdw>
+          </a:effectLst>
+        </p:spPr>
+      </p:pic>
+      <p:pic>
+        <p:nvPicPr>
+          <p:cNvPr id="11" name="Picture 10"/>
+          <p:cNvPicPr>
+            <a:picLocks noChangeAspect="1"/>
+          </p:cNvPicPr>
+          <p:nvPr/>
+        </p:nvPicPr>
+        <p:blipFill>
+          <a:blip r:embed="rId3">
+            <a:extLst>
+              <a:ext uri="{28A0092B-C50C-407E-A947-70E740481C1C}">
+                <a14:useLocalDpi xmlns:a14="http://schemas.microsoft.com/office/drawing/2010/main" val="0"/>
+              </a:ext>
+            </a:extLst>
+          </a:blip>
+          <a:stretch>
+            <a:fillRect/>
+          </a:stretch>
+        </p:blipFill>
+        <p:spPr>
+          <a:xfrm>
+            <a:off x="4778358" y="3262192"/>
+            <a:ext cx="4023360" cy="3017520"/>
+          </a:xfrm>
+          <a:prstGeom prst="rect">
+            <a:avLst/>
+          </a:prstGeom>
+          <a:ln>
+            <a:noFill/>
+          </a:ln>
+          <a:effectLst>
+            <a:outerShdw blurRad="190500" algn="tl" rotWithShape="0">
+              <a:srgbClr xmlns:mc="http://schemas.openxmlformats.org/markup-compatibility/2006" xmlns:a14="http://schemas.microsoft.com/office/drawing/2010/main" val="000000" mc:Ignorable="">
+                <a:alpha val="70000"/>
+              </a:srgbClr>
+            </a:outerShdw>
+          </a:effectLst>
+        </p:spPr>
+      </p:pic>
+      <p:pic>
+        <p:nvPicPr>
+          <p:cNvPr id="10" name="Content Placeholder 6"/>
+          <p:cNvPicPr>
+            <a:picLocks noGrp="1" noChangeAspect="1"/>
+          </p:cNvPicPr>
+          <p:nvPr>
+            <p:ph sz="half" idx="2"/>
+          </p:nvPr>
+        </p:nvPicPr>
+        <p:blipFill>
+          <a:blip r:embed="rId4" cstate="print">
+            <a:extLst>
+              <a:ext uri="{28A0092B-C50C-407E-A947-70E740481C1C}">
+                <a14:useLocalDpi xmlns:a14="http://schemas.microsoft.com/office/drawing/2010/main"/>
+              </a:ext>
+            </a:extLst>
+          </a:blip>
+          <a:stretch>
+            <a:fillRect/>
+          </a:stretch>
+        </p:blipFill>
+        <p:spPr>
+          <a:xfrm>
+            <a:off x="6488084" y="0"/>
+            <a:ext cx="2655916" cy="2655916"/>
+          </a:xfrm>
+          <a:prstGeom prst="rect">
+            <a:avLst/>
+          </a:prstGeom>
+          <a:ln>
+            <a:noFill/>
+          </a:ln>
+          <a:effectLst>
+            <a:outerShdw blurRad="190500" algn="tl" rotWithShape="0">
+              <a:srgbClr xmlns:mc="http://schemas.openxmlformats.org/markup-compatibility/2006" xmlns:a14="http://schemas.microsoft.com/office/drawing/2010/main" val="000000" mc:Ignorable="">
+                <a:alpha val="70000"/>
+              </a:srgbClr>
+            </a:outerShdw>
+          </a:effectLst>
+        </p:spPr>
+      </p:pic>
+    </p:spTree>
+    <p:extLst>
+      <p:ext uri="{BB962C8B-B14F-4D97-AF65-F5344CB8AC3E}">
+        <p14:creationId xmlns:p14="http://schemas.microsoft.com/office/powerpoint/2010/main" val="3340674733"/>
+      </p:ext>
+    </p:extLst>
+  </p:cSld>
+  <p:clrMapOvr>
+    <a:masterClrMapping/>
+  </p:clrMapOvr>
+  <mc:AlternateContent xmlns:mc="http://schemas.openxmlformats.org/markup-compatibility/2006" xmlns:p14="http://schemas.microsoft.com/office/powerpoint/2010/main">
+    <mc:Choice Requires="p14">
+      <p:transition spd="slow" p14:dur="1600">
+        <p14:conveyor dir="l"/>
+      </p:transition>
+    </mc:Choice>
+    <mc:Fallback xmlns="">
+      <p:transition xmlns:p14="http://schemas.microsoft.com/office/powerpoint/2010/main" spd="slow">
+        <p:fade/>
+      </p:transition>
+    </mc:Fallback>
+  </mc:AlternateContent>
+  <p:timing>
+    <p:tnLst>
+      <p:par>
+        <p:cTn xmlns:p14="http://schemas.microsoft.com/office/powerpoint/2010/main" id="1" dur="indefinite" restart="never" nodeType="tmRoot"/>
+      </p:par>
+    </p:tnLst>
+  </p:timing>
+</p:sld>
+</file>
+
+<file path=ppt/slides/slide35.xml><?xml version="1.0" encoding="utf-8"?>
+<p:sld xmlns:a="http://schemas.openxmlformats.org/drawingml/2006/main" xmlns:r="http://schemas.openxmlformats.org/officeDocument/2006/relationships" xmlns:p="http://schemas.openxmlformats.org/presentationml/2006/main">
+  <p:cSld>
+    <p:spTree>
+      <p:nvGrpSpPr>
+        <p:cNvPr id="1" name=""/>
+        <p:cNvGrpSpPr/>
+        <p:nvPr/>
+      </p:nvGrpSpPr>
+      <p:grpSpPr>
+        <a:xfrm>
+          <a:off x="0" y="0"/>
+          <a:ext cx="0" cy="0"/>
+          <a:chOff x="0" y="0"/>
+          <a:chExt cx="0" cy="0"/>
+        </a:xfrm>
+      </p:grpSpPr>
+      <p:sp>
+        <p:nvSpPr>
+          <p:cNvPr id="2" name="Title 1"/>
+          <p:cNvSpPr>
+            <a:spLocks noGrp="1"/>
+          </p:cNvSpPr>
+          <p:nvPr>
+            <p:ph type="title"/>
+          </p:nvPr>
+        </p:nvSpPr>
+        <p:spPr/>
+        <p:txBody>
+          <a:bodyPr>
+            <a:normAutofit fontScale="90000"/>
+          </a:bodyPr>
+          <a:lstStyle/>
+          <a:p>
+            <a:r>
+              <a:rPr lang="en-US" dirty="0" smtClean="0"/>
+              <a:t>Experimental </a:t>
+            </a:r>
+            <a:r>
+              <a:rPr lang="en-US" dirty="0" smtClean="0"/>
+              <a:t>Results</a:t>
+            </a:r>
+            <a:br>
+              <a:rPr lang="en-US" dirty="0" smtClean="0"/>
+            </a:br>
+            <a:r>
+              <a:rPr lang="en-US" dirty="0" smtClean="0"/>
+              <a:t>“Random Scenario”</a:t>
+            </a:r>
+            <a:endParaRPr lang="en-US" dirty="0"/>
+          </a:p>
+        </p:txBody>
+      </p:sp>
+      <p:sp>
+        <p:nvSpPr>
+          <p:cNvPr id="3" name="Content Placeholder 2"/>
+          <p:cNvSpPr>
+            <a:spLocks noGrp="1"/>
+          </p:cNvSpPr>
+          <p:nvPr>
+            <p:ph sz="half" idx="1"/>
+          </p:nvPr>
+        </p:nvSpPr>
+        <p:spPr>
+          <a:xfrm>
+            <a:off x="457200" y="1773936"/>
+            <a:ext cx="8229600" cy="4623816"/>
+          </a:xfrm>
+        </p:spPr>
+        <p:txBody>
+          <a:bodyPr/>
+          <a:lstStyle/>
+          <a:p>
+            <a:r>
+              <a:rPr lang="en-US" dirty="0" err="1" smtClean="0"/>
+              <a:t>eventXCS</a:t>
+            </a:r>
+            <a:r>
+              <a:rPr lang="en-US" dirty="0" smtClean="0"/>
+              <a:t> shows slow but steady learning with an obstacle-evading prey</a:t>
+            </a:r>
+            <a:endParaRPr lang="en-US" dirty="0"/>
+          </a:p>
+        </p:txBody>
+      </p:sp>
+      <p:sp>
+        <p:nvSpPr>
+          <p:cNvPr id="5" name="Slide Number Placeholder 4"/>
+          <p:cNvSpPr>
+            <a:spLocks noGrp="1"/>
+          </p:cNvSpPr>
+          <p:nvPr>
+            <p:ph type="sldNum" sz="quarter" idx="12"/>
+          </p:nvPr>
+        </p:nvSpPr>
+        <p:spPr/>
+        <p:txBody>
+          <a:bodyPr/>
+          <a:lstStyle/>
+          <a:p>
+            <a:fld id="{910CD07C-8A7E-4C51-BD5E-C27BF0DA94AA}" type="slidenum">
+              <a:rPr lang="en-US" smtClean="0"/>
+              <a:t>35</a:t>
+            </a:fld>
+            <a:endParaRPr lang="en-US"/>
+          </a:p>
+        </p:txBody>
+      </p:sp>
+      <p:sp>
+        <p:nvSpPr>
+          <p:cNvPr id="8" name="TextBox 7"/>
+          <p:cNvSpPr txBox="1"/>
+          <p:nvPr/>
+        </p:nvSpPr>
+        <p:spPr>
+          <a:xfrm>
+            <a:off x="5292811" y="2754186"/>
+            <a:ext cx="2895600" cy="369332"/>
+          </a:xfrm>
+          <a:prstGeom prst="rect">
+            <a:avLst/>
+          </a:prstGeom>
+          <a:noFill/>
+        </p:spPr>
+        <p:txBody>
+          <a:bodyPr wrap="square" rtlCol="0">
+            <a:spAutoFit/>
+          </a:bodyPr>
+          <a:lstStyle/>
+          <a:p>
+            <a:r>
+              <a:rPr lang="en-US" dirty="0" smtClean="0"/>
+              <a:t>Predator-evading prey</a:t>
+            </a:r>
+            <a:endParaRPr lang="en-US" dirty="0"/>
+          </a:p>
+        </p:txBody>
+      </p:sp>
+      <p:sp>
+        <p:nvSpPr>
+          <p:cNvPr id="9" name="TextBox 8"/>
+          <p:cNvSpPr txBox="1"/>
+          <p:nvPr/>
+        </p:nvSpPr>
+        <p:spPr>
+          <a:xfrm>
+            <a:off x="1037968" y="2743200"/>
+            <a:ext cx="2895600" cy="369332"/>
+          </a:xfrm>
+          <a:prstGeom prst="rect">
+            <a:avLst/>
+          </a:prstGeom>
+          <a:noFill/>
+        </p:spPr>
+        <p:txBody>
+          <a:bodyPr wrap="square" rtlCol="0">
+            <a:spAutoFit/>
+          </a:bodyPr>
+          <a:lstStyle/>
+          <a:p>
+            <a:r>
+              <a:rPr lang="en-US" dirty="0" smtClean="0"/>
+              <a:t>Obstacle-evading prey</a:t>
+            </a:r>
+            <a:endParaRPr lang="en-US" dirty="0"/>
+          </a:p>
+        </p:txBody>
+      </p:sp>
+      <p:pic>
+        <p:nvPicPr>
+          <p:cNvPr id="10" name="Content Placeholder 9"/>
+          <p:cNvPicPr>
+            <a:picLocks noGrp="1" noChangeAspect="1"/>
+          </p:cNvPicPr>
+          <p:nvPr>
+            <p:ph sz="half" idx="2"/>
+          </p:nvPr>
+        </p:nvPicPr>
+        <p:blipFill>
+          <a:blip r:embed="rId2">
+            <a:extLst>
+              <a:ext uri="{28A0092B-C50C-407E-A947-70E740481C1C}">
+                <a14:useLocalDpi xmlns:a14="http://schemas.microsoft.com/office/drawing/2010/main" val="0"/>
+              </a:ext>
+            </a:extLst>
+          </a:blip>
+          <a:stretch>
+            <a:fillRect/>
+          </a:stretch>
+        </p:blipFill>
+        <p:spPr>
+          <a:xfrm>
+            <a:off x="466468" y="3276600"/>
+            <a:ext cx="4038600" cy="3028950"/>
+          </a:xfrm>
+          <a:prstGeom prst="rect">
+            <a:avLst/>
+          </a:prstGeom>
+          <a:ln>
+            <a:noFill/>
+          </a:ln>
+          <a:effectLst>
+            <a:outerShdw blurRad="190500" algn="tl" rotWithShape="0">
+              <a:srgbClr xmlns:mc="http://schemas.openxmlformats.org/markup-compatibility/2006" xmlns:a14="http://schemas.microsoft.com/office/drawing/2010/main" val="000000" mc:Ignorable="">
+                <a:alpha val="70000"/>
+              </a:srgbClr>
+            </a:outerShdw>
+          </a:effectLst>
+        </p:spPr>
+      </p:pic>
+      <p:pic>
+        <p:nvPicPr>
+          <p:cNvPr id="11" name="Picture 10"/>
+          <p:cNvPicPr>
+            <a:picLocks noChangeAspect="1"/>
+          </p:cNvPicPr>
+          <p:nvPr/>
+        </p:nvPicPr>
+        <p:blipFill>
+          <a:blip r:embed="rId3">
+            <a:extLst>
+              <a:ext uri="{28A0092B-C50C-407E-A947-70E740481C1C}">
+                <a14:useLocalDpi xmlns:a14="http://schemas.microsoft.com/office/drawing/2010/main" val="0"/>
+              </a:ext>
+            </a:extLst>
+          </a:blip>
+          <a:stretch>
+            <a:fillRect/>
+          </a:stretch>
+        </p:blipFill>
+        <p:spPr>
+          <a:xfrm>
+            <a:off x="4728931" y="3276600"/>
+            <a:ext cx="4023360" cy="3017520"/>
+          </a:xfrm>
+          <a:prstGeom prst="rect">
+            <a:avLst/>
+          </a:prstGeom>
+          <a:ln>
+            <a:noFill/>
+          </a:ln>
+          <a:effectLst>
+            <a:outerShdw blurRad="190500" algn="tl" rotWithShape="0">
+              <a:srgbClr xmlns:mc="http://schemas.openxmlformats.org/markup-compatibility/2006" xmlns:a14="http://schemas.microsoft.com/office/drawing/2010/main" val="000000" mc:Ignorable="">
+                <a:alpha val="70000"/>
+              </a:srgbClr>
+            </a:outerShdw>
+          </a:effectLst>
+        </p:spPr>
+      </p:pic>
+      <p:pic>
+        <p:nvPicPr>
+          <p:cNvPr id="12" name="Content Placeholder 6"/>
+          <p:cNvPicPr>
+            <a:picLocks noChangeAspect="1"/>
+          </p:cNvPicPr>
+          <p:nvPr/>
+        </p:nvPicPr>
+        <p:blipFill>
+          <a:blip r:embed="rId4" cstate="print">
+            <a:extLst>
+              <a:ext uri="{28A0092B-C50C-407E-A947-70E740481C1C}">
+                <a14:useLocalDpi xmlns:a14="http://schemas.microsoft.com/office/drawing/2010/main"/>
+              </a:ext>
+            </a:extLst>
+          </a:blip>
+          <a:stretch>
+            <a:fillRect/>
+          </a:stretch>
+        </p:blipFill>
+        <p:spPr>
+          <a:xfrm>
+            <a:off x="6504560" y="0"/>
+            <a:ext cx="2655916" cy="2655916"/>
+          </a:xfrm>
+          <a:prstGeom prst="rect">
+            <a:avLst/>
+          </a:prstGeom>
+          <a:ln>
+            <a:noFill/>
+          </a:ln>
+          <a:effectLst>
+            <a:outerShdw blurRad="190500" algn="tl" rotWithShape="0">
+              <a:srgbClr xmlns:mc="http://schemas.openxmlformats.org/markup-compatibility/2006" xmlns:a14="http://schemas.microsoft.com/office/drawing/2010/main" val="000000" mc:Ignorable="">
+                <a:alpha val="70000"/>
+              </a:srgbClr>
+            </a:outerShdw>
+          </a:effectLst>
+        </p:spPr>
+      </p:pic>
+    </p:spTree>
+    <p:extLst>
+      <p:ext uri="{BB962C8B-B14F-4D97-AF65-F5344CB8AC3E}">
+        <p14:creationId xmlns:p14="http://schemas.microsoft.com/office/powerpoint/2010/main" val="1465529361"/>
+      </p:ext>
+    </p:extLst>
+  </p:cSld>
+  <p:clrMapOvr>
+    <a:masterClrMapping/>
+  </p:clrMapOvr>
+  <mc:AlternateContent xmlns:mc="http://schemas.openxmlformats.org/markup-compatibility/2006" xmlns:p14="http://schemas.microsoft.com/office/powerpoint/2010/main">
+    <mc:Choice Requires="p14">
+      <p:transition spd="med" p14:dur="699">
+        <p:fade/>
+      </p:transition>
+    </mc:Choice>
+    <mc:Fallback xmlns="">
+      <p:transition xmlns:p14="http://schemas.microsoft.com/office/powerpoint/2010/main" spd="med">
+        <p:fade/>
+      </p:transition>
+    </mc:Fallback>
+  </mc:AlternateContent>
+  <p:timing>
+    <p:tnLst>
+      <p:par>
+        <p:cTn xmlns:p14="http://schemas.microsoft.com/office/powerpoint/2010/main" id="1" dur="indefinite" restart="never" nodeType="tmRoot"/>
+      </p:par>
+    </p:tnLst>
+  </p:timing>
+</p:sld>
+</file>
+
+<file path=ppt/slides/slide36.xml><?xml version="1.0" encoding="utf-8"?>
+<p:sld xmlns:a="http://schemas.openxmlformats.org/drawingml/2006/main" xmlns:r="http://schemas.openxmlformats.org/officeDocument/2006/relationships" xmlns:p="http://schemas.openxmlformats.org/presentationml/2006/main">
+  <p:cSld>
+    <p:spTree>
+      <p:nvGrpSpPr>
+        <p:cNvPr id="1" name=""/>
+        <p:cNvGrpSpPr/>
+        <p:nvPr/>
+      </p:nvGrpSpPr>
+      <p:grpSpPr>
+        <a:xfrm>
+          <a:off x="0" y="0"/>
+          <a:ext cx="0" cy="0"/>
+          <a:chOff x="0" y="0"/>
+          <a:chExt cx="0" cy="0"/>
+        </a:xfrm>
+      </p:grpSpPr>
+      <p:sp>
+        <p:nvSpPr>
+          <p:cNvPr id="2" name="Title 1"/>
+          <p:cNvSpPr>
+            <a:spLocks noGrp="1"/>
+          </p:cNvSpPr>
+          <p:nvPr>
+            <p:ph type="title"/>
+          </p:nvPr>
+        </p:nvSpPr>
+        <p:spPr/>
+        <p:txBody>
+          <a:bodyPr>
+            <a:normAutofit fontScale="90000"/>
+          </a:bodyPr>
+          <a:lstStyle/>
+          <a:p>
+            <a:r>
+              <a:rPr lang="en-US" dirty="0" smtClean="0"/>
+              <a:t>Experimental </a:t>
+            </a:r>
+            <a:r>
+              <a:rPr lang="en-US" dirty="0" smtClean="0"/>
+              <a:t>Results</a:t>
+            </a:r>
+            <a:br>
+              <a:rPr lang="en-US" dirty="0" smtClean="0"/>
+            </a:br>
+            <a:r>
+              <a:rPr lang="en-US" dirty="0" smtClean="0"/>
+              <a:t>“Difficult Scenario”</a:t>
+            </a:r>
+            <a:endParaRPr lang="en-US" dirty="0"/>
+          </a:p>
+        </p:txBody>
+      </p:sp>
+      <p:sp>
+        <p:nvSpPr>
+          <p:cNvPr id="3" name="Content Placeholder 2"/>
+          <p:cNvSpPr>
+            <a:spLocks noGrp="1"/>
+          </p:cNvSpPr>
+          <p:nvPr>
+            <p:ph sz="half" idx="1"/>
+          </p:nvPr>
+        </p:nvSpPr>
+        <p:spPr/>
+        <p:txBody>
+          <a:bodyPr/>
+          <a:lstStyle/>
+          <a:p>
+            <a:r>
+              <a:rPr lang="en-US" dirty="0" err="1" smtClean="0"/>
+              <a:t>eventXCS</a:t>
+            </a:r>
+            <a:r>
+              <a:rPr lang="en-US" dirty="0" smtClean="0"/>
+              <a:t> fails in this scenario</a:t>
+            </a:r>
+          </a:p>
+          <a:p>
+            <a:r>
+              <a:rPr lang="en-US" dirty="0" smtClean="0"/>
+              <a:t>Using “tournament selection” shows acceptable results with no sign of unlearning</a:t>
+            </a:r>
+            <a:endParaRPr lang="en-US" dirty="0"/>
+          </a:p>
+        </p:txBody>
+      </p:sp>
+      <p:sp>
+        <p:nvSpPr>
+          <p:cNvPr id="5" name="Slide Number Placeholder 4"/>
+          <p:cNvSpPr>
+            <a:spLocks noGrp="1"/>
+          </p:cNvSpPr>
+          <p:nvPr>
+            <p:ph type="sldNum" sz="quarter" idx="12"/>
+          </p:nvPr>
+        </p:nvSpPr>
+        <p:spPr/>
+        <p:txBody>
+          <a:bodyPr/>
+          <a:lstStyle/>
+          <a:p>
+            <a:fld id="{910CD07C-8A7E-4C51-BD5E-C27BF0DA94AA}" type="slidenum">
+              <a:rPr lang="en-US" smtClean="0"/>
+              <a:t>36</a:t>
+            </a:fld>
+            <a:endParaRPr lang="en-US"/>
+          </a:p>
+        </p:txBody>
+      </p:sp>
+      <p:sp>
+        <p:nvSpPr>
+          <p:cNvPr id="7" name="TextBox 6"/>
+          <p:cNvSpPr txBox="1"/>
+          <p:nvPr/>
+        </p:nvSpPr>
+        <p:spPr>
+          <a:xfrm>
+            <a:off x="5334000" y="2819400"/>
+            <a:ext cx="2895600" cy="369332"/>
+          </a:xfrm>
+          <a:prstGeom prst="rect">
+            <a:avLst/>
+          </a:prstGeom>
+          <a:noFill/>
+        </p:spPr>
+        <p:txBody>
+          <a:bodyPr wrap="square" rtlCol="0">
+            <a:spAutoFit/>
+          </a:bodyPr>
+          <a:lstStyle/>
+          <a:p>
+            <a:r>
+              <a:rPr lang="en-US" dirty="0" smtClean="0"/>
+              <a:t>Blinded prey</a:t>
+            </a:r>
+            <a:endParaRPr lang="en-US" dirty="0"/>
+          </a:p>
+        </p:txBody>
+      </p:sp>
+      <p:pic>
+        <p:nvPicPr>
+          <p:cNvPr id="8" name="Content Placeholder 7"/>
+          <p:cNvPicPr>
+            <a:picLocks noGrp="1" noChangeAspect="1"/>
+          </p:cNvPicPr>
+          <p:nvPr>
+            <p:ph sz="half" idx="2"/>
+          </p:nvPr>
+        </p:nvPicPr>
+        <p:blipFill>
+          <a:blip r:embed="rId2">
+            <a:extLst>
+              <a:ext uri="{28A0092B-C50C-407E-A947-70E740481C1C}">
+                <a14:useLocalDpi xmlns:a14="http://schemas.microsoft.com/office/drawing/2010/main" val="0"/>
+              </a:ext>
+            </a:extLst>
+          </a:blip>
+          <a:stretch>
+            <a:fillRect/>
+          </a:stretch>
+        </p:blipFill>
+        <p:spPr>
+          <a:xfrm>
+            <a:off x="4762500" y="3276600"/>
+            <a:ext cx="4038600" cy="3028950"/>
+          </a:xfrm>
+          <a:prstGeom prst="rect">
+            <a:avLst/>
+          </a:prstGeom>
+          <a:ln>
+            <a:noFill/>
+          </a:ln>
+          <a:effectLst>
+            <a:outerShdw blurRad="190500" algn="tl" rotWithShape="0">
+              <a:srgbClr xmlns:mc="http://schemas.openxmlformats.org/markup-compatibility/2006" xmlns:a14="http://schemas.microsoft.com/office/drawing/2010/main" val="000000" mc:Ignorable="">
+                <a:alpha val="70000"/>
+              </a:srgbClr>
+            </a:outerShdw>
+          </a:effectLst>
+        </p:spPr>
+      </p:pic>
+      <p:pic>
+        <p:nvPicPr>
+          <p:cNvPr id="9" name="Content Placeholder 6"/>
+          <p:cNvPicPr>
+            <a:picLocks noChangeAspect="1"/>
+          </p:cNvPicPr>
+          <p:nvPr/>
+        </p:nvPicPr>
+        <p:blipFill>
+          <a:blip r:embed="rId3" cstate="print">
+            <a:extLst>
+              <a:ext uri="{28A0092B-C50C-407E-A947-70E740481C1C}">
+                <a14:useLocalDpi xmlns:a14="http://schemas.microsoft.com/office/drawing/2010/main"/>
+              </a:ext>
+            </a:extLst>
+          </a:blip>
+          <a:stretch>
+            <a:fillRect/>
+          </a:stretch>
+        </p:blipFill>
+        <p:spPr>
+          <a:xfrm>
+            <a:off x="6488084" y="0"/>
+            <a:ext cx="2655916" cy="2655916"/>
+          </a:xfrm>
+          <a:prstGeom prst="rect">
+            <a:avLst/>
+          </a:prstGeom>
+          <a:ln>
+            <a:noFill/>
+          </a:ln>
+          <a:effectLst>
+            <a:outerShdw blurRad="190500" algn="tl" rotWithShape="0">
+              <a:srgbClr xmlns:mc="http://schemas.openxmlformats.org/markup-compatibility/2006" xmlns:a14="http://schemas.microsoft.com/office/drawing/2010/main" val="000000" mc:Ignorable="">
+                <a:alpha val="70000"/>
+              </a:srgbClr>
+            </a:outerShdw>
+          </a:effectLst>
+        </p:spPr>
+      </p:pic>
+    </p:spTree>
+    <p:extLst>
+      <p:ext uri="{BB962C8B-B14F-4D97-AF65-F5344CB8AC3E}">
+        <p14:creationId xmlns:p14="http://schemas.microsoft.com/office/powerpoint/2010/main" val="1965959488"/>
+      </p:ext>
+    </p:extLst>
+  </p:cSld>
+  <p:clrMapOvr>
+    <a:masterClrMapping/>
+  </p:clrMapOvr>
+  <mc:AlternateContent xmlns:mc="http://schemas.openxmlformats.org/markup-compatibility/2006" xmlns:p14="http://schemas.microsoft.com/office/powerpoint/2010/main">
+    <mc:Choice Requires="p14">
+      <p:transition spd="med" p14:dur="699">
+        <p:fade/>
+      </p:transition>
+    </mc:Choice>
+    <mc:Fallback xmlns="">
+      <p:transition xmlns:p14="http://schemas.microsoft.com/office/powerpoint/2010/main" spd="med">
+        <p:fade/>
+      </p:transition>
+    </mc:Fallback>
+  </mc:AlternateContent>
+  <p:timing>
+    <p:tnLst>
+      <p:par>
+        <p:cTn xmlns:p14="http://schemas.microsoft.com/office/powerpoint/2010/main" id="1" dur="indefinite" restart="never" nodeType="tmRoot"/>
+      </p:par>
+    </p:tnLst>
+  </p:timing>
+</p:sld>
+</file>
+
+<file path=ppt/slides/slide37.xml><?xml version="1.0" encoding="utf-8"?>
+<p:sld xmlns:a="http://schemas.openxmlformats.org/drawingml/2006/main" xmlns:r="http://schemas.openxmlformats.org/officeDocument/2006/relationships" xmlns:p="http://schemas.openxmlformats.org/presentationml/2006/main">
+  <p:cSld>
+    <p:spTree>
+      <p:nvGrpSpPr>
+        <p:cNvPr id="1" name=""/>
+        <p:cNvGrpSpPr/>
+        <p:nvPr/>
+      </p:nvGrpSpPr>
+      <p:grpSpPr>
+        <a:xfrm>
+          <a:off x="0" y="0"/>
+          <a:ext cx="0" cy="0"/>
+          <a:chOff x="0" y="0"/>
+          <a:chExt cx="0" cy="0"/>
+        </a:xfrm>
+      </p:grpSpPr>
+      <p:sp>
+        <p:nvSpPr>
+          <p:cNvPr id="4" name="Title 3"/>
+          <p:cNvSpPr>
+            <a:spLocks noGrp="1"/>
+          </p:cNvSpPr>
+          <p:nvPr>
+            <p:ph type="title"/>
+          </p:nvPr>
+        </p:nvSpPr>
+        <p:spPr/>
+        <p:txBody>
+          <a:bodyPr>
+            <a:normAutofit/>
+          </a:bodyPr>
+          <a:lstStyle/>
+          <a:p>
+            <a:r>
+              <a:rPr lang="en-US" dirty="0" smtClean="0"/>
+              <a:t>Conclusion</a:t>
+            </a:r>
+            <a:endParaRPr lang="en-US" dirty="0"/>
+          </a:p>
+        </p:txBody>
+      </p:sp>
+      <p:sp>
+        <p:nvSpPr>
+          <p:cNvPr id="3" name="Content Placeholder 2"/>
+          <p:cNvSpPr>
+            <a:spLocks noGrp="1"/>
+          </p:cNvSpPr>
+          <p:nvPr>
+            <p:ph sz="half" idx="1"/>
+          </p:nvPr>
+        </p:nvSpPr>
+        <p:spPr/>
+        <p:txBody>
+          <a:bodyPr>
+            <a:normAutofit/>
+          </a:bodyPr>
+          <a:lstStyle/>
+          <a:p>
+            <a:endParaRPr lang="en-US"/>
+          </a:p>
+        </p:txBody>
+      </p:sp>
+      <p:sp>
+        <p:nvSpPr>
+          <p:cNvPr id="6" name="Content Placeholder 5"/>
+          <p:cNvSpPr>
+            <a:spLocks noGrp="1"/>
+          </p:cNvSpPr>
+          <p:nvPr>
+            <p:ph sz="half" idx="2"/>
+          </p:nvPr>
+        </p:nvSpPr>
+        <p:spPr/>
+        <p:txBody>
+          <a:bodyPr>
+            <a:normAutofit/>
+          </a:bodyPr>
+          <a:lstStyle/>
+          <a:p>
+            <a:r>
+              <a:rPr lang="en-US" dirty="0" smtClean="0"/>
+              <a:t>XCS with minimal adaptions can learn</a:t>
+            </a:r>
+          </a:p>
+          <a:p>
+            <a:pPr lvl="1"/>
+            <a:r>
+              <a:rPr lang="en-US" dirty="0" smtClean="0"/>
+              <a:t>Unable to use sight range</a:t>
+            </a:r>
+          </a:p>
+          <a:p>
+            <a:r>
+              <a:rPr lang="en-US" dirty="0" smtClean="0"/>
+              <a:t>Event XCS superior</a:t>
+            </a:r>
+          </a:p>
+        </p:txBody>
+      </p:sp>
+      <p:sp>
+        <p:nvSpPr>
+          <p:cNvPr id="2" name="Slide Number Placeholder 1"/>
+          <p:cNvSpPr>
+            <a:spLocks noGrp="1"/>
+          </p:cNvSpPr>
+          <p:nvPr>
+            <p:ph type="sldNum" sz="quarter" idx="12"/>
+          </p:nvPr>
+        </p:nvSpPr>
+        <p:spPr/>
+        <p:txBody>
+          <a:bodyPr/>
+          <a:lstStyle/>
+          <a:p>
+            <a:fld id="{910CD07C-8A7E-4C51-BD5E-C27BF0DA94AA}" type="slidenum">
+              <a:rPr lang="en-US" smtClean="0"/>
+              <a:t>37</a:t>
+            </a:fld>
+            <a:endParaRPr lang="en-US"/>
+          </a:p>
+        </p:txBody>
+      </p:sp>
+      <p:pic>
+        <p:nvPicPr>
+          <p:cNvPr id="8" name="Content Placeholder 4"/>
+          <p:cNvPicPr>
+            <a:picLocks noChangeAspect="1"/>
+          </p:cNvPicPr>
+          <p:nvPr/>
+        </p:nvPicPr>
+        <p:blipFill rotWithShape="1">
+          <a:blip r:embed="rId2" cstate="print">
+            <a:extLst>
+              <a:ext uri="{28A0092B-C50C-407E-A947-70E740481C1C}">
+                <a14:useLocalDpi xmlns:a14="http://schemas.microsoft.com/office/drawing/2010/main"/>
+              </a:ext>
+            </a:extLst>
+          </a:blip>
+          <a:srcRect/>
+          <a:stretch/>
+        </p:blipFill>
+        <p:spPr>
+          <a:xfrm>
+            <a:off x="904579" y="1676401"/>
+            <a:ext cx="2990088" cy="4416551"/>
+          </a:xfrm>
+          <a:prstGeom prst="rect">
+            <a:avLst/>
+          </a:prstGeom>
+          <a:ln w="88900" cap="sq" cmpd="thickThin">
+            <a:solidFill>
+              <a:srgbClr xmlns:mc="http://schemas.openxmlformats.org/markup-compatibility/2006" xmlns:a14="http://schemas.microsoft.com/office/drawing/2010/main" val="000000" mc:Ignorable=""/>
+            </a:solidFill>
+            <a:prstDash val="solid"/>
+            <a:miter lim="800000"/>
+          </a:ln>
+          <a:effectLst>
+            <a:innerShdw blurRad="76200">
+              <a:srgbClr xmlns:mc="http://schemas.openxmlformats.org/markup-compatibility/2006" xmlns:a14="http://schemas.microsoft.com/office/drawing/2010/main" val="000000" mc:Ignorable=""/>
+            </a:innerShdw>
+          </a:effectLst>
+        </p:spPr>
+      </p:pic>
+      <p:sp>
+        <p:nvSpPr>
+          <p:cNvPr id="7" name="Oval Callout 6"/>
+          <p:cNvSpPr/>
+          <p:nvPr/>
+        </p:nvSpPr>
+        <p:spPr>
+          <a:xfrm>
+            <a:off x="1905000" y="2683128"/>
+            <a:ext cx="1524001" cy="765033"/>
+          </a:xfrm>
+          <a:prstGeom prst="wedgeEllipseCallout">
+            <a:avLst/>
+          </a:prstGeom>
+          <a:solidFill>
+            <a:schemeClr val="bg1">
+              <a:alpha val="75000"/>
+            </a:schemeClr>
+          </a:solidFill>
+          <a:ln>
+            <a:noFill/>
+          </a:ln>
+        </p:spPr>
+        <p:style>
+          <a:lnRef idx="2">
+            <a:schemeClr val="accent1">
+              <a:shade val="50000"/>
+            </a:schemeClr>
+          </a:lnRef>
+          <a:fillRef idx="1">
+            <a:schemeClr val="accent1"/>
+          </a:fillRef>
+          <a:effectRef idx="0">
+            <a:schemeClr val="accent1"/>
+          </a:effectRef>
+          <a:fontRef idx="minor">
+            <a:schemeClr val="lt1"/>
+          </a:fontRef>
+        </p:style>
+        <p:txBody>
+          <a:bodyPr lIns="91429" tIns="45715" rIns="91429" bIns="45715" rtlCol="0" anchor="ctr"/>
+          <a:lstStyle/>
+          <a:p>
+            <a:pPr algn="ctr"/>
+            <a:endParaRPr lang="en-US"/>
+          </a:p>
+        </p:txBody>
+      </p:sp>
+      <p:sp>
+        <p:nvSpPr>
+          <p:cNvPr id="9" name="TextBox 8"/>
+          <p:cNvSpPr txBox="1"/>
+          <p:nvPr/>
+        </p:nvSpPr>
+        <p:spPr>
+          <a:xfrm>
+            <a:off x="1905000" y="2867792"/>
+            <a:ext cx="1676400" cy="400099"/>
+          </a:xfrm>
+          <a:prstGeom prst="rect">
+            <a:avLst/>
+          </a:prstGeom>
+          <a:noFill/>
+        </p:spPr>
+        <p:txBody>
+          <a:bodyPr wrap="square" lIns="91429" tIns="45715" rIns="91429" bIns="45715" rtlCol="0">
+            <a:spAutoFit/>
+          </a:bodyPr>
+          <a:lstStyle/>
+          <a:p>
+            <a:r>
+              <a:rPr lang="en-US" sz="2000" b="1" dirty="0"/>
+              <a:t>Questions?</a:t>
+            </a:r>
+          </a:p>
+        </p:txBody>
+      </p:sp>
+    </p:spTree>
+    <p:extLst>
+      <p:ext uri="{BB962C8B-B14F-4D97-AF65-F5344CB8AC3E}">
+        <p14:creationId xmlns:p14="http://schemas.microsoft.com/office/powerpoint/2010/main" val="398734326"/>
+      </p:ext>
+    </p:extLst>
+  </p:cSld>
+  <p:clrMapOvr>
+    <a:masterClrMapping/>
+  </p:clrMapOvr>
+  <mc:AlternateContent xmlns:mc="http://schemas.openxmlformats.org/markup-compatibility/2006" xmlns:p14="http://schemas.microsoft.com/office/powerpoint/2010/main">
+    <mc:Choice Requires="p14">
+      <p:transition spd="slow" p14:dur="1600">
+        <p14:conveyor dir="l"/>
+      </p:transition>
+    </mc:Choice>
+    <mc:Fallback xmlns="">
+      <p:transition xmlns:p14="http://schemas.microsoft.com/office/powerpoint/2010/main" spd="slow">
+        <p:fade/>
+      </p:transition>
+    </mc:Fallback>
+  </mc:AlternateContent>
+  <p:timing>
+    <p:tnLst>
+      <p:par>
+        <p:cTn xmlns:p14="http://schemas.microsoft.com/office/powerpoint/2010/main" id="1" dur="indefinite" restart="never" nodeType="tmRoot"/>
+      </p:par>
+    </p:tnLst>
+  </p:timing>
+</p:sld>
+</file>
+
 <file path=ppt/slides/slide38.xml><?xml version="1.0" encoding="utf-8"?>
 <p:sld xmlns:a="http://schemas.openxmlformats.org/drawingml/2006/main" xmlns:r="http://schemas.openxmlformats.org/officeDocument/2006/relationships" xmlns:p="http://schemas.openxmlformats.org/presentationml/2006/main">
   <p:cSld>
@@ -20205,8 +21004,8 @@
           <a:lstStyle/>
           <a:p>
             <a:r>
-              <a:rPr lang="en-US" dirty="0" err="1" smtClean="0"/>
-              <a:t>eventXCS</a:t>
+              <a:rPr lang="en-US" dirty="0" smtClean="0"/>
+              <a:t>Backup slides</a:t>
             </a:r>
             <a:endParaRPr lang="en-US" dirty="0"/>
           </a:p>
@@ -20227,39 +21026,7 @@
           <a:bodyPr/>
           <a:lstStyle/>
           <a:p>
-            <a:r>
-              <a:rPr lang="en-US" dirty="0" smtClean="0"/>
-              <a:t>Adaption of XCS to Multi-Learner predator/prey scenarios</a:t>
-            </a:r>
-          </a:p>
-          <a:p>
-            <a:pPr lvl="1"/>
-            <a:r>
-              <a:rPr lang="en-US" dirty="0" smtClean="0"/>
-              <a:t>“</a:t>
-            </a:r>
-            <a:r>
-              <a:rPr lang="en-US" dirty="0" err="1" smtClean="0"/>
-              <a:t>eventXCS</a:t>
-            </a:r>
-            <a:r>
-              <a:rPr lang="en-US" dirty="0" smtClean="0"/>
-              <a:t>”</a:t>
-            </a:r>
-          </a:p>
-          <a:p>
-            <a:pPr lvl="2"/>
-            <a:r>
-              <a:rPr lang="en-US" dirty="0" smtClean="0"/>
-              <a:t>Reward events</a:t>
-            </a:r>
-          </a:p>
-          <a:p>
-            <a:pPr lvl="2"/>
-            <a:r>
-              <a:rPr lang="en-US" dirty="0" smtClean="0"/>
-              <a:t>Reward distribution</a:t>
-            </a:r>
+            <a:endParaRPr lang="en-US"/>
           </a:p>
         </p:txBody>
       </p:sp>
@@ -20308,7 +21075,7 @@
     </p:spTree>
     <p:extLst>
       <p:ext uri="{BB962C8B-B14F-4D97-AF65-F5344CB8AC3E}">
-        <p14:creationId xmlns:p14="http://schemas.microsoft.com/office/powerpoint/2010/main" val="1985360711"/>
+        <p14:creationId xmlns:p14="http://schemas.microsoft.com/office/powerpoint/2010/main" val="4261988701"/>
       </p:ext>
     </p:extLst>
   </p:cSld>
@@ -20354,1514 +21121,6 @@
         </p:nvSpPr>
         <p:spPr/>
         <p:txBody>
-          <a:bodyPr>
-            <a:normAutofit fontScale="90000"/>
-          </a:bodyPr>
-          <a:lstStyle/>
-          <a:p>
-            <a:r>
-              <a:rPr lang="en-US" dirty="0" err="1" smtClean="0"/>
-              <a:t>eventXCS</a:t>
-            </a:r>
-            <a:r>
-              <a:rPr lang="en-US" dirty="0" smtClean="0"/>
-              <a:t> Experimental Results</a:t>
-            </a:r>
-            <a:br>
-              <a:rPr lang="en-US" dirty="0" smtClean="0"/>
-            </a:br>
-            <a:r>
-              <a:rPr lang="en-US" dirty="0" smtClean="0"/>
-              <a:t>“Pillar Scenario”</a:t>
-            </a:r>
-            <a:endParaRPr lang="en-US" dirty="0"/>
-          </a:p>
-        </p:txBody>
-      </p:sp>
-      <p:sp>
-        <p:nvSpPr>
-          <p:cNvPr id="3" name="Content Placeholder 2"/>
-          <p:cNvSpPr>
-            <a:spLocks noGrp="1"/>
-          </p:cNvSpPr>
-          <p:nvPr>
-            <p:ph sz="half" idx="1"/>
-          </p:nvPr>
-        </p:nvSpPr>
-        <p:spPr>
-          <a:xfrm>
-            <a:off x="457200" y="1773936"/>
-            <a:ext cx="8153400" cy="4623816"/>
-          </a:xfrm>
-        </p:spPr>
-        <p:txBody>
-          <a:bodyPr/>
-          <a:lstStyle/>
-          <a:p>
-            <a:r>
-              <a:rPr lang="en-US" dirty="0" err="1" smtClean="0"/>
-              <a:t>eventXCS</a:t>
-            </a:r>
-            <a:r>
-              <a:rPr lang="en-US" dirty="0" smtClean="0"/>
-              <a:t> clearly outperforms XCS</a:t>
-            </a:r>
-            <a:endParaRPr lang="en-US" dirty="0"/>
-          </a:p>
-        </p:txBody>
-      </p:sp>
-      <p:pic>
-        <p:nvPicPr>
-          <p:cNvPr id="6" name="Content Placeholder 5"/>
-          <p:cNvPicPr>
-            <a:picLocks noGrp="1" noChangeAspect="1"/>
-          </p:cNvPicPr>
-          <p:nvPr>
-            <p:ph sz="half" idx="2"/>
-          </p:nvPr>
-        </p:nvPicPr>
-        <p:blipFill>
-          <a:blip r:embed="rId2" cstate="print">
-            <a:extLst>
-              <a:ext uri="{28A0092B-C50C-407E-A947-70E740481C1C}">
-                <a14:useLocalDpi xmlns:a14="http://schemas.microsoft.com/office/drawing/2010/main"/>
-              </a:ext>
-            </a:extLst>
-          </a:blip>
-          <a:stretch>
-            <a:fillRect/>
-          </a:stretch>
-        </p:blipFill>
-        <p:spPr>
-          <a:xfrm>
-            <a:off x="381000" y="3214820"/>
-            <a:ext cx="4038600" cy="3290403"/>
-          </a:xfrm>
-          <a:prstGeom prst="rect">
-            <a:avLst/>
-          </a:prstGeom>
-          <a:ln>
-            <a:noFill/>
-          </a:ln>
-          <a:effectLst>
-            <a:outerShdw blurRad="190500" algn="tl" rotWithShape="0">
-              <a:srgbClr xmlns:mc="http://schemas.openxmlformats.org/markup-compatibility/2006" xmlns:a14="http://schemas.microsoft.com/office/drawing/2010/main" val="000000" mc:Ignorable="">
-                <a:alpha val="70000"/>
-              </a:srgbClr>
-            </a:outerShdw>
-          </a:effectLst>
-        </p:spPr>
-      </p:pic>
-      <p:sp>
-        <p:nvSpPr>
-          <p:cNvPr id="5" name="Slide Number Placeholder 4"/>
-          <p:cNvSpPr>
-            <a:spLocks noGrp="1"/>
-          </p:cNvSpPr>
-          <p:nvPr>
-            <p:ph type="sldNum" sz="quarter" idx="12"/>
-          </p:nvPr>
-        </p:nvSpPr>
-        <p:spPr/>
-        <p:txBody>
-          <a:bodyPr/>
-          <a:lstStyle/>
-          <a:p>
-            <a:fld id="{910CD07C-8A7E-4C51-BD5E-C27BF0DA94AA}" type="slidenum">
-              <a:rPr lang="en-US" smtClean="0"/>
-              <a:t>39</a:t>
-            </a:fld>
-            <a:endParaRPr lang="en-US"/>
-          </a:p>
-        </p:txBody>
-      </p:sp>
-      <p:pic>
-        <p:nvPicPr>
-          <p:cNvPr id="7" name="Content Placeholder 5"/>
-          <p:cNvPicPr>
-            <a:picLocks noChangeAspect="1"/>
-          </p:cNvPicPr>
-          <p:nvPr/>
-        </p:nvPicPr>
-        <p:blipFill>
-          <a:blip r:embed="rId3" cstate="print">
-            <a:extLst>
-              <a:ext uri="{28A0092B-C50C-407E-A947-70E740481C1C}">
-                <a14:useLocalDpi xmlns:a14="http://schemas.microsoft.com/office/drawing/2010/main"/>
-              </a:ext>
-            </a:extLst>
-          </a:blip>
-          <a:stretch>
-            <a:fillRect/>
-          </a:stretch>
-        </p:blipFill>
-        <p:spPr>
-          <a:xfrm>
-            <a:off x="4648200" y="3226488"/>
-            <a:ext cx="4038600" cy="3290403"/>
-          </a:xfrm>
-          <a:prstGeom prst="rect">
-            <a:avLst/>
-          </a:prstGeom>
-          <a:ln>
-            <a:noFill/>
-          </a:ln>
-          <a:effectLst>
-            <a:outerShdw blurRad="190500" algn="tl" rotWithShape="0">
-              <a:srgbClr xmlns:mc="http://schemas.openxmlformats.org/markup-compatibility/2006" xmlns:a14="http://schemas.microsoft.com/office/drawing/2010/main" val="000000" mc:Ignorable="">
-                <a:alpha val="70000"/>
-              </a:srgbClr>
-            </a:outerShdw>
-          </a:effectLst>
-        </p:spPr>
-      </p:pic>
-      <p:sp>
-        <p:nvSpPr>
-          <p:cNvPr id="4" name="TextBox 3"/>
-          <p:cNvSpPr txBox="1"/>
-          <p:nvPr/>
-        </p:nvSpPr>
-        <p:spPr>
-          <a:xfrm>
-            <a:off x="5342238" y="2845488"/>
-            <a:ext cx="2895600" cy="369332"/>
-          </a:xfrm>
-          <a:prstGeom prst="rect">
-            <a:avLst/>
-          </a:prstGeom>
-          <a:noFill/>
-        </p:spPr>
-        <p:txBody>
-          <a:bodyPr wrap="square" rtlCol="0">
-            <a:spAutoFit/>
-          </a:bodyPr>
-          <a:lstStyle/>
-          <a:p>
-            <a:r>
-              <a:rPr lang="en-US" dirty="0" smtClean="0"/>
-              <a:t>Predator-evading prey</a:t>
-            </a:r>
-            <a:endParaRPr lang="en-US" dirty="0"/>
-          </a:p>
-        </p:txBody>
-      </p:sp>
-      <p:sp>
-        <p:nvSpPr>
-          <p:cNvPr id="8" name="TextBox 7"/>
-          <p:cNvSpPr txBox="1"/>
-          <p:nvPr/>
-        </p:nvSpPr>
-        <p:spPr>
-          <a:xfrm>
-            <a:off x="1140941" y="2795376"/>
-            <a:ext cx="2895600" cy="369332"/>
-          </a:xfrm>
-          <a:prstGeom prst="rect">
-            <a:avLst/>
-          </a:prstGeom>
-          <a:noFill/>
-        </p:spPr>
-        <p:txBody>
-          <a:bodyPr wrap="square" rtlCol="0">
-            <a:spAutoFit/>
-          </a:bodyPr>
-          <a:lstStyle/>
-          <a:p>
-            <a:r>
-              <a:rPr lang="en-US" dirty="0" smtClean="0"/>
-              <a:t>Obstacle-evading prey</a:t>
-            </a:r>
-            <a:endParaRPr lang="en-US" dirty="0"/>
-          </a:p>
-        </p:txBody>
-      </p:sp>
-    </p:spTree>
-    <p:extLst>
-      <p:ext uri="{BB962C8B-B14F-4D97-AF65-F5344CB8AC3E}">
-        <p14:creationId xmlns:p14="http://schemas.microsoft.com/office/powerpoint/2010/main" val="3340674733"/>
-      </p:ext>
-    </p:extLst>
-  </p:cSld>
-  <p:clrMapOvr>
-    <a:masterClrMapping/>
-  </p:clrMapOvr>
-  <mc:AlternateContent xmlns:mc="http://schemas.openxmlformats.org/markup-compatibility/2006" xmlns:p14="http://schemas.microsoft.com/office/powerpoint/2010/main">
-    <mc:Choice Requires="p14">
-      <p:transition spd="slow" p14:dur="1600">
-        <p14:conveyor dir="l"/>
-      </p:transition>
-    </mc:Choice>
-    <mc:Fallback xmlns="">
-      <p:transition xmlns:p14="http://schemas.microsoft.com/office/powerpoint/2010/main" spd="slow">
-        <p:fade/>
-      </p:transition>
-    </mc:Fallback>
-  </mc:AlternateContent>
-  <p:timing>
-    <p:tnLst>
-      <p:par>
-        <p:cTn xmlns:p14="http://schemas.microsoft.com/office/powerpoint/2010/main" id="1" dur="indefinite" restart="never" nodeType="tmRoot"/>
-      </p:par>
-    </p:tnLst>
-  </p:timing>
-</p:sld>
-</file>
-
-<file path=ppt/slides/slide4.xml><?xml version="1.0" encoding="utf-8"?>
-<p:sld xmlns:a="http://schemas.openxmlformats.org/drawingml/2006/main" xmlns:r="http://schemas.openxmlformats.org/officeDocument/2006/relationships" xmlns:p="http://schemas.openxmlformats.org/presentationml/2006/main">
-  <p:cSld>
-    <p:spTree>
-      <p:nvGrpSpPr>
-        <p:cNvPr id="1" name=""/>
-        <p:cNvGrpSpPr/>
-        <p:nvPr/>
-      </p:nvGrpSpPr>
-      <p:grpSpPr>
-        <a:xfrm>
-          <a:off x="0" y="0"/>
-          <a:ext cx="0" cy="0"/>
-          <a:chOff x="0" y="0"/>
-          <a:chExt cx="0" cy="0"/>
-        </a:xfrm>
-      </p:grpSpPr>
-      <p:sp>
-        <p:nvSpPr>
-          <p:cNvPr id="4" name="Title 3"/>
-          <p:cNvSpPr>
-            <a:spLocks noGrp="1"/>
-          </p:cNvSpPr>
-          <p:nvPr>
-            <p:ph type="title"/>
-          </p:nvPr>
-        </p:nvSpPr>
-        <p:spPr/>
-        <p:txBody>
-          <a:bodyPr>
-            <a:normAutofit/>
-          </a:bodyPr>
-          <a:lstStyle/>
-          <a:p>
-            <a:r>
-              <a:rPr lang="en-US" dirty="0" smtClean="0"/>
-              <a:t>Learning Classifier Systems</a:t>
-            </a:r>
-            <a:endParaRPr lang="en-US" dirty="0"/>
-          </a:p>
-        </p:txBody>
-      </p:sp>
-      <p:pic>
-        <p:nvPicPr>
-          <p:cNvPr id="3" name="Content Placeholder 6"/>
-          <p:cNvPicPr>
-            <a:picLocks noGrp="1" noChangeAspect="1"/>
-          </p:cNvPicPr>
-          <p:nvPr>
-            <p:ph sz="half" idx="1"/>
-          </p:nvPr>
-        </p:nvPicPr>
-        <p:blipFill>
-          <a:blip r:embed="rId2" cstate="print">
-            <a:extLst>
-              <a:ext uri="{28A0092B-C50C-407E-A947-70E740481C1C}">
-                <a14:useLocalDpi xmlns:a14="http://schemas.microsoft.com/office/drawing/2010/main" val="0"/>
-              </a:ext>
-            </a:extLst>
-          </a:blip>
-          <a:stretch>
-            <a:fillRect/>
-          </a:stretch>
-        </p:blipFill>
-        <p:spPr>
-          <a:xfrm>
-            <a:off x="1295400" y="1752600"/>
-            <a:ext cx="2419004" cy="2475114"/>
-          </a:xfrm>
-        </p:spPr>
-      </p:pic>
-      <p:sp>
-        <p:nvSpPr>
-          <p:cNvPr id="2" name="Content Placeholder 1"/>
-          <p:cNvSpPr>
-            <a:spLocks noGrp="1"/>
-          </p:cNvSpPr>
-          <p:nvPr>
-            <p:ph sz="half" idx="2"/>
-          </p:nvPr>
-        </p:nvSpPr>
-        <p:spPr/>
-        <p:txBody>
-          <a:bodyPr/>
-          <a:lstStyle/>
-          <a:p>
-            <a:r>
-              <a:rPr lang="en-US" dirty="0" smtClean="0"/>
-              <a:t>Standard (Multi-Step) Problem:</a:t>
-            </a:r>
-          </a:p>
-          <a:p>
-            <a:pPr lvl="1"/>
-            <a:r>
-              <a:rPr lang="en-US" dirty="0" smtClean="0"/>
-              <a:t>Maze6</a:t>
-            </a:r>
-          </a:p>
-          <a:p>
-            <a:r>
-              <a:rPr lang="en-US" dirty="0" smtClean="0"/>
-              <a:t>Goal:</a:t>
-            </a:r>
-          </a:p>
-          <a:p>
-            <a:pPr lvl="1"/>
-            <a:r>
-              <a:rPr lang="en-US" dirty="0"/>
-              <a:t>Find shortest path to the </a:t>
-            </a:r>
-            <a:r>
-              <a:rPr lang="en-US" dirty="0" smtClean="0"/>
-              <a:t>food starting from a random point</a:t>
-            </a:r>
-            <a:endParaRPr lang="en-US" dirty="0"/>
-          </a:p>
-        </p:txBody>
-      </p:sp>
-      <p:sp>
-        <p:nvSpPr>
-          <p:cNvPr id="5" name="TextBox 4"/>
-          <p:cNvSpPr txBox="1"/>
-          <p:nvPr/>
-        </p:nvSpPr>
-        <p:spPr>
-          <a:xfrm>
-            <a:off x="1066800" y="4343400"/>
-            <a:ext cx="2895600" cy="646331"/>
-          </a:xfrm>
-          <a:prstGeom prst="rect">
-            <a:avLst/>
-          </a:prstGeom>
-          <a:noFill/>
-        </p:spPr>
-        <p:txBody>
-          <a:bodyPr wrap="square" rtlCol="0">
-            <a:spAutoFit/>
-          </a:bodyPr>
-          <a:lstStyle/>
-          <a:p>
-            <a:pPr algn="ctr"/>
-            <a:r>
-              <a:rPr lang="en-US" dirty="0" smtClean="0"/>
-              <a:t>T: Tree</a:t>
-            </a:r>
-          </a:p>
-          <a:p>
-            <a:pPr algn="ctr"/>
-            <a:r>
-              <a:rPr lang="en-US" dirty="0" smtClean="0"/>
-              <a:t>F: Food</a:t>
-            </a:r>
-            <a:endParaRPr lang="en-US" dirty="0"/>
-          </a:p>
-        </p:txBody>
-      </p:sp>
-    </p:spTree>
-    <p:extLst>
-      <p:ext uri="{BB962C8B-B14F-4D97-AF65-F5344CB8AC3E}">
-        <p14:creationId xmlns:p14="http://schemas.microsoft.com/office/powerpoint/2010/main" val="3537393844"/>
-      </p:ext>
-    </p:extLst>
-  </p:cSld>
-  <p:clrMapOvr>
-    <a:masterClrMapping/>
-  </p:clrMapOvr>
-  <p:transition xmlns:p14="http://schemas.microsoft.com/office/powerpoint/2010/main" spd="slow">
-    <p:wipe/>
-  </p:transition>
-  <p:timing>
-    <p:tnLst>
-      <p:par>
-        <p:cTn xmlns:p14="http://schemas.microsoft.com/office/powerpoint/2010/main" id="1" dur="indefinite" restart="never" nodeType="tmRoot"/>
-      </p:par>
-    </p:tnLst>
-  </p:timing>
-</p:sld>
-</file>
-
-<file path=ppt/slides/slide40.xml><?xml version="1.0" encoding="utf-8"?>
-<p:sld xmlns:a="http://schemas.openxmlformats.org/drawingml/2006/main" xmlns:r="http://schemas.openxmlformats.org/officeDocument/2006/relationships" xmlns:p="http://schemas.openxmlformats.org/presentationml/2006/main">
-  <p:cSld>
-    <p:spTree>
-      <p:nvGrpSpPr>
-        <p:cNvPr id="1" name=""/>
-        <p:cNvGrpSpPr/>
-        <p:nvPr/>
-      </p:nvGrpSpPr>
-      <p:grpSpPr>
-        <a:xfrm>
-          <a:off x="0" y="0"/>
-          <a:ext cx="0" cy="0"/>
-          <a:chOff x="0" y="0"/>
-          <a:chExt cx="0" cy="0"/>
-        </a:xfrm>
-      </p:grpSpPr>
-      <p:sp>
-        <p:nvSpPr>
-          <p:cNvPr id="2" name="Title 1"/>
-          <p:cNvSpPr>
-            <a:spLocks noGrp="1"/>
-          </p:cNvSpPr>
-          <p:nvPr>
-            <p:ph type="title"/>
-          </p:nvPr>
-        </p:nvSpPr>
-        <p:spPr/>
-        <p:txBody>
-          <a:bodyPr>
-            <a:normAutofit fontScale="90000"/>
-          </a:bodyPr>
-          <a:lstStyle/>
-          <a:p>
-            <a:r>
-              <a:rPr lang="en-US" dirty="0" err="1" smtClean="0"/>
-              <a:t>eventXCS</a:t>
-            </a:r>
-            <a:r>
-              <a:rPr lang="en-US" dirty="0" smtClean="0"/>
-              <a:t> Experimental Results</a:t>
-            </a:r>
-            <a:br>
-              <a:rPr lang="en-US" dirty="0" smtClean="0"/>
-            </a:br>
-            <a:r>
-              <a:rPr lang="en-US" dirty="0" smtClean="0"/>
-              <a:t>“Random Scenario”</a:t>
-            </a:r>
-            <a:endParaRPr lang="en-US" dirty="0"/>
-          </a:p>
-        </p:txBody>
-      </p:sp>
-      <p:sp>
-        <p:nvSpPr>
-          <p:cNvPr id="3" name="Content Placeholder 2"/>
-          <p:cNvSpPr>
-            <a:spLocks noGrp="1"/>
-          </p:cNvSpPr>
-          <p:nvPr>
-            <p:ph sz="half" idx="1"/>
-          </p:nvPr>
-        </p:nvSpPr>
-        <p:spPr>
-          <a:xfrm>
-            <a:off x="457200" y="1773936"/>
-            <a:ext cx="8229600" cy="4623816"/>
-          </a:xfrm>
-        </p:spPr>
-        <p:txBody>
-          <a:bodyPr/>
-          <a:lstStyle/>
-          <a:p>
-            <a:r>
-              <a:rPr lang="en-US" dirty="0" err="1" smtClean="0"/>
-              <a:t>eventXCS</a:t>
-            </a:r>
-            <a:r>
-              <a:rPr lang="en-US" dirty="0" smtClean="0"/>
-              <a:t> shows slow but steady learning with an obstacle-evading prey</a:t>
-            </a:r>
-            <a:endParaRPr lang="en-US" dirty="0"/>
-          </a:p>
-        </p:txBody>
-      </p:sp>
-      <p:pic>
-        <p:nvPicPr>
-          <p:cNvPr id="6" name="Content Placeholder 5"/>
-          <p:cNvPicPr>
-            <a:picLocks noGrp="1" noChangeAspect="1"/>
-          </p:cNvPicPr>
-          <p:nvPr>
-            <p:ph sz="half" idx="2"/>
-          </p:nvPr>
-        </p:nvPicPr>
-        <p:blipFill>
-          <a:blip r:embed="rId2" cstate="print">
-            <a:extLst>
-              <a:ext uri="{28A0092B-C50C-407E-A947-70E740481C1C}">
-                <a14:useLocalDpi xmlns:a14="http://schemas.microsoft.com/office/drawing/2010/main"/>
-              </a:ext>
-            </a:extLst>
-          </a:blip>
-          <a:stretch>
-            <a:fillRect/>
-          </a:stretch>
-        </p:blipFill>
-        <p:spPr>
-          <a:xfrm>
-            <a:off x="457200" y="3124200"/>
-            <a:ext cx="4038600" cy="3290403"/>
-          </a:xfrm>
-          <a:prstGeom prst="rect">
-            <a:avLst/>
-          </a:prstGeom>
-          <a:ln>
-            <a:noFill/>
-          </a:ln>
-          <a:effectLst>
-            <a:outerShdw blurRad="190500" algn="tl" rotWithShape="0">
-              <a:srgbClr xmlns:mc="http://schemas.openxmlformats.org/markup-compatibility/2006" xmlns:a14="http://schemas.microsoft.com/office/drawing/2010/main" val="000000" mc:Ignorable="">
-                <a:alpha val="70000"/>
-              </a:srgbClr>
-            </a:outerShdw>
-          </a:effectLst>
-        </p:spPr>
-      </p:pic>
-      <p:sp>
-        <p:nvSpPr>
-          <p:cNvPr id="5" name="Slide Number Placeholder 4"/>
-          <p:cNvSpPr>
-            <a:spLocks noGrp="1"/>
-          </p:cNvSpPr>
-          <p:nvPr>
-            <p:ph type="sldNum" sz="quarter" idx="12"/>
-          </p:nvPr>
-        </p:nvSpPr>
-        <p:spPr/>
-        <p:txBody>
-          <a:bodyPr/>
-          <a:lstStyle/>
-          <a:p>
-            <a:fld id="{910CD07C-8A7E-4C51-BD5E-C27BF0DA94AA}" type="slidenum">
-              <a:rPr lang="en-US" smtClean="0"/>
-              <a:t>40</a:t>
-            </a:fld>
-            <a:endParaRPr lang="en-US"/>
-          </a:p>
-        </p:txBody>
-      </p:sp>
-      <p:pic>
-        <p:nvPicPr>
-          <p:cNvPr id="7" name="Content Placeholder 5"/>
-          <p:cNvPicPr>
-            <a:picLocks noChangeAspect="1"/>
-          </p:cNvPicPr>
-          <p:nvPr/>
-        </p:nvPicPr>
-        <p:blipFill>
-          <a:blip r:embed="rId3" cstate="print">
-            <a:extLst>
-              <a:ext uri="{28A0092B-C50C-407E-A947-70E740481C1C}">
-                <a14:useLocalDpi xmlns:a14="http://schemas.microsoft.com/office/drawing/2010/main"/>
-              </a:ext>
-            </a:extLst>
-          </a:blip>
-          <a:stretch>
-            <a:fillRect/>
-          </a:stretch>
-        </p:blipFill>
-        <p:spPr>
-          <a:xfrm>
-            <a:off x="4648200" y="3124200"/>
-            <a:ext cx="4038600" cy="3290403"/>
-          </a:xfrm>
-          <a:prstGeom prst="rect">
-            <a:avLst/>
-          </a:prstGeom>
-          <a:ln>
-            <a:noFill/>
-          </a:ln>
-          <a:effectLst>
-            <a:outerShdw blurRad="190500" algn="tl" rotWithShape="0">
-              <a:srgbClr xmlns:mc="http://schemas.openxmlformats.org/markup-compatibility/2006" xmlns:a14="http://schemas.microsoft.com/office/drawing/2010/main" val="000000" mc:Ignorable="">
-                <a:alpha val="70000"/>
-              </a:srgbClr>
-            </a:outerShdw>
-          </a:effectLst>
-        </p:spPr>
-      </p:pic>
-      <p:sp>
-        <p:nvSpPr>
-          <p:cNvPr id="8" name="TextBox 7"/>
-          <p:cNvSpPr txBox="1"/>
-          <p:nvPr/>
-        </p:nvSpPr>
-        <p:spPr>
-          <a:xfrm>
-            <a:off x="5292811" y="2754186"/>
-            <a:ext cx="2895600" cy="369332"/>
-          </a:xfrm>
-          <a:prstGeom prst="rect">
-            <a:avLst/>
-          </a:prstGeom>
-          <a:noFill/>
-        </p:spPr>
-        <p:txBody>
-          <a:bodyPr wrap="square" rtlCol="0">
-            <a:spAutoFit/>
-          </a:bodyPr>
-          <a:lstStyle/>
-          <a:p>
-            <a:r>
-              <a:rPr lang="en-US" dirty="0" smtClean="0"/>
-              <a:t>Predator-evading prey</a:t>
-            </a:r>
-            <a:endParaRPr lang="en-US" dirty="0"/>
-          </a:p>
-        </p:txBody>
-      </p:sp>
-      <p:sp>
-        <p:nvSpPr>
-          <p:cNvPr id="9" name="TextBox 8"/>
-          <p:cNvSpPr txBox="1"/>
-          <p:nvPr/>
-        </p:nvSpPr>
-        <p:spPr>
-          <a:xfrm>
-            <a:off x="1037968" y="2743200"/>
-            <a:ext cx="2895600" cy="369332"/>
-          </a:xfrm>
-          <a:prstGeom prst="rect">
-            <a:avLst/>
-          </a:prstGeom>
-          <a:noFill/>
-        </p:spPr>
-        <p:txBody>
-          <a:bodyPr wrap="square" rtlCol="0">
-            <a:spAutoFit/>
-          </a:bodyPr>
-          <a:lstStyle/>
-          <a:p>
-            <a:r>
-              <a:rPr lang="en-US" dirty="0" smtClean="0"/>
-              <a:t>Obstacle-evading prey</a:t>
-            </a:r>
-            <a:endParaRPr lang="en-US" dirty="0"/>
-          </a:p>
-        </p:txBody>
-      </p:sp>
-    </p:spTree>
-    <p:extLst>
-      <p:ext uri="{BB962C8B-B14F-4D97-AF65-F5344CB8AC3E}">
-        <p14:creationId xmlns:p14="http://schemas.microsoft.com/office/powerpoint/2010/main" val="1465529361"/>
-      </p:ext>
-    </p:extLst>
-  </p:cSld>
-  <p:clrMapOvr>
-    <a:masterClrMapping/>
-  </p:clrMapOvr>
-  <mc:AlternateContent xmlns:mc="http://schemas.openxmlformats.org/markup-compatibility/2006" xmlns:p14="http://schemas.microsoft.com/office/powerpoint/2010/main">
-    <mc:Choice Requires="p14">
-      <p:transition spd="med" p14:dur="699">
-        <p:fade/>
-      </p:transition>
-    </mc:Choice>
-    <mc:Fallback xmlns="">
-      <p:transition xmlns:p14="http://schemas.microsoft.com/office/powerpoint/2010/main" spd="med">
-        <p:fade/>
-      </p:transition>
-    </mc:Fallback>
-  </mc:AlternateContent>
-  <p:timing>
-    <p:tnLst>
-      <p:par>
-        <p:cTn xmlns:p14="http://schemas.microsoft.com/office/powerpoint/2010/main" id="1" dur="indefinite" restart="never" nodeType="tmRoot"/>
-      </p:par>
-    </p:tnLst>
-  </p:timing>
-</p:sld>
-</file>
-
-<file path=ppt/slides/slide41.xml><?xml version="1.0" encoding="utf-8"?>
-<p:sld xmlns:a="http://schemas.openxmlformats.org/drawingml/2006/main" xmlns:r="http://schemas.openxmlformats.org/officeDocument/2006/relationships" xmlns:p="http://schemas.openxmlformats.org/presentationml/2006/main">
-  <p:cSld>
-    <p:spTree>
-      <p:nvGrpSpPr>
-        <p:cNvPr id="1" name=""/>
-        <p:cNvGrpSpPr/>
-        <p:nvPr/>
-      </p:nvGrpSpPr>
-      <p:grpSpPr>
-        <a:xfrm>
-          <a:off x="0" y="0"/>
-          <a:ext cx="0" cy="0"/>
-          <a:chOff x="0" y="0"/>
-          <a:chExt cx="0" cy="0"/>
-        </a:xfrm>
-      </p:grpSpPr>
-      <p:sp>
-        <p:nvSpPr>
-          <p:cNvPr id="2" name="Title 1"/>
-          <p:cNvSpPr>
-            <a:spLocks noGrp="1"/>
-          </p:cNvSpPr>
-          <p:nvPr>
-            <p:ph type="title"/>
-          </p:nvPr>
-        </p:nvSpPr>
-        <p:spPr/>
-        <p:txBody>
-          <a:bodyPr>
-            <a:normAutofit fontScale="90000"/>
-          </a:bodyPr>
-          <a:lstStyle/>
-          <a:p>
-            <a:r>
-              <a:rPr lang="en-US" dirty="0" err="1" smtClean="0"/>
-              <a:t>eventXCS</a:t>
-            </a:r>
-            <a:r>
-              <a:rPr lang="en-US" dirty="0" smtClean="0"/>
-              <a:t> Experimental Results</a:t>
-            </a:r>
-            <a:br>
-              <a:rPr lang="en-US" dirty="0" smtClean="0"/>
-            </a:br>
-            <a:r>
-              <a:rPr lang="en-US" dirty="0" smtClean="0"/>
-              <a:t>“Difficult Scenario”</a:t>
-            </a:r>
-            <a:endParaRPr lang="en-US" dirty="0"/>
-          </a:p>
-        </p:txBody>
-      </p:sp>
-      <p:sp>
-        <p:nvSpPr>
-          <p:cNvPr id="3" name="Content Placeholder 2"/>
-          <p:cNvSpPr>
-            <a:spLocks noGrp="1"/>
-          </p:cNvSpPr>
-          <p:nvPr>
-            <p:ph sz="half" idx="1"/>
-          </p:nvPr>
-        </p:nvSpPr>
-        <p:spPr/>
-        <p:txBody>
-          <a:bodyPr/>
-          <a:lstStyle/>
-          <a:p>
-            <a:r>
-              <a:rPr lang="en-US" dirty="0" err="1" smtClean="0"/>
-              <a:t>eventXCS</a:t>
-            </a:r>
-            <a:r>
-              <a:rPr lang="en-US" dirty="0" smtClean="0"/>
-              <a:t> fails in this scenario</a:t>
-            </a:r>
-          </a:p>
-          <a:p>
-            <a:r>
-              <a:rPr lang="en-US" dirty="0" smtClean="0"/>
-              <a:t>Using “tournament selection” it shows acceptable results with no sign of unlearning</a:t>
-            </a:r>
-            <a:endParaRPr lang="en-US" dirty="0"/>
-          </a:p>
-        </p:txBody>
-      </p:sp>
-      <p:pic>
-        <p:nvPicPr>
-          <p:cNvPr id="6" name="Content Placeholder 5"/>
-          <p:cNvPicPr>
-            <a:picLocks noGrp="1" noChangeAspect="1"/>
-          </p:cNvPicPr>
-          <p:nvPr>
-            <p:ph sz="half" idx="2"/>
-          </p:nvPr>
-        </p:nvPicPr>
-        <p:blipFill>
-          <a:blip r:embed="rId2" cstate="print">
-            <a:extLst>
-              <a:ext uri="{28A0092B-C50C-407E-A947-70E740481C1C}">
-                <a14:useLocalDpi xmlns:a14="http://schemas.microsoft.com/office/drawing/2010/main"/>
-              </a:ext>
-            </a:extLst>
-          </a:blip>
-          <a:stretch>
-            <a:fillRect/>
-          </a:stretch>
-        </p:blipFill>
-        <p:spPr>
-          <a:xfrm>
-            <a:off x="4648200" y="2440229"/>
-            <a:ext cx="4038600" cy="3290403"/>
-          </a:xfrm>
-          <a:prstGeom prst="rect">
-            <a:avLst/>
-          </a:prstGeom>
-          <a:ln>
-            <a:noFill/>
-          </a:ln>
-          <a:effectLst>
-            <a:outerShdw blurRad="190500" algn="tl" rotWithShape="0">
-              <a:srgbClr xmlns:mc="http://schemas.openxmlformats.org/markup-compatibility/2006" xmlns:a14="http://schemas.microsoft.com/office/drawing/2010/main" val="000000" mc:Ignorable="">
-                <a:alpha val="70000"/>
-              </a:srgbClr>
-            </a:outerShdw>
-          </a:effectLst>
-        </p:spPr>
-      </p:pic>
-      <p:sp>
-        <p:nvSpPr>
-          <p:cNvPr id="5" name="Slide Number Placeholder 4"/>
-          <p:cNvSpPr>
-            <a:spLocks noGrp="1"/>
-          </p:cNvSpPr>
-          <p:nvPr>
-            <p:ph type="sldNum" sz="quarter" idx="12"/>
-          </p:nvPr>
-        </p:nvSpPr>
-        <p:spPr/>
-        <p:txBody>
-          <a:bodyPr/>
-          <a:lstStyle/>
-          <a:p>
-            <a:fld id="{910CD07C-8A7E-4C51-BD5E-C27BF0DA94AA}" type="slidenum">
-              <a:rPr lang="en-US" smtClean="0"/>
-              <a:t>41</a:t>
-            </a:fld>
-            <a:endParaRPr lang="en-US"/>
-          </a:p>
-        </p:txBody>
-      </p:sp>
-      <p:sp>
-        <p:nvSpPr>
-          <p:cNvPr id="7" name="TextBox 6"/>
-          <p:cNvSpPr txBox="1"/>
-          <p:nvPr/>
-        </p:nvSpPr>
-        <p:spPr>
-          <a:xfrm>
-            <a:off x="5181600" y="2057400"/>
-            <a:ext cx="2895600" cy="369332"/>
-          </a:xfrm>
-          <a:prstGeom prst="rect">
-            <a:avLst/>
-          </a:prstGeom>
-          <a:noFill/>
-        </p:spPr>
-        <p:txBody>
-          <a:bodyPr wrap="square" rtlCol="0">
-            <a:spAutoFit/>
-          </a:bodyPr>
-          <a:lstStyle/>
-          <a:p>
-            <a:r>
-              <a:rPr lang="en-US" dirty="0" smtClean="0"/>
-              <a:t>Blinded prey</a:t>
-            </a:r>
-            <a:endParaRPr lang="en-US" dirty="0"/>
-          </a:p>
-        </p:txBody>
-      </p:sp>
-    </p:spTree>
-    <p:extLst>
-      <p:ext uri="{BB962C8B-B14F-4D97-AF65-F5344CB8AC3E}">
-        <p14:creationId xmlns:p14="http://schemas.microsoft.com/office/powerpoint/2010/main" val="1965959488"/>
-      </p:ext>
-    </p:extLst>
-  </p:cSld>
-  <p:clrMapOvr>
-    <a:masterClrMapping/>
-  </p:clrMapOvr>
-  <mc:AlternateContent xmlns:mc="http://schemas.openxmlformats.org/markup-compatibility/2006" xmlns:p14="http://schemas.microsoft.com/office/powerpoint/2010/main">
-    <mc:Choice Requires="p14">
-      <p:transition spd="med" p14:dur="699">
-        <p:fade/>
-      </p:transition>
-    </mc:Choice>
-    <mc:Fallback xmlns="">
-      <p:transition xmlns:p14="http://schemas.microsoft.com/office/powerpoint/2010/main" spd="med">
-        <p:fade/>
-      </p:transition>
-    </mc:Fallback>
-  </mc:AlternateContent>
-  <p:timing>
-    <p:tnLst>
-      <p:par>
-        <p:cTn xmlns:p14="http://schemas.microsoft.com/office/powerpoint/2010/main" id="1" dur="indefinite" restart="never" nodeType="tmRoot"/>
-      </p:par>
-    </p:tnLst>
-  </p:timing>
-</p:sld>
-</file>
-
-<file path=ppt/slides/slide42.xml><?xml version="1.0" encoding="utf-8"?>
-<p:sld xmlns:a="http://schemas.openxmlformats.org/drawingml/2006/main" xmlns:r="http://schemas.openxmlformats.org/officeDocument/2006/relationships" xmlns:p="http://schemas.openxmlformats.org/presentationml/2006/main">
-  <p:cSld>
-    <p:spTree>
-      <p:nvGrpSpPr>
-        <p:cNvPr id="1" name=""/>
-        <p:cNvGrpSpPr/>
-        <p:nvPr/>
-      </p:nvGrpSpPr>
-      <p:grpSpPr>
-        <a:xfrm>
-          <a:off x="0" y="0"/>
-          <a:ext cx="0" cy="0"/>
-          <a:chOff x="0" y="0"/>
-          <a:chExt cx="0" cy="0"/>
-        </a:xfrm>
-      </p:grpSpPr>
-      <p:sp>
-        <p:nvSpPr>
-          <p:cNvPr id="4" name="Title 3"/>
-          <p:cNvSpPr>
-            <a:spLocks noGrp="1"/>
-          </p:cNvSpPr>
-          <p:nvPr>
-            <p:ph type="title"/>
-          </p:nvPr>
-        </p:nvSpPr>
-        <p:spPr/>
-        <p:txBody>
-          <a:bodyPr>
-            <a:normAutofit/>
-          </a:bodyPr>
-          <a:lstStyle/>
-          <a:p>
-            <a:r>
-              <a:rPr lang="en-US" dirty="0" smtClean="0"/>
-              <a:t>Conclusion</a:t>
-            </a:r>
-            <a:endParaRPr lang="en-US" dirty="0"/>
-          </a:p>
-        </p:txBody>
-      </p:sp>
-      <p:sp>
-        <p:nvSpPr>
-          <p:cNvPr id="3" name="Content Placeholder 2"/>
-          <p:cNvSpPr>
-            <a:spLocks noGrp="1"/>
-          </p:cNvSpPr>
-          <p:nvPr>
-            <p:ph sz="half" idx="1"/>
-          </p:nvPr>
-        </p:nvSpPr>
-        <p:spPr/>
-        <p:txBody>
-          <a:bodyPr>
-            <a:normAutofit/>
-          </a:bodyPr>
-          <a:lstStyle/>
-          <a:p>
-            <a:endParaRPr lang="en-US"/>
-          </a:p>
-        </p:txBody>
-      </p:sp>
-      <p:sp>
-        <p:nvSpPr>
-          <p:cNvPr id="6" name="Content Placeholder 5"/>
-          <p:cNvSpPr>
-            <a:spLocks noGrp="1"/>
-          </p:cNvSpPr>
-          <p:nvPr>
-            <p:ph sz="half" idx="2"/>
-          </p:nvPr>
-        </p:nvSpPr>
-        <p:spPr/>
-        <p:txBody>
-          <a:bodyPr>
-            <a:normAutofit/>
-          </a:bodyPr>
-          <a:lstStyle/>
-          <a:p>
-            <a:endParaRPr lang="en-US" dirty="0" smtClean="0"/>
-          </a:p>
-        </p:txBody>
-      </p:sp>
-      <p:sp>
-        <p:nvSpPr>
-          <p:cNvPr id="2" name="Slide Number Placeholder 1"/>
-          <p:cNvSpPr>
-            <a:spLocks noGrp="1"/>
-          </p:cNvSpPr>
-          <p:nvPr>
-            <p:ph type="sldNum" sz="quarter" idx="12"/>
-          </p:nvPr>
-        </p:nvSpPr>
-        <p:spPr/>
-        <p:txBody>
-          <a:bodyPr/>
-          <a:lstStyle/>
-          <a:p>
-            <a:fld id="{910CD07C-8A7E-4C51-BD5E-C27BF0DA94AA}" type="slidenum">
-              <a:rPr lang="en-US" smtClean="0"/>
-              <a:t>42</a:t>
-            </a:fld>
-            <a:endParaRPr lang="en-US"/>
-          </a:p>
-        </p:txBody>
-      </p:sp>
-      <p:pic>
-        <p:nvPicPr>
-          <p:cNvPr id="8" name="Content Placeholder 4"/>
-          <p:cNvPicPr>
-            <a:picLocks noChangeAspect="1"/>
-          </p:cNvPicPr>
-          <p:nvPr/>
-        </p:nvPicPr>
-        <p:blipFill rotWithShape="1">
-          <a:blip r:embed="rId2" cstate="print">
-            <a:extLst>
-              <a:ext uri="{28A0092B-C50C-407E-A947-70E740481C1C}">
-                <a14:useLocalDpi xmlns:a14="http://schemas.microsoft.com/office/drawing/2010/main"/>
-              </a:ext>
-            </a:extLst>
-          </a:blip>
-          <a:srcRect/>
-          <a:stretch/>
-        </p:blipFill>
-        <p:spPr>
-          <a:xfrm>
-            <a:off x="904579" y="1676401"/>
-            <a:ext cx="2990088" cy="4416551"/>
-          </a:xfrm>
-          <a:prstGeom prst="rect">
-            <a:avLst/>
-          </a:prstGeom>
-          <a:ln w="88900" cap="sq" cmpd="thickThin">
-            <a:solidFill>
-              <a:srgbClr xmlns:mc="http://schemas.openxmlformats.org/markup-compatibility/2006" xmlns:a14="http://schemas.microsoft.com/office/drawing/2010/main" val="000000" mc:Ignorable=""/>
-            </a:solidFill>
-            <a:prstDash val="solid"/>
-            <a:miter lim="800000"/>
-          </a:ln>
-          <a:effectLst>
-            <a:innerShdw blurRad="76200">
-              <a:srgbClr xmlns:mc="http://schemas.openxmlformats.org/markup-compatibility/2006" xmlns:a14="http://schemas.microsoft.com/office/drawing/2010/main" val="000000" mc:Ignorable=""/>
-            </a:innerShdw>
-          </a:effectLst>
-        </p:spPr>
-      </p:pic>
-    </p:spTree>
-    <p:extLst>
-      <p:ext uri="{BB962C8B-B14F-4D97-AF65-F5344CB8AC3E}">
-        <p14:creationId xmlns:p14="http://schemas.microsoft.com/office/powerpoint/2010/main" val="398734326"/>
-      </p:ext>
-    </p:extLst>
-  </p:cSld>
-  <p:clrMapOvr>
-    <a:masterClrMapping/>
-  </p:clrMapOvr>
-  <mc:AlternateContent xmlns:mc="http://schemas.openxmlformats.org/markup-compatibility/2006" xmlns:p14="http://schemas.microsoft.com/office/powerpoint/2010/main">
-    <mc:Choice Requires="p14">
-      <p:transition spd="slow" p14:dur="1600">
-        <p14:conveyor dir="l"/>
-      </p:transition>
-    </mc:Choice>
-    <mc:Fallback xmlns="">
-      <p:transition xmlns:p14="http://schemas.microsoft.com/office/powerpoint/2010/main" spd="slow">
-        <p:fade/>
-      </p:transition>
-    </mc:Fallback>
-  </mc:AlternateContent>
-  <p:timing>
-    <p:tnLst>
-      <p:par>
-        <p:cTn xmlns:p14="http://schemas.microsoft.com/office/powerpoint/2010/main" id="1" dur="indefinite" restart="never" nodeType="tmRoot"/>
-      </p:par>
-    </p:tnLst>
-  </p:timing>
-</p:sld>
-</file>
-
-<file path=ppt/slides/slide43.xml><?xml version="1.0" encoding="utf-8"?>
-<p:sld xmlns:a="http://schemas.openxmlformats.org/drawingml/2006/main" xmlns:r="http://schemas.openxmlformats.org/officeDocument/2006/relationships" xmlns:p="http://schemas.openxmlformats.org/presentationml/2006/main">
-  <p:cSld>
-    <p:spTree>
-      <p:nvGrpSpPr>
-        <p:cNvPr id="1" name=""/>
-        <p:cNvGrpSpPr/>
-        <p:nvPr/>
-      </p:nvGrpSpPr>
-      <p:grpSpPr>
-        <a:xfrm>
-          <a:off x="0" y="0"/>
-          <a:ext cx="0" cy="0"/>
-          <a:chOff x="0" y="0"/>
-          <a:chExt cx="0" cy="0"/>
-        </a:xfrm>
-      </p:grpSpPr>
-      <p:sp>
-        <p:nvSpPr>
-          <p:cNvPr id="4" name="Title 3"/>
-          <p:cNvSpPr>
-            <a:spLocks noGrp="1"/>
-          </p:cNvSpPr>
-          <p:nvPr>
-            <p:ph type="title"/>
-          </p:nvPr>
-        </p:nvSpPr>
-        <p:spPr/>
-        <p:txBody>
-          <a:bodyPr>
-            <a:normAutofit fontScale="90000"/>
-          </a:bodyPr>
-          <a:lstStyle/>
-          <a:p>
-            <a:r>
-              <a:rPr lang="en-US" dirty="0" smtClean="0"/>
-              <a:t>Adaption of XCS to Multi-Learner Predator/Prey Scenarios</a:t>
-            </a:r>
-            <a:endParaRPr lang="en-US" dirty="0"/>
-          </a:p>
-        </p:txBody>
-      </p:sp>
-      <p:pic>
-        <p:nvPicPr>
-          <p:cNvPr id="7" name="Content Placeholder 6"/>
-          <p:cNvPicPr>
-            <a:picLocks noGrp="1" noChangeAspect="1"/>
-          </p:cNvPicPr>
-          <p:nvPr>
-            <p:ph sz="half" idx="1"/>
-          </p:nvPr>
-        </p:nvPicPr>
-        <p:blipFill>
-          <a:blip r:embed="rId2" cstate="print">
-            <a:extLst>
-              <a:ext uri="{28A0092B-C50C-407E-A947-70E740481C1C}">
-                <a14:useLocalDpi xmlns:a14="http://schemas.microsoft.com/office/drawing/2010/main"/>
-              </a:ext>
-            </a:extLst>
-          </a:blip>
-          <a:stretch>
-            <a:fillRect/>
-          </a:stretch>
-        </p:blipFill>
-        <p:spPr>
-          <a:xfrm>
-            <a:off x="838200" y="1676401"/>
-            <a:ext cx="2987004" cy="4416551"/>
-          </a:xfrm>
-          <a:prstGeom prst="rect">
-            <a:avLst/>
-          </a:prstGeom>
-          <a:ln w="88900" cap="sq" cmpd="thickThin">
-            <a:solidFill>
-              <a:srgbClr xmlns:mc="http://schemas.openxmlformats.org/markup-compatibility/2006" xmlns:a14="http://schemas.microsoft.com/office/drawing/2010/main" val="000000" mc:Ignorable=""/>
-            </a:solidFill>
-            <a:prstDash val="solid"/>
-            <a:miter lim="800000"/>
-          </a:ln>
-          <a:effectLst>
-            <a:innerShdw blurRad="76200">
-              <a:srgbClr xmlns:mc="http://schemas.openxmlformats.org/markup-compatibility/2006" xmlns:a14="http://schemas.microsoft.com/office/drawing/2010/main" val="000000" mc:Ignorable=""/>
-            </a:innerShdw>
-          </a:effectLst>
-        </p:spPr>
-      </p:pic>
-      <p:sp>
-        <p:nvSpPr>
-          <p:cNvPr id="6" name="Content Placeholder 5"/>
-          <p:cNvSpPr>
-            <a:spLocks noGrp="1"/>
-          </p:cNvSpPr>
-          <p:nvPr>
-            <p:ph sz="half" idx="2"/>
-          </p:nvPr>
-        </p:nvSpPr>
-        <p:spPr/>
-        <p:txBody>
-          <a:bodyPr>
-            <a:normAutofit/>
-          </a:bodyPr>
-          <a:lstStyle/>
-          <a:p>
-            <a:r>
-              <a:rPr lang="en-US" dirty="0" smtClean="0"/>
-              <a:t>Thank you for your </a:t>
-            </a:r>
-            <a:r>
-              <a:rPr lang="en-US" dirty="0" err="1" smtClean="0"/>
-              <a:t>attendence</a:t>
-            </a:r>
-            <a:r>
-              <a:rPr lang="en-US" dirty="0" smtClean="0"/>
-              <a:t>!</a:t>
-            </a:r>
-            <a:endParaRPr lang="en-US" dirty="0"/>
-          </a:p>
-        </p:txBody>
-      </p:sp>
-      <p:sp>
-        <p:nvSpPr>
-          <p:cNvPr id="9" name="Slide Number Placeholder 8"/>
-          <p:cNvSpPr>
-            <a:spLocks noGrp="1"/>
-          </p:cNvSpPr>
-          <p:nvPr>
-            <p:ph type="sldNum" sz="quarter" idx="12"/>
-          </p:nvPr>
-        </p:nvSpPr>
-        <p:spPr/>
-        <p:txBody>
-          <a:bodyPr/>
-          <a:lstStyle/>
-          <a:p>
-            <a:fld id="{910CD07C-8A7E-4C51-BD5E-C27BF0DA94AA}" type="slidenum">
-              <a:rPr lang="en-US" smtClean="0"/>
-              <a:t>43</a:t>
-            </a:fld>
-            <a:endParaRPr lang="en-US"/>
-          </a:p>
-        </p:txBody>
-      </p:sp>
-      <p:sp>
-        <p:nvSpPr>
-          <p:cNvPr id="2" name="Oval Callout 1"/>
-          <p:cNvSpPr/>
-          <p:nvPr/>
-        </p:nvSpPr>
-        <p:spPr>
-          <a:xfrm>
-            <a:off x="1676400" y="3078834"/>
-            <a:ext cx="1524001" cy="765033"/>
-          </a:xfrm>
-          <a:prstGeom prst="wedgeEllipseCallout">
-            <a:avLst/>
-          </a:prstGeom>
-          <a:solidFill>
-            <a:schemeClr val="bg1">
-              <a:alpha val="75000"/>
-            </a:schemeClr>
-          </a:solidFill>
-          <a:ln>
-            <a:noFill/>
-          </a:ln>
-        </p:spPr>
-        <p:style>
-          <a:lnRef idx="2">
-            <a:schemeClr val="accent1">
-              <a:shade val="50000"/>
-            </a:schemeClr>
-          </a:lnRef>
-          <a:fillRef idx="1">
-            <a:schemeClr val="accent1"/>
-          </a:fillRef>
-          <a:effectRef idx="0">
-            <a:schemeClr val="accent1"/>
-          </a:effectRef>
-          <a:fontRef idx="minor">
-            <a:schemeClr val="lt1"/>
-          </a:fontRef>
-        </p:style>
-        <p:txBody>
-          <a:bodyPr lIns="91429" tIns="45715" rIns="91429" bIns="45715" rtlCol="0" anchor="ctr"/>
-          <a:lstStyle/>
-          <a:p>
-            <a:pPr algn="ctr"/>
-            <a:endParaRPr lang="en-US"/>
-          </a:p>
-        </p:txBody>
-      </p:sp>
-      <p:sp>
-        <p:nvSpPr>
-          <p:cNvPr id="3" name="TextBox 2"/>
-          <p:cNvSpPr txBox="1"/>
-          <p:nvPr/>
-        </p:nvSpPr>
-        <p:spPr>
-          <a:xfrm>
-            <a:off x="1676400" y="3263498"/>
-            <a:ext cx="1676400" cy="400099"/>
-          </a:xfrm>
-          <a:prstGeom prst="rect">
-            <a:avLst/>
-          </a:prstGeom>
-          <a:noFill/>
-        </p:spPr>
-        <p:txBody>
-          <a:bodyPr wrap="square" lIns="91429" tIns="45715" rIns="91429" bIns="45715" rtlCol="0">
-            <a:spAutoFit/>
-          </a:bodyPr>
-          <a:lstStyle/>
-          <a:p>
-            <a:r>
-              <a:rPr lang="en-US" sz="2000" b="1" dirty="0"/>
-              <a:t>Questions?</a:t>
-            </a:r>
-          </a:p>
-        </p:txBody>
-      </p:sp>
-    </p:spTree>
-    <p:extLst>
-      <p:ext uri="{BB962C8B-B14F-4D97-AF65-F5344CB8AC3E}">
-        <p14:creationId xmlns:p14="http://schemas.microsoft.com/office/powerpoint/2010/main" val="4289746280"/>
-      </p:ext>
-    </p:extLst>
-  </p:cSld>
-  <p:clrMapOvr>
-    <a:masterClrMapping/>
-  </p:clrMapOvr>
-  <mc:AlternateContent xmlns:mc="http://schemas.openxmlformats.org/markup-compatibility/2006" xmlns:p14="http://schemas.microsoft.com/office/powerpoint/2010/main">
-    <mc:Choice Requires="p14">
-      <p:transition spd="slow" p14:dur="800">
-        <p14:flythrough/>
-      </p:transition>
-    </mc:Choice>
-    <mc:Fallback xmlns="">
-      <p:transition xmlns:p14="http://schemas.microsoft.com/office/powerpoint/2010/main" spd="slow">
-        <p:fade/>
-      </p:transition>
-    </mc:Fallback>
-  </mc:AlternateContent>
-  <p:timing>
-    <p:tnLst>
-      <p:par>
-        <p:cTn xmlns:p14="http://schemas.microsoft.com/office/powerpoint/2010/main" id="1" dur="indefinite" restart="never" nodeType="tmRoot"/>
-      </p:par>
-    </p:tnLst>
-  </p:timing>
-</p:sld>
-</file>
-
-<file path=ppt/slides/slide44.xml><?xml version="1.0" encoding="utf-8"?>
-<p:sld xmlns:a="http://schemas.openxmlformats.org/drawingml/2006/main" xmlns:r="http://schemas.openxmlformats.org/officeDocument/2006/relationships" xmlns:p="http://schemas.openxmlformats.org/presentationml/2006/main">
-  <p:cSld>
-    <p:spTree>
-      <p:nvGrpSpPr>
-        <p:cNvPr id="1" name=""/>
-        <p:cNvGrpSpPr/>
-        <p:nvPr/>
-      </p:nvGrpSpPr>
-      <p:grpSpPr>
-        <a:xfrm>
-          <a:off x="0" y="0"/>
-          <a:ext cx="0" cy="0"/>
-          <a:chOff x="0" y="0"/>
-          <a:chExt cx="0" cy="0"/>
-        </a:xfrm>
-      </p:grpSpPr>
-      <p:sp>
-        <p:nvSpPr>
-          <p:cNvPr id="2" name="Title 1"/>
-          <p:cNvSpPr>
-            <a:spLocks noGrp="1"/>
-          </p:cNvSpPr>
-          <p:nvPr>
-            <p:ph type="title"/>
-          </p:nvPr>
-        </p:nvSpPr>
-        <p:spPr/>
-        <p:txBody>
-          <a:bodyPr/>
-          <a:lstStyle/>
-          <a:p>
-            <a:r>
-              <a:rPr lang="en-US" dirty="0" smtClean="0"/>
-              <a:t>Backup slides</a:t>
-            </a:r>
-            <a:endParaRPr lang="en-US" dirty="0"/>
-          </a:p>
-        </p:txBody>
-      </p:sp>
-      <p:sp>
-        <p:nvSpPr>
-          <p:cNvPr id="3" name="Content Placeholder 2"/>
-          <p:cNvSpPr>
-            <a:spLocks noGrp="1"/>
-          </p:cNvSpPr>
-          <p:nvPr>
-            <p:ph sz="half" idx="1"/>
-          </p:nvPr>
-        </p:nvSpPr>
-        <p:spPr/>
-        <p:txBody>
-          <a:bodyPr/>
-          <a:lstStyle/>
-          <a:p>
-            <a:endParaRPr lang="en-US"/>
-          </a:p>
-        </p:txBody>
-      </p:sp>
-      <p:sp>
-        <p:nvSpPr>
-          <p:cNvPr id="4" name="Content Placeholder 3"/>
-          <p:cNvSpPr>
-            <a:spLocks noGrp="1"/>
-          </p:cNvSpPr>
-          <p:nvPr>
-            <p:ph sz="half" idx="2"/>
-          </p:nvPr>
-        </p:nvSpPr>
-        <p:spPr/>
-        <p:txBody>
-          <a:bodyPr/>
-          <a:lstStyle/>
-          <a:p>
-            <a:endParaRPr lang="en-US"/>
-          </a:p>
-        </p:txBody>
-      </p:sp>
-      <p:sp>
-        <p:nvSpPr>
-          <p:cNvPr id="5" name="Slide Number Placeholder 4"/>
-          <p:cNvSpPr>
-            <a:spLocks noGrp="1"/>
-          </p:cNvSpPr>
-          <p:nvPr>
-            <p:ph type="sldNum" sz="quarter" idx="12"/>
-          </p:nvPr>
-        </p:nvSpPr>
-        <p:spPr/>
-        <p:txBody>
-          <a:bodyPr/>
-          <a:lstStyle/>
-          <a:p>
-            <a:fld id="{910CD07C-8A7E-4C51-BD5E-C27BF0DA94AA}" type="slidenum">
-              <a:rPr lang="en-US" smtClean="0"/>
-              <a:t>44</a:t>
-            </a:fld>
-            <a:endParaRPr lang="en-US"/>
-          </a:p>
-        </p:txBody>
-      </p:sp>
-    </p:spTree>
-    <p:extLst>
-      <p:ext uri="{BB962C8B-B14F-4D97-AF65-F5344CB8AC3E}">
-        <p14:creationId xmlns:p14="http://schemas.microsoft.com/office/powerpoint/2010/main" val="4261988701"/>
-      </p:ext>
-    </p:extLst>
-  </p:cSld>
-  <p:clrMapOvr>
-    <a:masterClrMapping/>
-  </p:clrMapOvr>
-  <p:timing>
-    <p:tnLst>
-      <p:par>
-        <p:cTn xmlns:p14="http://schemas.microsoft.com/office/powerpoint/2010/main" id="1" dur="indefinite" restart="never" nodeType="tmRoot"/>
-      </p:par>
-    </p:tnLst>
-  </p:timing>
-</p:sld>
-</file>
-
-<file path=ppt/slides/slide45.xml><?xml version="1.0" encoding="utf-8"?>
-<p:sld xmlns:a="http://schemas.openxmlformats.org/drawingml/2006/main" xmlns:r="http://schemas.openxmlformats.org/officeDocument/2006/relationships" xmlns:p="http://schemas.openxmlformats.org/presentationml/2006/main">
-  <p:cSld>
-    <p:spTree>
-      <p:nvGrpSpPr>
-        <p:cNvPr id="1" name=""/>
-        <p:cNvGrpSpPr/>
-        <p:nvPr/>
-      </p:nvGrpSpPr>
-      <p:grpSpPr>
-        <a:xfrm>
-          <a:off x="0" y="0"/>
-          <a:ext cx="0" cy="0"/>
-          <a:chOff x="0" y="0"/>
-          <a:chExt cx="0" cy="0"/>
-        </a:xfrm>
-      </p:grpSpPr>
-      <p:sp>
-        <p:nvSpPr>
-          <p:cNvPr id="2" name="Title 1"/>
-          <p:cNvSpPr>
-            <a:spLocks noGrp="1"/>
-          </p:cNvSpPr>
-          <p:nvPr>
-            <p:ph type="title"/>
-          </p:nvPr>
-        </p:nvSpPr>
-        <p:spPr/>
-        <p:txBody>
           <a:bodyPr/>
           <a:lstStyle/>
           <a:p>
@@ -21966,7 +21225,7 @@
           <a:p>
             <a:fld id="{910CD07C-8A7E-4C51-BD5E-C27BF0DA94AA}" type="slidenum">
               <a:rPr lang="en-US" smtClean="0"/>
-              <a:t>45</a:t>
+              <a:t>39</a:t>
             </a:fld>
             <a:endParaRPr lang="en-US"/>
           </a:p>
@@ -22092,7 +21351,7 @@
             <a:fld id="{910CD07C-8A7E-4C51-BD5E-C27BF0DA94AA}" type="slidenum">
               <a:rPr lang="en-US" smtClean="0"/>
               <a:pPr/>
-              <a:t>45</a:t>
+              <a:t>39</a:t>
             </a:fld>
             <a:endParaRPr lang="en-US"/>
           </a:p>
@@ -22196,7 +21455,7 @@
 </p:sld>
 </file>
 
-<file path=ppt/slides/slide46.xml><?xml version="1.0" encoding="utf-8"?>
+<file path=ppt/slides/slide4.xml><?xml version="1.0" encoding="utf-8"?>
 <p:sld xmlns:a="http://schemas.openxmlformats.org/drawingml/2006/main" xmlns:r="http://schemas.openxmlformats.org/officeDocument/2006/relationships" xmlns:p="http://schemas.openxmlformats.org/presentationml/2006/main">
   <p:cSld>
     <p:spTree>
@@ -22215,6 +21474,193 @@
       </p:grpSpPr>
       <p:sp>
         <p:nvSpPr>
+          <p:cNvPr id="4" name="Title 3"/>
+          <p:cNvSpPr>
+            <a:spLocks noGrp="1"/>
+          </p:cNvSpPr>
+          <p:nvPr>
+            <p:ph type="title"/>
+          </p:nvPr>
+        </p:nvSpPr>
+        <p:spPr/>
+        <p:txBody>
+          <a:bodyPr>
+            <a:normAutofit/>
+          </a:bodyPr>
+          <a:lstStyle/>
+          <a:p>
+            <a:r>
+              <a:rPr lang="en-US" dirty="0" smtClean="0"/>
+              <a:t>Learning Classifier Systems</a:t>
+            </a:r>
+            <a:endParaRPr lang="en-US" dirty="0"/>
+          </a:p>
+        </p:txBody>
+      </p:sp>
+      <p:pic>
+        <p:nvPicPr>
+          <p:cNvPr id="3" name="Content Placeholder 6"/>
+          <p:cNvPicPr>
+            <a:picLocks noGrp="1" noChangeAspect="1"/>
+          </p:cNvPicPr>
+          <p:nvPr>
+            <p:ph sz="half" idx="1"/>
+          </p:nvPr>
+        </p:nvPicPr>
+        <p:blipFill>
+          <a:blip r:embed="rId2" cstate="print">
+            <a:extLst>
+              <a:ext uri="{28A0092B-C50C-407E-A947-70E740481C1C}">
+                <a14:useLocalDpi xmlns:a14="http://schemas.microsoft.com/office/drawing/2010/main" val="0"/>
+              </a:ext>
+            </a:extLst>
+          </a:blip>
+          <a:stretch>
+            <a:fillRect/>
+          </a:stretch>
+        </p:blipFill>
+        <p:spPr>
+          <a:xfrm>
+            <a:off x="1295400" y="1752600"/>
+            <a:ext cx="2419004" cy="2475114"/>
+          </a:xfrm>
+        </p:spPr>
+      </p:pic>
+      <p:sp>
+        <p:nvSpPr>
+          <p:cNvPr id="2" name="Content Placeholder 1"/>
+          <p:cNvSpPr>
+            <a:spLocks noGrp="1"/>
+          </p:cNvSpPr>
+          <p:nvPr>
+            <p:ph sz="half" idx="2"/>
+          </p:nvPr>
+        </p:nvSpPr>
+        <p:spPr/>
+        <p:txBody>
+          <a:bodyPr/>
+          <a:lstStyle/>
+          <a:p>
+            <a:r>
+              <a:rPr lang="en-US" dirty="0" smtClean="0"/>
+              <a:t>Standard (Multi-Step) Problem:</a:t>
+            </a:r>
+          </a:p>
+          <a:p>
+            <a:pPr lvl="1"/>
+            <a:r>
+              <a:rPr lang="en-US" dirty="0" smtClean="0"/>
+              <a:t>Maze6</a:t>
+            </a:r>
+          </a:p>
+          <a:p>
+            <a:r>
+              <a:rPr lang="en-US" dirty="0" smtClean="0"/>
+              <a:t>Goal:</a:t>
+            </a:r>
+          </a:p>
+          <a:p>
+            <a:pPr lvl="1"/>
+            <a:r>
+              <a:rPr lang="en-US" dirty="0"/>
+              <a:t>Find </a:t>
+            </a:r>
+            <a:r>
+              <a:rPr lang="en-US" dirty="0" smtClean="0"/>
+              <a:t>the shortest </a:t>
+            </a:r>
+            <a:r>
+              <a:rPr lang="en-US" dirty="0"/>
+              <a:t>path to </a:t>
+            </a:r>
+            <a:r>
+              <a:rPr lang="en-US" dirty="0" smtClean="0"/>
+              <a:t>from a random position to food</a:t>
+            </a:r>
+            <a:endParaRPr lang="en-US" dirty="0"/>
+          </a:p>
+        </p:txBody>
+      </p:sp>
+      <p:sp>
+        <p:nvSpPr>
+          <p:cNvPr id="5" name="TextBox 4"/>
+          <p:cNvSpPr txBox="1"/>
+          <p:nvPr/>
+        </p:nvSpPr>
+        <p:spPr>
+          <a:xfrm>
+            <a:off x="1066800" y="4343400"/>
+            <a:ext cx="2895600" cy="646331"/>
+          </a:xfrm>
+          <a:prstGeom prst="rect">
+            <a:avLst/>
+          </a:prstGeom>
+          <a:noFill/>
+        </p:spPr>
+        <p:txBody>
+          <a:bodyPr wrap="square" rtlCol="0">
+            <a:spAutoFit/>
+          </a:bodyPr>
+          <a:lstStyle/>
+          <a:p>
+            <a:pPr algn="ctr"/>
+            <a:r>
+              <a:rPr lang="en-US" dirty="0" smtClean="0"/>
+              <a:t>T: Tree</a:t>
+            </a:r>
+          </a:p>
+          <a:p>
+            <a:pPr algn="ctr"/>
+            <a:r>
+              <a:rPr lang="en-US" dirty="0" smtClean="0"/>
+              <a:t>F: Food</a:t>
+            </a:r>
+            <a:endParaRPr lang="en-US" dirty="0"/>
+          </a:p>
+        </p:txBody>
+      </p:sp>
+    </p:spTree>
+    <p:extLst>
+      <p:ext uri="{BB962C8B-B14F-4D97-AF65-F5344CB8AC3E}">
+        <p14:creationId xmlns:p14="http://schemas.microsoft.com/office/powerpoint/2010/main" val="3537393844"/>
+      </p:ext>
+    </p:extLst>
+  </p:cSld>
+  <p:clrMapOvr>
+    <a:masterClrMapping/>
+  </p:clrMapOvr>
+  <p:transition xmlns:p14="http://schemas.microsoft.com/office/powerpoint/2010/main" spd="slow">
+    <p:wipe/>
+  </p:transition>
+  <p:timing>
+    <p:tnLst>
+      <p:par>
+        <p:cTn xmlns:p14="http://schemas.microsoft.com/office/powerpoint/2010/main" id="1" dur="indefinite" restart="never" nodeType="tmRoot"/>
+      </p:par>
+    </p:tnLst>
+  </p:timing>
+</p:sld>
+</file>
+
+<file path=ppt/slides/slide40.xml><?xml version="1.0" encoding="utf-8"?>
+<p:sld xmlns:a="http://schemas.openxmlformats.org/drawingml/2006/main" xmlns:r="http://schemas.openxmlformats.org/officeDocument/2006/relationships" xmlns:p="http://schemas.openxmlformats.org/presentationml/2006/main">
+  <p:cSld>
+    <p:spTree>
+      <p:nvGrpSpPr>
+        <p:cNvPr id="1" name=""/>
+        <p:cNvGrpSpPr/>
+        <p:nvPr/>
+      </p:nvGrpSpPr>
+      <p:grpSpPr>
+        <a:xfrm>
+          <a:off x="0" y="0"/>
+          <a:ext cx="0" cy="0"/>
+          <a:chOff x="0" y="0"/>
+          <a:chExt cx="0" cy="0"/>
+        </a:xfrm>
+      </p:grpSpPr>
+      <p:sp>
+        <p:nvSpPr>
           <p:cNvPr id="2" name="Title 1"/>
           <p:cNvSpPr>
             <a:spLocks noGrp="1"/>
@@ -22374,7 +21820,7 @@
           <a:p>
             <a:fld id="{910CD07C-8A7E-4C51-BD5E-C27BF0DA94AA}" type="slidenum">
               <a:rPr lang="en-US" smtClean="0"/>
-              <a:t>46</a:t>
+              <a:t>40</a:t>
             </a:fld>
             <a:endParaRPr lang="en-US"/>
           </a:p>
@@ -22521,7 +21967,7 @@
             <a:fld id="{910CD07C-8A7E-4C51-BD5E-C27BF0DA94AA}" type="slidenum">
               <a:rPr lang="en-US" smtClean="0"/>
               <a:pPr/>
-              <a:t>46</a:t>
+              <a:t>40</a:t>
             </a:fld>
             <a:endParaRPr lang="en-US"/>
           </a:p>
@@ -22687,7 +22133,7 @@
 </p:sld>
 </file>
 
-<file path=ppt/slides/slide47.xml><?xml version="1.0" encoding="utf-8"?>
+<file path=ppt/slides/slide41.xml><?xml version="1.0" encoding="utf-8"?>
 <p:sld xmlns:a="http://schemas.openxmlformats.org/drawingml/2006/main" xmlns:r="http://schemas.openxmlformats.org/officeDocument/2006/relationships" xmlns:p="http://schemas.openxmlformats.org/presentationml/2006/main">
   <p:cSld>
     <p:spTree>
@@ -22773,7 +22219,7 @@
           <a:p>
             <a:fld id="{910CD07C-8A7E-4C51-BD5E-C27BF0DA94AA}" type="slidenum">
               <a:rPr lang="en-US" smtClean="0"/>
-              <a:t>47</a:t>
+              <a:t>41</a:t>
             </a:fld>
             <a:endParaRPr lang="en-US"/>
           </a:p>
@@ -23153,7 +22599,7 @@
 </p:sld>
 </file>
 
-<file path=ppt/slides/slide48.xml><?xml version="1.0" encoding="utf-8"?>
+<file path=ppt/slides/slide42.xml><?xml version="1.0" encoding="utf-8"?>
 <p:sld xmlns:a="http://schemas.openxmlformats.org/drawingml/2006/main" xmlns:r="http://schemas.openxmlformats.org/officeDocument/2006/relationships" xmlns:p="http://schemas.openxmlformats.org/presentationml/2006/main">
   <p:cSld>
     <p:spTree>
@@ -23307,7 +22753,7 @@
           <a:p>
             <a:fld id="{910CD07C-8A7E-4C51-BD5E-C27BF0DA94AA}" type="slidenum">
               <a:rPr lang="en-US" smtClean="0"/>
-              <a:t>48</a:t>
+              <a:t>42</a:t>
             </a:fld>
             <a:endParaRPr lang="en-US"/>
           </a:p>
@@ -23393,7 +22839,7 @@
 </p:sld>
 </file>
 
-<file path=ppt/slides/slide49.xml><?xml version="1.0" encoding="utf-8"?>
+<file path=ppt/slides/slide43.xml><?xml version="1.0" encoding="utf-8"?>
 <p:sld xmlns:a="http://schemas.openxmlformats.org/drawingml/2006/main" xmlns:r="http://schemas.openxmlformats.org/officeDocument/2006/relationships" xmlns:p="http://schemas.openxmlformats.org/presentationml/2006/main">
   <p:cSld>
     <p:spTree>
@@ -23496,7 +22942,7 @@
           <a:p>
             <a:fld id="{910CD07C-8A7E-4C51-BD5E-C27BF0DA94AA}" type="slidenum">
               <a:rPr lang="en-US" smtClean="0"/>
-              <a:t>49</a:t>
+              <a:t>43</a:t>
             </a:fld>
             <a:endParaRPr lang="en-US"/>
           </a:p>
@@ -23689,6 +23135,190 @@
     <p:extLst>
       <p:ext uri="{BB962C8B-B14F-4D97-AF65-F5344CB8AC3E}">
         <p14:creationId xmlns:p14="http://schemas.microsoft.com/office/powerpoint/2010/main" val="2350946420"/>
+      </p:ext>
+    </p:extLst>
+  </p:cSld>
+  <p:clrMapOvr>
+    <a:masterClrMapping/>
+  </p:clrMapOvr>
+  <mc:AlternateContent xmlns:mc="http://schemas.openxmlformats.org/markup-compatibility/2006" xmlns:p14="http://schemas.microsoft.com/office/powerpoint/2010/main">
+    <mc:Choice Requires="p14">
+      <p:transition spd="med" p14:dur="699">
+        <p:fade/>
+      </p:transition>
+    </mc:Choice>
+    <mc:Fallback xmlns="">
+      <p:transition xmlns:p14="http://schemas.microsoft.com/office/powerpoint/2010/main" spd="med">
+        <p:fade/>
+      </p:transition>
+    </mc:Fallback>
+  </mc:AlternateContent>
+  <p:timing>
+    <p:tnLst>
+      <p:par>
+        <p:cTn xmlns:p14="http://schemas.microsoft.com/office/powerpoint/2010/main" id="1" dur="indefinite" restart="never" nodeType="tmRoot"/>
+      </p:par>
+    </p:tnLst>
+  </p:timing>
+</p:sld>
+</file>
+
+<file path=ppt/slides/slide44.xml><?xml version="1.0" encoding="utf-8"?>
+<p:sld xmlns:a="http://schemas.openxmlformats.org/drawingml/2006/main" xmlns:r="http://schemas.openxmlformats.org/officeDocument/2006/relationships" xmlns:p="http://schemas.openxmlformats.org/presentationml/2006/main">
+  <p:cSld>
+    <p:spTree>
+      <p:nvGrpSpPr>
+        <p:cNvPr id="1" name=""/>
+        <p:cNvGrpSpPr/>
+        <p:nvPr/>
+      </p:nvGrpSpPr>
+      <p:grpSpPr>
+        <a:xfrm>
+          <a:off x="0" y="0"/>
+          <a:ext cx="0" cy="0"/>
+          <a:chOff x="0" y="0"/>
+          <a:chExt cx="0" cy="0"/>
+        </a:xfrm>
+      </p:grpSpPr>
+      <p:sp>
+        <p:nvSpPr>
+          <p:cNvPr id="2" name="Title 1"/>
+          <p:cNvSpPr>
+            <a:spLocks noGrp="1"/>
+          </p:cNvSpPr>
+          <p:nvPr>
+            <p:ph type="title"/>
+          </p:nvPr>
+        </p:nvSpPr>
+        <p:spPr/>
+        <p:txBody>
+          <a:bodyPr/>
+          <a:lstStyle/>
+          <a:p>
+            <a:r>
+              <a:rPr lang="en-US" dirty="0"/>
+              <a:t>Learning Rate </a:t>
+            </a:r>
+            <a:r>
+              <a:rPr lang="el-GR" dirty="0"/>
+              <a:t>β</a:t>
+            </a:r>
+            <a:endParaRPr lang="en-US" dirty="0"/>
+          </a:p>
+        </p:txBody>
+      </p:sp>
+      <p:sp>
+        <p:nvSpPr>
+          <p:cNvPr id="3" name="Content Placeholder 2"/>
+          <p:cNvSpPr>
+            <a:spLocks noGrp="1"/>
+          </p:cNvSpPr>
+          <p:nvPr>
+            <p:ph sz="half" idx="1"/>
+          </p:nvPr>
+        </p:nvSpPr>
+        <p:spPr/>
+        <p:txBody>
+          <a:bodyPr>
+            <a:normAutofit/>
+          </a:bodyPr>
+          <a:lstStyle/>
+          <a:p>
+            <a:pPr lvl="2"/>
+            <a:r>
+              <a:rPr lang="en-US" dirty="0" smtClean="0"/>
+              <a:t>Difficult Scenario</a:t>
+            </a:r>
+          </a:p>
+          <a:p>
+            <a:pPr lvl="3"/>
+            <a:r>
+              <a:rPr lang="en-US" dirty="0" smtClean="0"/>
+              <a:t>Blind prey</a:t>
+            </a:r>
+          </a:p>
+          <a:p>
+            <a:pPr lvl="3"/>
+            <a:endParaRPr lang="en-US" dirty="0"/>
+          </a:p>
+          <a:p>
+            <a:pPr lvl="3"/>
+            <a:r>
+              <a:rPr lang="en-US" dirty="0" smtClean="0"/>
+              <a:t>High learning rates show an advantage because of long distance to the prey</a:t>
+            </a:r>
+          </a:p>
+        </p:txBody>
+      </p:sp>
+      <p:pic>
+        <p:nvPicPr>
+          <p:cNvPr id="6" name="Content Placeholder 5"/>
+          <p:cNvPicPr>
+            <a:picLocks noGrp="1" noChangeAspect="1"/>
+          </p:cNvPicPr>
+          <p:nvPr>
+            <p:ph sz="half" idx="2"/>
+          </p:nvPr>
+        </p:nvPicPr>
+        <p:blipFill>
+          <a:blip r:embed="rId2" cstate="print">
+            <a:extLst>
+              <a:ext uri="{28A0092B-C50C-407E-A947-70E740481C1C}">
+                <a14:useLocalDpi xmlns:a14="http://schemas.microsoft.com/office/drawing/2010/main"/>
+              </a:ext>
+            </a:extLst>
+          </a:blip>
+          <a:stretch>
+            <a:fillRect/>
+          </a:stretch>
+        </p:blipFill>
+        <p:spPr>
+          <a:xfrm>
+            <a:off x="4648200" y="2440229"/>
+            <a:ext cx="4038600" cy="3290403"/>
+          </a:xfrm>
+          <a:prstGeom prst="rect">
+            <a:avLst/>
+          </a:prstGeom>
+          <a:ln>
+            <a:noFill/>
+          </a:ln>
+          <a:effectLst>
+            <a:outerShdw blurRad="190500" algn="tl" rotWithShape="0">
+              <a:srgbClr xmlns:mc="http://schemas.openxmlformats.org/markup-compatibility/2006" xmlns:a14="http://schemas.microsoft.com/office/drawing/2010/main" val="000000" mc:Ignorable="">
+                <a:alpha val="70000"/>
+              </a:srgbClr>
+            </a:outerShdw>
+          </a:effectLst>
+        </p:spPr>
+      </p:pic>
+      <p:sp>
+        <p:nvSpPr>
+          <p:cNvPr id="5" name="Slide Number Placeholder 4"/>
+          <p:cNvSpPr>
+            <a:spLocks noGrp="1"/>
+          </p:cNvSpPr>
+          <p:nvPr>
+            <p:ph type="sldNum" sz="quarter" idx="12"/>
+          </p:nvPr>
+        </p:nvSpPr>
+        <p:spPr/>
+        <p:txBody>
+          <a:bodyPr/>
+          <a:lstStyle/>
+          <a:p>
+            <a:fld id="{910CD07C-8A7E-4C51-BD5E-C27BF0DA94AA}" type="slidenum">
+              <a:rPr lang="en-US" smtClean="0"/>
+              <a:t>44</a:t>
+            </a:fld>
+            <a:endParaRPr lang="en-US"/>
+          </a:p>
+        </p:txBody>
+      </p:sp>
+    </p:spTree>
+    <p:extLst>
+      <p:ext uri="{BB962C8B-B14F-4D97-AF65-F5344CB8AC3E}">
+        <p14:creationId xmlns:p14="http://schemas.microsoft.com/office/powerpoint/2010/main" val="1857914335"/>
       </p:ext>
     </p:extLst>
   </p:cSld>
@@ -23908,190 +23538,6 @@
 </p:sld>
 </file>
 
-<file path=ppt/slides/slide50.xml><?xml version="1.0" encoding="utf-8"?>
-<p:sld xmlns:a="http://schemas.openxmlformats.org/drawingml/2006/main" xmlns:r="http://schemas.openxmlformats.org/officeDocument/2006/relationships" xmlns:p="http://schemas.openxmlformats.org/presentationml/2006/main">
-  <p:cSld>
-    <p:spTree>
-      <p:nvGrpSpPr>
-        <p:cNvPr id="1" name=""/>
-        <p:cNvGrpSpPr/>
-        <p:nvPr/>
-      </p:nvGrpSpPr>
-      <p:grpSpPr>
-        <a:xfrm>
-          <a:off x="0" y="0"/>
-          <a:ext cx="0" cy="0"/>
-          <a:chOff x="0" y="0"/>
-          <a:chExt cx="0" cy="0"/>
-        </a:xfrm>
-      </p:grpSpPr>
-      <p:sp>
-        <p:nvSpPr>
-          <p:cNvPr id="2" name="Title 1"/>
-          <p:cNvSpPr>
-            <a:spLocks noGrp="1"/>
-          </p:cNvSpPr>
-          <p:nvPr>
-            <p:ph type="title"/>
-          </p:nvPr>
-        </p:nvSpPr>
-        <p:spPr/>
-        <p:txBody>
-          <a:bodyPr/>
-          <a:lstStyle/>
-          <a:p>
-            <a:r>
-              <a:rPr lang="en-US" dirty="0"/>
-              <a:t>Learning Rate </a:t>
-            </a:r>
-            <a:r>
-              <a:rPr lang="el-GR" dirty="0"/>
-              <a:t>β</a:t>
-            </a:r>
-            <a:endParaRPr lang="en-US" dirty="0"/>
-          </a:p>
-        </p:txBody>
-      </p:sp>
-      <p:sp>
-        <p:nvSpPr>
-          <p:cNvPr id="3" name="Content Placeholder 2"/>
-          <p:cNvSpPr>
-            <a:spLocks noGrp="1"/>
-          </p:cNvSpPr>
-          <p:nvPr>
-            <p:ph sz="half" idx="1"/>
-          </p:nvPr>
-        </p:nvSpPr>
-        <p:spPr/>
-        <p:txBody>
-          <a:bodyPr>
-            <a:normAutofit/>
-          </a:bodyPr>
-          <a:lstStyle/>
-          <a:p>
-            <a:pPr lvl="2"/>
-            <a:r>
-              <a:rPr lang="en-US" dirty="0" smtClean="0"/>
-              <a:t>Difficult Scenario</a:t>
-            </a:r>
-          </a:p>
-          <a:p>
-            <a:pPr lvl="3"/>
-            <a:r>
-              <a:rPr lang="en-US" dirty="0" smtClean="0"/>
-              <a:t>Blind prey</a:t>
-            </a:r>
-          </a:p>
-          <a:p>
-            <a:pPr lvl="3"/>
-            <a:endParaRPr lang="en-US" dirty="0"/>
-          </a:p>
-          <a:p>
-            <a:pPr lvl="3"/>
-            <a:r>
-              <a:rPr lang="en-US" dirty="0" smtClean="0"/>
-              <a:t>High learning rates show an advantage because of long distance to the prey</a:t>
-            </a:r>
-          </a:p>
-        </p:txBody>
-      </p:sp>
-      <p:pic>
-        <p:nvPicPr>
-          <p:cNvPr id="6" name="Content Placeholder 5"/>
-          <p:cNvPicPr>
-            <a:picLocks noGrp="1" noChangeAspect="1"/>
-          </p:cNvPicPr>
-          <p:nvPr>
-            <p:ph sz="half" idx="2"/>
-          </p:nvPr>
-        </p:nvPicPr>
-        <p:blipFill>
-          <a:blip r:embed="rId2" cstate="print">
-            <a:extLst>
-              <a:ext uri="{28A0092B-C50C-407E-A947-70E740481C1C}">
-                <a14:useLocalDpi xmlns:a14="http://schemas.microsoft.com/office/drawing/2010/main"/>
-              </a:ext>
-            </a:extLst>
-          </a:blip>
-          <a:stretch>
-            <a:fillRect/>
-          </a:stretch>
-        </p:blipFill>
-        <p:spPr>
-          <a:xfrm>
-            <a:off x="4648200" y="2440229"/>
-            <a:ext cx="4038600" cy="3290403"/>
-          </a:xfrm>
-          <a:prstGeom prst="rect">
-            <a:avLst/>
-          </a:prstGeom>
-          <a:ln>
-            <a:noFill/>
-          </a:ln>
-          <a:effectLst>
-            <a:outerShdw blurRad="190500" algn="tl" rotWithShape="0">
-              <a:srgbClr xmlns:mc="http://schemas.openxmlformats.org/markup-compatibility/2006" xmlns:a14="http://schemas.microsoft.com/office/drawing/2010/main" val="000000" mc:Ignorable="">
-                <a:alpha val="70000"/>
-              </a:srgbClr>
-            </a:outerShdw>
-          </a:effectLst>
-        </p:spPr>
-      </p:pic>
-      <p:sp>
-        <p:nvSpPr>
-          <p:cNvPr id="5" name="Slide Number Placeholder 4"/>
-          <p:cNvSpPr>
-            <a:spLocks noGrp="1"/>
-          </p:cNvSpPr>
-          <p:nvPr>
-            <p:ph type="sldNum" sz="quarter" idx="12"/>
-          </p:nvPr>
-        </p:nvSpPr>
-        <p:spPr/>
-        <p:txBody>
-          <a:bodyPr/>
-          <a:lstStyle/>
-          <a:p>
-            <a:fld id="{910CD07C-8A7E-4C51-BD5E-C27BF0DA94AA}" type="slidenum">
-              <a:rPr lang="en-US" smtClean="0"/>
-              <a:t>50</a:t>
-            </a:fld>
-            <a:endParaRPr lang="en-US"/>
-          </a:p>
-        </p:txBody>
-      </p:sp>
-    </p:spTree>
-    <p:extLst>
-      <p:ext uri="{BB962C8B-B14F-4D97-AF65-F5344CB8AC3E}">
-        <p14:creationId xmlns:p14="http://schemas.microsoft.com/office/powerpoint/2010/main" val="1857914335"/>
-      </p:ext>
-    </p:extLst>
-  </p:cSld>
-  <p:clrMapOvr>
-    <a:masterClrMapping/>
-  </p:clrMapOvr>
-  <mc:AlternateContent xmlns:mc="http://schemas.openxmlformats.org/markup-compatibility/2006" xmlns:p14="http://schemas.microsoft.com/office/powerpoint/2010/main">
-    <mc:Choice Requires="p14">
-      <p:transition spd="med" p14:dur="699">
-        <p:fade/>
-      </p:transition>
-    </mc:Choice>
-    <mc:Fallback xmlns="">
-      <p:transition xmlns:p14="http://schemas.microsoft.com/office/powerpoint/2010/main" spd="med">
-        <p:fade/>
-      </p:transition>
-    </mc:Fallback>
-  </mc:AlternateContent>
-  <p:timing>
-    <p:tnLst>
-      <p:par>
-        <p:cTn xmlns:p14="http://schemas.microsoft.com/office/powerpoint/2010/main" id="1" dur="indefinite" restart="never" nodeType="tmRoot"/>
-      </p:par>
-    </p:tnLst>
-  </p:timing>
-</p:sld>
-</file>
-
 <file path=ppt/slides/slide6.xml><?xml version="1.0" encoding="utf-8"?>
 <p:sld xmlns:a="http://schemas.openxmlformats.org/drawingml/2006/main" xmlns:r="http://schemas.openxmlformats.org/officeDocument/2006/relationships" xmlns:p="http://schemas.openxmlformats.org/presentationml/2006/main">
   <p:cSld>
@@ -24427,27 +23873,6 @@
       </p:sp>
       <p:sp>
         <p:nvSpPr>
-          <p:cNvPr id="4" name="Content Placeholder 3"/>
-          <p:cNvSpPr>
-            <a:spLocks noGrp="1"/>
-          </p:cNvSpPr>
-          <p:nvPr>
-            <p:ph sz="half" idx="2"/>
-          </p:nvPr>
-        </p:nvSpPr>
-        <p:spPr/>
-        <p:txBody>
-          <a:bodyPr>
-            <a:normAutofit/>
-          </a:bodyPr>
-          <a:lstStyle/>
-          <a:p>
-            <a:endParaRPr lang="en-US" dirty="0"/>
-          </a:p>
-        </p:txBody>
-      </p:sp>
-      <p:sp>
-        <p:nvSpPr>
           <p:cNvPr id="5" name="Slide Number Placeholder 4"/>
           <p:cNvSpPr>
             <a:spLocks noGrp="1"/>
@@ -24498,11 +23923,16 @@
           <a:prstGeom prst="rect">
             <a:avLst/>
           </a:prstGeom>
-          <a:noFill/>
           <a:ln>
             <a:noFill/>
           </a:ln>
-          <a:effectLst/>
+          <a:effectLst>
+            <a:outerShdw blurRad="190500" algn="tl" rotWithShape="0">
+              <a:srgbClr xmlns:mc="http://schemas.openxmlformats.org/markup-compatibility/2006" xmlns:a14="http://schemas.microsoft.com/office/drawing/2010/main" val="000000" mc:Ignorable="">
+                <a:alpha val="70000"/>
+              </a:srgbClr>
+            </a:outerShdw>
+          </a:effectLst>
           <a:extLst>
             <a:ext uri="{909E8E84-426E-40DD-AFC4-6F175D3DCCD1}">
               <a14:hiddenFill xmlns:a14="http://schemas.microsoft.com/office/drawing/2010/main">
@@ -24520,15 +23950,6 @@
                 <a:headEnd/>
                 <a:tailEnd/>
               </a14:hiddenLine>
-            </a:ext>
-            <a:ext uri="{AF507438-7753-43E0-B8FC-AC1667EBCBE1}">
-              <a14:hiddenEffects xmlns:a14="http://schemas.microsoft.com/office/drawing/2010/main">
-                <a:effectLst>
-                  <a:outerShdw dist="35921" dir="2700000" algn="ctr" rotWithShape="0">
-                    <a:schemeClr val="bg2"/>
-                  </a:outerShdw>
-                </a:effectLst>
-              </a14:hiddenEffects>
             </a:ext>
           </a:extLst>
         </p:spPr>
@@ -24664,8 +24085,21 @@
             <a:pPr lvl="1"/>
             <a:r>
               <a:rPr lang="en-US" dirty="0"/>
-              <a:t>Obstacles, Prey, Predator</a:t>
-            </a:r>
+              <a:t>Obstacles, </a:t>
+            </a:r>
+            <a:r>
+              <a:rPr lang="en-US" dirty="0" smtClean="0"/>
+              <a:t>prey</a:t>
+            </a:r>
+            <a:r>
+              <a:rPr lang="en-US" dirty="0"/>
+              <a:t>, p</a:t>
+            </a:r>
+            <a:r>
+              <a:rPr lang="en-US" dirty="0" smtClean="0"/>
+              <a:t>redator</a:t>
+            </a:r>
+            <a:endParaRPr lang="en-US" dirty="0"/>
           </a:p>
           <a:p>
             <a:endParaRPr lang="en-US" u="sng" dirty="0" smtClean="0"/>
@@ -24677,8 +24111,13 @@
             </a:r>
             <a:r>
               <a:rPr lang="en-US" dirty="0"/>
-              <a:t>: Get near the moving prey as often as possible</a:t>
-            </a:r>
+              <a:t>: </a:t>
+            </a:r>
+            <a:r>
+              <a:rPr lang="en-US" dirty="0" smtClean="0"/>
+              <a:t>Try to stay near the prey</a:t>
+            </a:r>
+            <a:endParaRPr lang="en-US" dirty="0"/>
           </a:p>
           <a:p>
             <a:pPr lvl="1"/>
@@ -24691,44 +24130,19 @@
             <a:pPr lvl="1"/>
             <a:r>
               <a:rPr lang="en-US" dirty="0" smtClean="0"/>
-              <a:t>Continuous</a:t>
+              <a:t>Runs continuously</a:t>
             </a:r>
           </a:p>
           <a:p>
             <a:pPr lvl="1"/>
             <a:r>
-              <a:rPr lang="en-US" dirty="0"/>
-              <a:t>Average </a:t>
-            </a:r>
-            <a:r>
               <a:rPr lang="en-US" dirty="0" smtClean="0"/>
-              <a:t>Quality</a:t>
+              <a:t>Maximize average quality</a:t>
             </a:r>
           </a:p>
           <a:p>
             <a:pPr lvl="1"/>
             <a:endParaRPr lang="en-US" dirty="0" smtClean="0"/>
-          </a:p>
-        </p:txBody>
-      </p:sp>
-      <p:sp>
-        <p:nvSpPr>
-          <p:cNvPr id="4" name="Content Placeholder 3"/>
-          <p:cNvSpPr>
-            <a:spLocks noGrp="1"/>
-          </p:cNvSpPr>
-          <p:nvPr>
-            <p:ph sz="half" idx="2"/>
-          </p:nvPr>
-        </p:nvSpPr>
-        <p:spPr/>
-        <p:txBody>
-          <a:bodyPr>
-            <a:normAutofit/>
-          </a:bodyPr>
-          <a:lstStyle/>
-          <a:p>
-            <a:endParaRPr lang="en-US" dirty="0"/>
           </a:p>
         </p:txBody>
       </p:sp>
@@ -24784,11 +24198,16 @@
           <a:prstGeom prst="rect">
             <a:avLst/>
           </a:prstGeom>
-          <a:noFill/>
           <a:ln>
             <a:noFill/>
           </a:ln>
-          <a:effectLst/>
+          <a:effectLst>
+            <a:outerShdw blurRad="190500" algn="tl" rotWithShape="0">
+              <a:srgbClr xmlns:mc="http://schemas.openxmlformats.org/markup-compatibility/2006" xmlns:a14="http://schemas.microsoft.com/office/drawing/2010/main" val="000000" mc:Ignorable="">
+                <a:alpha val="70000"/>
+              </a:srgbClr>
+            </a:outerShdw>
+          </a:effectLst>
           <a:extLst>
             <a:ext uri="{909E8E84-426E-40DD-AFC4-6F175D3DCCD1}">
               <a14:hiddenFill xmlns:a14="http://schemas.microsoft.com/office/drawing/2010/main">
@@ -24806,15 +24225,6 @@
                 <a:headEnd/>
                 <a:tailEnd/>
               </a14:hiddenLine>
-            </a:ext>
-            <a:ext uri="{AF507438-7753-43E0-B8FC-AC1667EBCBE1}">
-              <a14:hiddenEffects xmlns:a14="http://schemas.microsoft.com/office/drawing/2010/main">
-                <a:effectLst>
-                  <a:outerShdw dist="35921" dir="2700000" algn="ctr" rotWithShape="0">
-                    <a:schemeClr val="bg2"/>
-                  </a:outerShdw>
-                </a:effectLst>
-              </a14:hiddenEffects>
             </a:ext>
           </a:extLst>
         </p:spPr>
@@ -24956,8 +24366,12 @@
               <a:buAutoNum type="arabicParenBoth"/>
             </a:pPr>
             <a:r>
+              <a:rPr lang="en-US" dirty="0" smtClean="0"/>
+              <a:t>Open </a:t>
+            </a:r>
+            <a:r>
               <a:rPr lang="en-US" dirty="0"/>
-              <a:t>open areas with </a:t>
+              <a:t>areas with </a:t>
             </a:r>
             <a:r>
               <a:rPr lang="en-US" dirty="0" smtClean="0"/>
@@ -24971,7 +24385,15 @@
             </a:pPr>
             <a:r>
               <a:rPr lang="en-US" dirty="0"/>
-              <a:t>internal state unknown to </a:t>
+              <a:t>I</a:t>
+            </a:r>
+            <a:r>
+              <a:rPr lang="en-US" dirty="0" smtClean="0"/>
+              <a:t>nternal </a:t>
+            </a:r>
+            <a:r>
+              <a:rPr lang="en-US" dirty="0"/>
+              <a:t>state unknown to </a:t>
             </a:r>
             <a:r>
               <a:rPr lang="en-US" dirty="0" smtClean="0"/>
